--- a/How do I get started in Open Source.pptx
+++ b/How do I get started in Open Source.pptx
@@ -1853,7 +1853,7 @@
         </p:nvSpPr>
         <p:spPr>
           <a:xfrm>
-            <a:off x="381300" y="685800"/>
+            <a:off x="381000" y="685800"/>
             <a:ext cx="6096000" cy="3429000"/>
           </a:xfrm>
           <a:custGeom>
@@ -3827,7 +3827,7 @@
         </p:nvSpPr>
         <p:spPr>
           <a:xfrm>
-            <a:off x="381300" y="685800"/>
+            <a:off x="381000" y="685800"/>
             <a:ext cx="6096000" cy="3429000"/>
           </a:xfrm>
           <a:custGeom>
@@ -12271,34 +12271,6 @@
           </a:p>
         </p:txBody>
       </p:sp>
-      <p:pic>
-        <p:nvPicPr>
-          <p:cNvPr id="188" name="Shape 188"/>
-          <p:cNvPicPr preferRelativeResize="0"/>
-          <p:nvPr/>
-        </p:nvPicPr>
-        <p:blipFill>
-          <a:blip r:embed="rId4">
-            <a:alphaModFix/>
-          </a:blip>
-          <a:stretch>
-            <a:fillRect/>
-          </a:stretch>
-        </p:blipFill>
-        <p:spPr>
-          <a:xfrm>
-            <a:off x="2581275" y="1143000"/>
-            <a:ext cx="4286250" cy="3162300"/>
-          </a:xfrm>
-          <a:prstGeom prst="rect">
-            <a:avLst/>
-          </a:prstGeom>
-          <a:noFill/>
-          <a:ln>
-            <a:noFill/>
-          </a:ln>
-        </p:spPr>
-      </p:pic>
     </p:spTree>
   </p:cSld>
   <p:clrMapOvr>
@@ -14542,34 +14514,6 @@
           </a:p>
         </p:txBody>
       </p:sp>
-      <p:pic>
-        <p:nvPicPr>
-          <p:cNvPr id="120" name="Shape 120"/>
-          <p:cNvPicPr preferRelativeResize="0"/>
-          <p:nvPr/>
-        </p:nvPicPr>
-        <p:blipFill>
-          <a:blip r:embed="rId4">
-            <a:alphaModFix/>
-          </a:blip>
-          <a:stretch>
-            <a:fillRect/>
-          </a:stretch>
-        </p:blipFill>
-        <p:spPr>
-          <a:xfrm>
-            <a:off x="3151313" y="955325"/>
-            <a:ext cx="2943225" cy="3810000"/>
-          </a:xfrm>
-          <a:prstGeom prst="rect">
-            <a:avLst/>
-          </a:prstGeom>
-          <a:noFill/>
-          <a:ln>
-            <a:noFill/>
-          </a:ln>
-        </p:spPr>
-      </p:pic>
     </p:spTree>
   </p:cSld>
   <p:clrMapOvr>

--- a/How do I get started in Open Source.pptx
+++ b/How do I get started in Open Source.pptx
@@ -5,7 +5,7 @@
     <p:sldMasterId id="2147483659" r:id="rId1"/>
   </p:sldMasterIdLst>
   <p:notesMasterIdLst>
-    <p:notesMasterId r:id="rId23"/>
+    <p:notesMasterId r:id="rId28"/>
   </p:notesMasterIdLst>
   <p:sldIdLst>
     <p:sldId id="256" r:id="rId2"/>
@@ -29,6 +29,11 @@
     <p:sldId id="274" r:id="rId20"/>
     <p:sldId id="275" r:id="rId21"/>
     <p:sldId id="276" r:id="rId22"/>
+    <p:sldId id="277" r:id="rId23"/>
+    <p:sldId id="278" r:id="rId24"/>
+    <p:sldId id="279" r:id="rId25"/>
+    <p:sldId id="280" r:id="rId26"/>
+    <p:sldId id="281" r:id="rId27"/>
   </p:sldIdLst>
   <p:sldSz cx="9144000" cy="5143500" type="screen16x9"/>
   <p:notesSz cx="6858000" cy="9144000"/>
@@ -332,8 +337,8 @@
             </a:solidFill>
             <a:prstDash val="solid"/>
             <a:round/>
-            <a:headEnd type="none" w="med" len="med"/>
-            <a:tailEnd type="none" w="med" len="med"/>
+            <a:headEnd type="none" w="sm" len="sm"/>
+            <a:tailEnd type="none" w="sm" len="sm"/>
           </a:ln>
         </p:spPr>
       </p:sp>
@@ -471,7 +476,7 @@
     </p:spTree>
     <p:extLst>
       <p:ext uri="{BB962C8B-B14F-4D97-AF65-F5344CB8AC3E}">
-        <p14:creationId xmlns:p14="http://schemas.microsoft.com/office/powerpoint/2010/main" val="1479371322"/>
+        <p14:creationId xmlns:p14="http://schemas.microsoft.com/office/powerpoint/2010/main" val="1377263800"/>
       </p:ext>
     </p:extLst>
   </p:cSld>
@@ -802,7 +807,7 @@
             </a:pPr>
             <a:r>
               <a:rPr lang="en"/>
-              <a:t>Today’s goal is to give you a primer on how to contribute to a Open Source Project.  We will be walking you through steps it takes to contribute to an open source project as well as discuss with you the terminology.   </a:t>
+              <a:t>Today’s goal is to give you a primer on how to contribute to a Open Source Project with a Spring focus.  We will be walking you through steps it takes to contribute to an open source project as well as discuss with you the terminology.   </a:t>
             </a:r>
             <a:endParaRPr/>
           </a:p>
@@ -845,7 +850,7 @@
         </p:nvSpPr>
         <p:spPr>
           <a:xfrm>
-            <a:off x="381000" y="685800"/>
+            <a:off x="381300" y="685800"/>
             <a:ext cx="6096000" cy="3429000"/>
           </a:xfrm>
           <a:custGeom>
@@ -1055,7 +1060,7 @@
   <p:cSld>
     <p:spTree>
       <p:nvGrpSpPr>
-        <p:cNvPr id="1" name="Shape 136"/>
+        <p:cNvPr id="1" name="Shape 137"/>
         <p:cNvGrpSpPr/>
         <p:nvPr/>
       </p:nvGrpSpPr>
@@ -1069,7 +1074,7 @@
       </p:grpSpPr>
       <p:sp>
         <p:nvSpPr>
-          <p:cNvPr id="137" name="Shape 137"/>
+          <p:cNvPr id="138" name="Shape 138"/>
           <p:cNvSpPr>
             <a:spLocks noGrp="1" noRot="1" noChangeAspect="1"/>
           </p:cNvSpPr>
@@ -1110,7 +1115,7 @@
       </p:sp>
       <p:sp>
         <p:nvSpPr>
-          <p:cNvPr id="138" name="Shape 138"/>
+          <p:cNvPr id="139" name="Shape 139"/>
           <p:cNvSpPr txBox="1">
             <a:spLocks noGrp="1"/>
           </p:cNvSpPr>
@@ -1133,15 +1138,14 @@
           </a:bodyPr>
           <a:lstStyle/>
           <a:p>
-            <a:pPr marL="457200" lvl="0" indent="-292100" rtl="0">
-              <a:spcBef>
-                <a:spcPts val="0"/>
-              </a:spcBef>
-              <a:spcAft>
-                <a:spcPts val="0"/>
-              </a:spcAft>
-              <a:buSzPts val="1000"/>
-              <a:buChar char="●"/>
+            <a:pPr marL="0" lvl="0" indent="0" rtl="0">
+              <a:spcBef>
+                <a:spcPts val="0"/>
+              </a:spcBef>
+              <a:spcAft>
+                <a:spcPts val="0"/>
+              </a:spcAft>
+              <a:buNone/>
             </a:pPr>
             <a:endParaRPr sz="1000"/>
           </a:p>
@@ -1160,7 +1164,7 @@
   <p:cSld>
     <p:spTree>
       <p:nvGrpSpPr>
-        <p:cNvPr id="1" name="Shape 143"/>
+        <p:cNvPr id="1" name="Shape 144"/>
         <p:cNvGrpSpPr/>
         <p:nvPr/>
       </p:nvGrpSpPr>
@@ -1174,7 +1178,7 @@
       </p:grpSpPr>
       <p:sp>
         <p:nvSpPr>
-          <p:cNvPr id="144" name="Shape 144"/>
+          <p:cNvPr id="145" name="Shape 145"/>
           <p:cNvSpPr>
             <a:spLocks noGrp="1" noRot="1" noChangeAspect="1"/>
           </p:cNvSpPr>
@@ -1215,7 +1219,7 @@
       </p:sp>
       <p:sp>
         <p:nvSpPr>
-          <p:cNvPr id="145" name="Shape 145"/>
+          <p:cNvPr id="146" name="Shape 146"/>
           <p:cNvSpPr txBox="1">
             <a:spLocks noGrp="1"/>
           </p:cNvSpPr>
@@ -1238,15 +1242,14 @@
           </a:bodyPr>
           <a:lstStyle/>
           <a:p>
-            <a:pPr marL="457200" lvl="0" indent="-292100" rtl="0">
-              <a:spcBef>
-                <a:spcPts val="0"/>
-              </a:spcBef>
-              <a:spcAft>
-                <a:spcPts val="0"/>
-              </a:spcAft>
-              <a:buSzPts val="1000"/>
-              <a:buChar char="●"/>
+            <a:pPr marL="0" lvl="0" indent="0" rtl="0">
+              <a:spcBef>
+                <a:spcPts val="0"/>
+              </a:spcBef>
+              <a:spcAft>
+                <a:spcPts val="0"/>
+              </a:spcAft>
+              <a:buNone/>
             </a:pPr>
             <a:endParaRPr sz="1000"/>
           </a:p>
@@ -1265,7 +1268,7 @@
   <p:cSld>
     <p:spTree>
       <p:nvGrpSpPr>
-        <p:cNvPr id="1" name="Shape 150"/>
+        <p:cNvPr id="1" name="Shape 151"/>
         <p:cNvGrpSpPr/>
         <p:nvPr/>
       </p:nvGrpSpPr>
@@ -1279,7 +1282,7 @@
       </p:grpSpPr>
       <p:sp>
         <p:nvSpPr>
-          <p:cNvPr id="151" name="Shape 151"/>
+          <p:cNvPr id="152" name="Shape 152"/>
           <p:cNvSpPr>
             <a:spLocks noGrp="1" noRot="1" noChangeAspect="1"/>
           </p:cNvSpPr>
@@ -1289,7 +1292,7 @@
         </p:nvSpPr>
         <p:spPr>
           <a:xfrm>
-            <a:off x="381300" y="685800"/>
+            <a:off x="381000" y="685800"/>
             <a:ext cx="6096000" cy="3429000"/>
           </a:xfrm>
           <a:custGeom>
@@ -1320,7 +1323,7 @@
       </p:sp>
       <p:sp>
         <p:nvSpPr>
-          <p:cNvPr id="152" name="Shape 152"/>
+          <p:cNvPr id="153" name="Shape 153"/>
           <p:cNvSpPr txBox="1">
             <a:spLocks noGrp="1"/>
           </p:cNvSpPr>
@@ -1342,6 +1345,571 @@
             <a:noAutofit/>
           </a:bodyPr>
           <a:lstStyle/>
+          <a:p>
+            <a:pPr marL="0" lvl="0" indent="0" rtl="0">
+              <a:spcBef>
+                <a:spcPts val="0"/>
+              </a:spcBef>
+              <a:spcAft>
+                <a:spcPts val="0"/>
+              </a:spcAft>
+              <a:buNone/>
+            </a:pPr>
+            <a:r>
+              <a:rPr lang="en"/>
+              <a:t>Committer</a:t>
+            </a:r>
+            <a:endParaRPr/>
+          </a:p>
+          <a:p>
+            <a:pPr marL="0" lvl="0" indent="0" rtl="0">
+              <a:spcBef>
+                <a:spcPts val="0"/>
+              </a:spcBef>
+              <a:spcAft>
+                <a:spcPts val="0"/>
+              </a:spcAft>
+              <a:buNone/>
+            </a:pPr>
+            <a:r>
+              <a:rPr lang="en" sz="1200">
+                <a:solidFill>
+                  <a:srgbClr val="222222"/>
+                </a:solidFill>
+                <a:highlight>
+                  <a:srgbClr val="FFFFFF"/>
+                </a:highlight>
+              </a:rPr>
+              <a:t>A </a:t>
+            </a:r>
+            <a:r>
+              <a:rPr lang="en" sz="1200" b="1">
+                <a:solidFill>
+                  <a:srgbClr val="222222"/>
+                </a:solidFill>
+                <a:highlight>
+                  <a:srgbClr val="FFFFFF"/>
+                </a:highlight>
+              </a:rPr>
+              <a:t>committer</a:t>
+            </a:r>
+            <a:r>
+              <a:rPr lang="en" sz="1200">
+                <a:solidFill>
+                  <a:srgbClr val="222222"/>
+                </a:solidFill>
+                <a:highlight>
+                  <a:srgbClr val="FFFFFF"/>
+                </a:highlight>
+              </a:rPr>
+              <a:t> is an individual who is able to modify the source code of a particular piece of open-source software. To contribute source code on most large projects, one must make modifications and then "commit" those changes to a central repository such as Git (or CVS).(wikipedia)</a:t>
+            </a:r>
+            <a:endParaRPr sz="1200">
+              <a:solidFill>
+                <a:srgbClr val="222222"/>
+              </a:solidFill>
+              <a:highlight>
+                <a:srgbClr val="FFFFFF"/>
+              </a:highlight>
+            </a:endParaRPr>
+          </a:p>
+          <a:p>
+            <a:pPr marL="0" lvl="0" indent="0" rtl="0">
+              <a:spcBef>
+                <a:spcPts val="0"/>
+              </a:spcBef>
+              <a:spcAft>
+                <a:spcPts val="0"/>
+              </a:spcAft>
+              <a:buNone/>
+            </a:pPr>
+            <a:endParaRPr sz="1200">
+              <a:solidFill>
+                <a:srgbClr val="222222"/>
+              </a:solidFill>
+              <a:highlight>
+                <a:srgbClr val="FFFFFF"/>
+              </a:highlight>
+            </a:endParaRPr>
+          </a:p>
+          <a:p>
+            <a:pPr marL="0" lvl="0" indent="0" rtl="0">
+              <a:spcBef>
+                <a:spcPts val="0"/>
+              </a:spcBef>
+              <a:spcAft>
+                <a:spcPts val="0"/>
+              </a:spcAft>
+              <a:buNone/>
+            </a:pPr>
+            <a:r>
+              <a:rPr lang="en" sz="1200">
+                <a:solidFill>
+                  <a:srgbClr val="222222"/>
+                </a:solidFill>
+                <a:highlight>
+                  <a:srgbClr val="FFFFFF"/>
+                </a:highlight>
+              </a:rPr>
+              <a:t>How to become a committer (wikipedia)</a:t>
+            </a:r>
+            <a:endParaRPr sz="1200">
+              <a:solidFill>
+                <a:srgbClr val="222222"/>
+              </a:solidFill>
+              <a:highlight>
+                <a:srgbClr val="FFFFFF"/>
+              </a:highlight>
+            </a:endParaRPr>
+          </a:p>
+          <a:p>
+            <a:pPr marL="901700" lvl="0" indent="-295275" rtl="0">
+              <a:lnSpc>
+                <a:spcPct val="115000"/>
+              </a:lnSpc>
+              <a:spcBef>
+                <a:spcPts val="300"/>
+              </a:spcBef>
+              <a:spcAft>
+                <a:spcPts val="0"/>
+              </a:spcAft>
+              <a:buClr>
+                <a:srgbClr val="222222"/>
+              </a:buClr>
+              <a:buSzPts val="1050"/>
+              <a:buAutoNum type="arabicPeriod"/>
+            </a:pPr>
+            <a:r>
+              <a:rPr lang="en" sz="1050">
+                <a:solidFill>
+                  <a:srgbClr val="222222"/>
+                </a:solidFill>
+              </a:rPr>
+              <a:t>Be one of the original developers</a:t>
+            </a:r>
+            <a:endParaRPr sz="1050">
+              <a:solidFill>
+                <a:srgbClr val="222222"/>
+              </a:solidFill>
+            </a:endParaRPr>
+          </a:p>
+          <a:p>
+            <a:pPr marL="901700" lvl="0" indent="-295275" rtl="0">
+              <a:lnSpc>
+                <a:spcPct val="115000"/>
+              </a:lnSpc>
+              <a:spcBef>
+                <a:spcPts val="0"/>
+              </a:spcBef>
+              <a:spcAft>
+                <a:spcPts val="0"/>
+              </a:spcAft>
+              <a:buClr>
+                <a:srgbClr val="222222"/>
+              </a:buClr>
+              <a:buSzPts val="1050"/>
+              <a:buAutoNum type="arabicPeriod"/>
+            </a:pPr>
+            <a:r>
+              <a:rPr lang="en" sz="1050">
+                <a:solidFill>
+                  <a:srgbClr val="222222"/>
+                </a:solidFill>
+              </a:rPr>
+              <a:t>Be appointed by one of the original developers</a:t>
+            </a:r>
+            <a:endParaRPr sz="1050">
+              <a:solidFill>
+                <a:srgbClr val="222222"/>
+              </a:solidFill>
+            </a:endParaRPr>
+          </a:p>
+          <a:p>
+            <a:pPr marL="901700" lvl="0" indent="-295275" rtl="0">
+              <a:lnSpc>
+                <a:spcPct val="115000"/>
+              </a:lnSpc>
+              <a:spcBef>
+                <a:spcPts val="0"/>
+              </a:spcBef>
+              <a:spcAft>
+                <a:spcPts val="0"/>
+              </a:spcAft>
+              <a:buClr>
+                <a:srgbClr val="222222"/>
+              </a:buClr>
+              <a:buSzPts val="1050"/>
+              <a:buAutoNum type="arabicPeriod"/>
+            </a:pPr>
+            <a:r>
+              <a:rPr lang="en" sz="1050">
+                <a:solidFill>
+                  <a:srgbClr val="222222"/>
+                </a:solidFill>
+              </a:rPr>
+              <a:t>Be successfully voted in by the community of committers</a:t>
+            </a:r>
+            <a:endParaRPr sz="1050">
+              <a:solidFill>
+                <a:srgbClr val="222222"/>
+              </a:solidFill>
+            </a:endParaRPr>
+          </a:p>
+          <a:p>
+            <a:pPr marL="0" lvl="0" indent="0" rtl="0">
+              <a:spcBef>
+                <a:spcPts val="100"/>
+              </a:spcBef>
+              <a:spcAft>
+                <a:spcPts val="0"/>
+              </a:spcAft>
+              <a:buNone/>
+            </a:pPr>
+            <a:endParaRPr sz="1200">
+              <a:solidFill>
+                <a:srgbClr val="222222"/>
+              </a:solidFill>
+              <a:highlight>
+                <a:srgbClr val="FFFFFF"/>
+              </a:highlight>
+            </a:endParaRPr>
+          </a:p>
+          <a:p>
+            <a:pPr marL="0" lvl="0" indent="0" rtl="0">
+              <a:spcBef>
+                <a:spcPts val="0"/>
+              </a:spcBef>
+              <a:spcAft>
+                <a:spcPts val="0"/>
+              </a:spcAft>
+              <a:buNone/>
+            </a:pPr>
+            <a:endParaRPr sz="1200">
+              <a:solidFill>
+                <a:srgbClr val="222222"/>
+              </a:solidFill>
+              <a:highlight>
+                <a:srgbClr val="FFFFFF"/>
+              </a:highlight>
+            </a:endParaRPr>
+          </a:p>
+          <a:p>
+            <a:pPr marL="0" lvl="0" indent="0" rtl="0">
+              <a:spcBef>
+                <a:spcPts val="0"/>
+              </a:spcBef>
+              <a:spcAft>
+                <a:spcPts val="0"/>
+              </a:spcAft>
+              <a:buNone/>
+            </a:pPr>
+            <a:r>
+              <a:rPr lang="en" sz="1200">
+                <a:solidFill>
+                  <a:srgbClr val="222222"/>
+                </a:solidFill>
+                <a:highlight>
+                  <a:srgbClr val="FFFFFF"/>
+                </a:highlight>
+              </a:rPr>
+              <a:t>Responsibilities</a:t>
+            </a:r>
+            <a:endParaRPr sz="1200">
+              <a:solidFill>
+                <a:srgbClr val="222222"/>
+              </a:solidFill>
+              <a:highlight>
+                <a:srgbClr val="FFFFFF"/>
+              </a:highlight>
+            </a:endParaRPr>
+          </a:p>
+          <a:p>
+            <a:pPr marL="457200" lvl="0" indent="-304800" rtl="0">
+              <a:spcBef>
+                <a:spcPts val="0"/>
+              </a:spcBef>
+              <a:spcAft>
+                <a:spcPts val="0"/>
+              </a:spcAft>
+              <a:buClr>
+                <a:srgbClr val="222222"/>
+              </a:buClr>
+              <a:buSzPts val="1200"/>
+              <a:buChar char="●"/>
+            </a:pPr>
+            <a:r>
+              <a:rPr lang="en" sz="1200">
+                <a:solidFill>
+                  <a:srgbClr val="222222"/>
+                </a:solidFill>
+                <a:highlight>
+                  <a:srgbClr val="FFFFFF"/>
+                </a:highlight>
+              </a:rPr>
+              <a:t>Verify that the code meets coding standards</a:t>
+            </a:r>
+            <a:endParaRPr sz="1200">
+              <a:solidFill>
+                <a:srgbClr val="222222"/>
+              </a:solidFill>
+              <a:highlight>
+                <a:srgbClr val="FFFFFF"/>
+              </a:highlight>
+            </a:endParaRPr>
+          </a:p>
+          <a:p>
+            <a:pPr marL="457200" lvl="0" indent="-304800" rtl="0">
+              <a:spcBef>
+                <a:spcPts val="0"/>
+              </a:spcBef>
+              <a:spcAft>
+                <a:spcPts val="0"/>
+              </a:spcAft>
+              <a:buClr>
+                <a:srgbClr val="222222"/>
+              </a:buClr>
+              <a:buSzPts val="1200"/>
+              <a:buChar char="●"/>
+            </a:pPr>
+            <a:r>
+              <a:rPr lang="en" sz="1200">
+                <a:solidFill>
+                  <a:srgbClr val="222222"/>
+                </a:solidFill>
+                <a:highlight>
+                  <a:srgbClr val="FFFFFF"/>
+                </a:highlight>
+              </a:rPr>
+              <a:t>Verify that the code fixes the problem or adds prescribed functionality according to issue</a:t>
+            </a:r>
+            <a:endParaRPr sz="1200">
+              <a:solidFill>
+                <a:srgbClr val="222222"/>
+              </a:solidFill>
+              <a:highlight>
+                <a:srgbClr val="FFFFFF"/>
+              </a:highlight>
+            </a:endParaRPr>
+          </a:p>
+          <a:p>
+            <a:pPr marL="457200" lvl="0" indent="-304800" rtl="0">
+              <a:spcBef>
+                <a:spcPts val="0"/>
+              </a:spcBef>
+              <a:spcAft>
+                <a:spcPts val="0"/>
+              </a:spcAft>
+              <a:buClr>
+                <a:srgbClr val="222222"/>
+              </a:buClr>
+              <a:buSzPts val="1200"/>
+              <a:buChar char="●"/>
+            </a:pPr>
+            <a:r>
+              <a:rPr lang="en" sz="1200">
+                <a:solidFill>
+                  <a:srgbClr val="222222"/>
+                </a:solidFill>
+                <a:highlight>
+                  <a:srgbClr val="FFFFFF"/>
+                </a:highlight>
+              </a:rPr>
+              <a:t>Verify that it works</a:t>
+            </a:r>
+            <a:endParaRPr sz="1200">
+              <a:solidFill>
+                <a:srgbClr val="222222"/>
+              </a:solidFill>
+              <a:highlight>
+                <a:srgbClr val="FFFFFF"/>
+              </a:highlight>
+            </a:endParaRPr>
+          </a:p>
+          <a:p>
+            <a:pPr marL="457200" lvl="0" indent="-304800" rtl="0">
+              <a:spcBef>
+                <a:spcPts val="0"/>
+              </a:spcBef>
+              <a:spcAft>
+                <a:spcPts val="0"/>
+              </a:spcAft>
+              <a:buClr>
+                <a:srgbClr val="222222"/>
+              </a:buClr>
+              <a:buSzPts val="1200"/>
+              <a:buChar char="●"/>
+            </a:pPr>
+            <a:r>
+              <a:rPr lang="en" sz="1200">
+                <a:solidFill>
+                  <a:srgbClr val="222222"/>
+                </a:solidFill>
+                <a:highlight>
+                  <a:srgbClr val="FFFFFF"/>
+                </a:highlight>
+              </a:rPr>
+              <a:t>Make sure it has tests</a:t>
+            </a:r>
+            <a:endParaRPr sz="1200">
+              <a:solidFill>
+                <a:srgbClr val="222222"/>
+              </a:solidFill>
+              <a:highlight>
+                <a:srgbClr val="FFFFFF"/>
+              </a:highlight>
+            </a:endParaRPr>
+          </a:p>
+          <a:p>
+            <a:pPr marL="457200" lvl="0" indent="-304800" rtl="0">
+              <a:spcBef>
+                <a:spcPts val="0"/>
+              </a:spcBef>
+              <a:spcAft>
+                <a:spcPts val="0"/>
+              </a:spcAft>
+              <a:buClr>
+                <a:srgbClr val="222222"/>
+              </a:buClr>
+              <a:buSzPts val="1200"/>
+              <a:buChar char="●"/>
+            </a:pPr>
+            <a:r>
+              <a:rPr lang="en" sz="1200">
+                <a:solidFill>
+                  <a:srgbClr val="222222"/>
+                </a:solidFill>
+                <a:highlight>
+                  <a:srgbClr val="FFFFFF"/>
+                </a:highlight>
+              </a:rPr>
+              <a:t>Verify the build after PR has been applied</a:t>
+            </a:r>
+            <a:endParaRPr sz="1200">
+              <a:solidFill>
+                <a:srgbClr val="222222"/>
+              </a:solidFill>
+              <a:highlight>
+                <a:srgbClr val="FFFFFF"/>
+              </a:highlight>
+            </a:endParaRPr>
+          </a:p>
+          <a:p>
+            <a:pPr marL="457200" lvl="0" indent="-304800" rtl="0">
+              <a:spcBef>
+                <a:spcPts val="0"/>
+              </a:spcBef>
+              <a:spcAft>
+                <a:spcPts val="0"/>
+              </a:spcAft>
+              <a:buClr>
+                <a:srgbClr val="222222"/>
+              </a:buClr>
+              <a:buSzPts val="1200"/>
+              <a:buChar char="●"/>
+            </a:pPr>
+            <a:r>
+              <a:rPr lang="en" sz="1200">
+                <a:solidFill>
+                  <a:srgbClr val="222222"/>
+                </a:solidFill>
+                <a:highlight>
+                  <a:srgbClr val="FFFFFF"/>
+                </a:highlight>
+              </a:rPr>
+              <a:t>Merge code into repo</a:t>
+            </a:r>
+            <a:endParaRPr sz="1200">
+              <a:solidFill>
+                <a:srgbClr val="222222"/>
+              </a:solidFill>
+              <a:highlight>
+                <a:srgbClr val="FFFFFF"/>
+              </a:highlight>
+            </a:endParaRPr>
+          </a:p>
+          <a:p>
+            <a:pPr marL="457200" lvl="0" indent="-304800" rtl="0">
+              <a:spcBef>
+                <a:spcPts val="0"/>
+              </a:spcBef>
+              <a:spcAft>
+                <a:spcPts val="0"/>
+              </a:spcAft>
+              <a:buClr>
+                <a:srgbClr val="222222"/>
+              </a:buClr>
+              <a:buSzPts val="1200"/>
+              <a:buChar char="●"/>
+            </a:pPr>
+            <a:r>
+              <a:rPr lang="en" sz="1200">
+                <a:solidFill>
+                  <a:srgbClr val="222222"/>
+                </a:solidFill>
+                <a:highlight>
+                  <a:srgbClr val="FFFFFF"/>
+                </a:highlight>
+              </a:rPr>
+              <a:t>Own it!</a:t>
+            </a:r>
+            <a:endParaRPr sz="1200">
+              <a:solidFill>
+                <a:srgbClr val="222222"/>
+              </a:solidFill>
+              <a:highlight>
+                <a:srgbClr val="FFFFFF"/>
+              </a:highlight>
+            </a:endParaRPr>
+          </a:p>
+          <a:p>
+            <a:pPr marL="0" lvl="0" indent="0">
+              <a:spcBef>
+                <a:spcPts val="0"/>
+              </a:spcBef>
+              <a:spcAft>
+                <a:spcPts val="0"/>
+              </a:spcAft>
+              <a:buNone/>
+            </a:pPr>
+            <a:endParaRPr sz="1200">
+              <a:solidFill>
+                <a:srgbClr val="222222"/>
+              </a:solidFill>
+              <a:highlight>
+                <a:srgbClr val="FFFFFF"/>
+              </a:highlight>
+            </a:endParaRPr>
+          </a:p>
+          <a:p>
+            <a:pPr marL="0" lvl="0" indent="0" rtl="0">
+              <a:spcBef>
+                <a:spcPts val="0"/>
+              </a:spcBef>
+              <a:spcAft>
+                <a:spcPts val="0"/>
+              </a:spcAft>
+              <a:buNone/>
+            </a:pPr>
+            <a:r>
+              <a:rPr lang="en" sz="1200">
+                <a:solidFill>
+                  <a:srgbClr val="222222"/>
+                </a:solidFill>
+                <a:highlight>
+                  <a:srgbClr val="FFFFFF"/>
+                </a:highlight>
+              </a:rPr>
+              <a:t>https://twitter.com/jimgough/status/436948955281100800</a:t>
+            </a:r>
+            <a:endParaRPr sz="1200">
+              <a:solidFill>
+                <a:srgbClr val="222222"/>
+              </a:solidFill>
+              <a:highlight>
+                <a:srgbClr val="FFFFFF"/>
+              </a:highlight>
+            </a:endParaRPr>
+          </a:p>
           <a:p>
             <a:pPr marL="0" lvl="0" indent="0" rtl="0">
               <a:spcBef>
@@ -1487,7 +2055,7 @@
   <p:cSld>
     <p:spTree>
       <p:nvGrpSpPr>
-        <p:cNvPr id="1" name="Shape 166"/>
+        <p:cNvPr id="1" name="Shape 165"/>
         <p:cNvGrpSpPr/>
         <p:nvPr/>
       </p:nvGrpSpPr>
@@ -1501,7 +2069,7 @@
       </p:grpSpPr>
       <p:sp>
         <p:nvSpPr>
-          <p:cNvPr id="167" name="Shape 167"/>
+          <p:cNvPr id="166" name="Shape 166"/>
           <p:cNvSpPr>
             <a:spLocks noGrp="1" noRot="1" noChangeAspect="1"/>
           </p:cNvSpPr>
@@ -1542,7 +2110,7 @@
       </p:sp>
       <p:sp>
         <p:nvSpPr>
-          <p:cNvPr id="168" name="Shape 168"/>
+          <p:cNvPr id="167" name="Shape 167"/>
           <p:cNvSpPr txBox="1">
             <a:spLocks noGrp="1"/>
           </p:cNvSpPr>
@@ -1565,115 +2133,6 @@
           </a:bodyPr>
           <a:lstStyle/>
           <a:p>
-            <a:pPr marL="0" lvl="0" indent="0">
-              <a:spcBef>
-                <a:spcPts val="0"/>
-              </a:spcBef>
-              <a:spcAft>
-                <a:spcPts val="0"/>
-              </a:spcAft>
-              <a:buNone/>
-            </a:pPr>
-            <a:endParaRPr sz="1200">
-              <a:solidFill>
-                <a:srgbClr val="222222"/>
-              </a:solidFill>
-              <a:highlight>
-                <a:srgbClr val="FFFFFF"/>
-              </a:highlight>
-            </a:endParaRPr>
-          </a:p>
-          <a:p>
-            <a:pPr marL="0" lvl="0" indent="0">
-              <a:spcBef>
-                <a:spcPts val="0"/>
-              </a:spcBef>
-              <a:spcAft>
-                <a:spcPts val="0"/>
-              </a:spcAft>
-              <a:buNone/>
-            </a:pPr>
-            <a:r>
-              <a:rPr lang="en" sz="1200">
-                <a:solidFill>
-                  <a:srgbClr val="222222"/>
-                </a:solidFill>
-                <a:highlight>
-                  <a:srgbClr val="FFFFFF"/>
-                </a:highlight>
-              </a:rPr>
-              <a:t>You can ask questions</a:t>
-            </a:r>
-            <a:endParaRPr sz="1200">
-              <a:solidFill>
-                <a:srgbClr val="222222"/>
-              </a:solidFill>
-              <a:highlight>
-                <a:srgbClr val="FFFFFF"/>
-              </a:highlight>
-            </a:endParaRPr>
-          </a:p>
-          <a:p>
-            <a:pPr marL="0" lvl="0" indent="0">
-              <a:spcBef>
-                <a:spcPts val="0"/>
-              </a:spcBef>
-              <a:spcAft>
-                <a:spcPts val="0"/>
-              </a:spcAft>
-              <a:buNone/>
-            </a:pPr>
-            <a:r>
-              <a:rPr lang="en" sz="1200">
-                <a:solidFill>
-                  <a:srgbClr val="222222"/>
-                </a:solidFill>
-                <a:highlight>
-                  <a:srgbClr val="FFFFFF"/>
-                </a:highlight>
-              </a:rPr>
-              <a:t>You can also answer questions</a:t>
-            </a:r>
-            <a:endParaRPr sz="1200">
-              <a:solidFill>
-                <a:srgbClr val="222222"/>
-              </a:solidFill>
-              <a:highlight>
-                <a:srgbClr val="FFFFFF"/>
-              </a:highlight>
-            </a:endParaRPr>
-          </a:p>
-          <a:p>
-            <a:pPr marL="0" lvl="0" indent="0">
-              <a:spcBef>
-                <a:spcPts val="0"/>
-              </a:spcBef>
-              <a:spcAft>
-                <a:spcPts val="0"/>
-              </a:spcAft>
-              <a:buNone/>
-            </a:pPr>
-            <a:r>
-              <a:rPr lang="en" sz="1200">
-                <a:solidFill>
-                  <a:srgbClr val="222222"/>
-                </a:solidFill>
-                <a:highlight>
-                  <a:srgbClr val="FFFFFF"/>
-                </a:highlight>
-              </a:rPr>
-              <a:t>Also make great opportunities to study the issue and get a deep dive into a project.</a:t>
-            </a:r>
-            <a:endParaRPr sz="1200">
-              <a:solidFill>
-                <a:srgbClr val="222222"/>
-              </a:solidFill>
-              <a:highlight>
-                <a:srgbClr val="FFFFFF"/>
-              </a:highlight>
-            </a:endParaRPr>
-          </a:p>
-          <a:p>
             <a:pPr marL="0" lvl="0" indent="0" rtl="0">
               <a:spcBef>
                 <a:spcPts val="0"/>
@@ -1683,17 +2142,6 @@
               </a:spcAft>
               <a:buNone/>
             </a:pPr>
-            <a:r>
-              <a:rPr lang="en" sz="1200">
-                <a:solidFill>
-                  <a:srgbClr val="222222"/>
-                </a:solidFill>
-                <a:highlight>
-                  <a:srgbClr val="FFFFFF"/>
-                </a:highlight>
-              </a:rPr>
-              <a:t>Be sure to tag your questions properly in StackOverflow</a:t>
-            </a:r>
             <a:endParaRPr sz="1200">
               <a:solidFill>
                 <a:srgbClr val="222222"/>
@@ -1718,7 +2166,7 @@
   <p:cSld>
     <p:spTree>
       <p:nvGrpSpPr>
-        <p:cNvPr id="1" name="Shape 174"/>
+        <p:cNvPr id="1" name="Shape 173"/>
         <p:cNvGrpSpPr/>
         <p:nvPr/>
       </p:nvGrpSpPr>
@@ -1732,7 +2180,7 @@
       </p:grpSpPr>
       <p:sp>
         <p:nvSpPr>
-          <p:cNvPr id="175" name="Shape 175"/>
+          <p:cNvPr id="174" name="Shape 174"/>
           <p:cNvSpPr>
             <a:spLocks noGrp="1" noRot="1" noChangeAspect="1"/>
           </p:cNvSpPr>
@@ -1773,7 +2221,7 @@
       </p:sp>
       <p:sp>
         <p:nvSpPr>
-          <p:cNvPr id="176" name="Shape 176"/>
+          <p:cNvPr id="175" name="Shape 175"/>
           <p:cNvSpPr txBox="1">
             <a:spLocks noGrp="1"/>
           </p:cNvSpPr>
@@ -1829,7 +2277,7 @@
   <p:cSld>
     <p:spTree>
       <p:nvGrpSpPr>
-        <p:cNvPr id="1" name="Shape 182"/>
+        <p:cNvPr id="1" name="Shape 181"/>
         <p:cNvGrpSpPr/>
         <p:nvPr/>
       </p:nvGrpSpPr>
@@ -1843,7 +2291,7 @@
       </p:grpSpPr>
       <p:sp>
         <p:nvSpPr>
-          <p:cNvPr id="183" name="Shape 183"/>
+          <p:cNvPr id="182" name="Shape 182"/>
           <p:cNvSpPr>
             <a:spLocks noGrp="1" noRot="1" noChangeAspect="1"/>
           </p:cNvSpPr>
@@ -1853,7 +2301,7 @@
         </p:nvSpPr>
         <p:spPr>
           <a:xfrm>
-            <a:off x="381000" y="685800"/>
+            <a:off x="381300" y="685800"/>
             <a:ext cx="6096000" cy="3429000"/>
           </a:xfrm>
           <a:custGeom>
@@ -1884,7 +2332,7 @@
       </p:sp>
       <p:sp>
         <p:nvSpPr>
-          <p:cNvPr id="184" name="Shape 184"/>
+          <p:cNvPr id="183" name="Shape 183"/>
           <p:cNvSpPr txBox="1">
             <a:spLocks noGrp="1"/>
           </p:cNvSpPr>
@@ -1907,6 +2355,115 @@
           </a:bodyPr>
           <a:lstStyle/>
           <a:p>
+            <a:pPr marL="0" lvl="0" indent="0">
+              <a:spcBef>
+                <a:spcPts val="0"/>
+              </a:spcBef>
+              <a:spcAft>
+                <a:spcPts val="0"/>
+              </a:spcAft>
+              <a:buNone/>
+            </a:pPr>
+            <a:endParaRPr sz="1200">
+              <a:solidFill>
+                <a:srgbClr val="222222"/>
+              </a:solidFill>
+              <a:highlight>
+                <a:srgbClr val="FFFFFF"/>
+              </a:highlight>
+            </a:endParaRPr>
+          </a:p>
+          <a:p>
+            <a:pPr marL="0" lvl="0" indent="0">
+              <a:spcBef>
+                <a:spcPts val="0"/>
+              </a:spcBef>
+              <a:spcAft>
+                <a:spcPts val="0"/>
+              </a:spcAft>
+              <a:buNone/>
+            </a:pPr>
+            <a:r>
+              <a:rPr lang="en" sz="1200">
+                <a:solidFill>
+                  <a:srgbClr val="222222"/>
+                </a:solidFill>
+                <a:highlight>
+                  <a:srgbClr val="FFFFFF"/>
+                </a:highlight>
+              </a:rPr>
+              <a:t>You can ask questions</a:t>
+            </a:r>
+            <a:endParaRPr sz="1200">
+              <a:solidFill>
+                <a:srgbClr val="222222"/>
+              </a:solidFill>
+              <a:highlight>
+                <a:srgbClr val="FFFFFF"/>
+              </a:highlight>
+            </a:endParaRPr>
+          </a:p>
+          <a:p>
+            <a:pPr marL="0" lvl="0" indent="0">
+              <a:spcBef>
+                <a:spcPts val="0"/>
+              </a:spcBef>
+              <a:spcAft>
+                <a:spcPts val="0"/>
+              </a:spcAft>
+              <a:buNone/>
+            </a:pPr>
+            <a:r>
+              <a:rPr lang="en" sz="1200">
+                <a:solidFill>
+                  <a:srgbClr val="222222"/>
+                </a:solidFill>
+                <a:highlight>
+                  <a:srgbClr val="FFFFFF"/>
+                </a:highlight>
+              </a:rPr>
+              <a:t>You can also answer questions</a:t>
+            </a:r>
+            <a:endParaRPr sz="1200">
+              <a:solidFill>
+                <a:srgbClr val="222222"/>
+              </a:solidFill>
+              <a:highlight>
+                <a:srgbClr val="FFFFFF"/>
+              </a:highlight>
+            </a:endParaRPr>
+          </a:p>
+          <a:p>
+            <a:pPr marL="0" lvl="0" indent="0">
+              <a:spcBef>
+                <a:spcPts val="0"/>
+              </a:spcBef>
+              <a:spcAft>
+                <a:spcPts val="0"/>
+              </a:spcAft>
+              <a:buNone/>
+            </a:pPr>
+            <a:r>
+              <a:rPr lang="en" sz="1200">
+                <a:solidFill>
+                  <a:srgbClr val="222222"/>
+                </a:solidFill>
+                <a:highlight>
+                  <a:srgbClr val="FFFFFF"/>
+                </a:highlight>
+              </a:rPr>
+              <a:t>Also make great opportunities to study the issue and get a deep dive into a project.</a:t>
+            </a:r>
+            <a:endParaRPr sz="1200">
+              <a:solidFill>
+                <a:srgbClr val="222222"/>
+              </a:solidFill>
+              <a:highlight>
+                <a:srgbClr val="FFFFFF"/>
+              </a:highlight>
+            </a:endParaRPr>
+          </a:p>
+          <a:p>
             <a:pPr marL="0" lvl="0" indent="0" rtl="0">
               <a:spcBef>
                 <a:spcPts val="0"/>
@@ -1916,6 +2473,17 @@
               </a:spcAft>
               <a:buNone/>
             </a:pPr>
+            <a:r>
+              <a:rPr lang="en" sz="1200">
+                <a:solidFill>
+                  <a:srgbClr val="222222"/>
+                </a:solidFill>
+                <a:highlight>
+                  <a:srgbClr val="FFFFFF"/>
+                </a:highlight>
+              </a:rPr>
+              <a:t>Be sure to tag your questions properly in StackOverflow</a:t>
+            </a:r>
             <a:endParaRPr sz="1200">
               <a:solidFill>
                 <a:srgbClr val="222222"/>
@@ -2051,7 +2619,7 @@
   <p:cSld>
     <p:spTree>
       <p:nvGrpSpPr>
-        <p:cNvPr id="1" name="Shape 202"/>
+        <p:cNvPr id="1" name="Shape 197"/>
         <p:cNvGrpSpPr/>
         <p:nvPr/>
       </p:nvGrpSpPr>
@@ -2065,7 +2633,7 @@
       </p:grpSpPr>
       <p:sp>
         <p:nvSpPr>
-          <p:cNvPr id="203" name="Shape 203"/>
+          <p:cNvPr id="198" name="Shape 198"/>
           <p:cNvSpPr>
             <a:spLocks noGrp="1" noRot="1" noChangeAspect="1"/>
           </p:cNvSpPr>
@@ -2075,7 +2643,7 @@
         </p:nvSpPr>
         <p:spPr>
           <a:xfrm>
-            <a:off x="381300" y="685800"/>
+            <a:off x="381000" y="685800"/>
             <a:ext cx="6096000" cy="3429000"/>
           </a:xfrm>
           <a:custGeom>
@@ -2106,7 +2674,7 @@
       </p:sp>
       <p:sp>
         <p:nvSpPr>
-          <p:cNvPr id="204" name="Shape 204"/>
+          <p:cNvPr id="199" name="Shape 199"/>
           <p:cNvSpPr txBox="1">
             <a:spLocks noGrp="1"/>
           </p:cNvSpPr>
@@ -2266,7 +2834,7 @@
   <p:cSld>
     <p:spTree>
       <p:nvGrpSpPr>
-        <p:cNvPr id="1" name="Shape 224"/>
+        <p:cNvPr id="1" name="Shape 204"/>
         <p:cNvGrpSpPr/>
         <p:nvPr/>
       </p:nvGrpSpPr>
@@ -2280,7 +2848,7 @@
       </p:grpSpPr>
       <p:sp>
         <p:nvSpPr>
-          <p:cNvPr id="225" name="Shape 225"/>
+          <p:cNvPr id="205" name="Shape 205"/>
           <p:cNvSpPr>
             <a:spLocks noGrp="1" noRot="1" noChangeAspect="1"/>
           </p:cNvSpPr>
@@ -2290,7 +2858,7 @@
         </p:nvSpPr>
         <p:spPr>
           <a:xfrm>
-            <a:off x="381000" y="685800"/>
+            <a:off x="381300" y="685800"/>
             <a:ext cx="6096000" cy="3429000"/>
           </a:xfrm>
           <a:custGeom>
@@ -2321,7 +2889,7 @@
       </p:sp>
       <p:sp>
         <p:nvSpPr>
-          <p:cNvPr id="226" name="Shape 226"/>
+          <p:cNvPr id="206" name="Shape 206"/>
           <p:cNvSpPr txBox="1">
             <a:spLocks noGrp="1"/>
           </p:cNvSpPr>
@@ -2377,7 +2945,7 @@
   <p:cSld>
     <p:spTree>
       <p:nvGrpSpPr>
-        <p:cNvPr id="1" name="Shape 230"/>
+        <p:cNvPr id="1" name="Shape 217"/>
         <p:cNvGrpSpPr/>
         <p:nvPr/>
       </p:nvGrpSpPr>
@@ -2391,7 +2959,7 @@
       </p:grpSpPr>
       <p:sp>
         <p:nvSpPr>
-          <p:cNvPr id="231" name="Shape 231"/>
+          <p:cNvPr id="218" name="Shape 218"/>
           <p:cNvSpPr>
             <a:spLocks noGrp="1" noRot="1" noChangeAspect="1"/>
           </p:cNvSpPr>
@@ -2401,7 +2969,7 @@
         </p:nvSpPr>
         <p:spPr>
           <a:xfrm>
-            <a:off x="381000" y="685800"/>
+            <a:off x="381300" y="685800"/>
             <a:ext cx="6096000" cy="3429000"/>
           </a:xfrm>
           <a:custGeom>
@@ -2432,7 +3000,562 @@
       </p:sp>
       <p:sp>
         <p:nvSpPr>
-          <p:cNvPr id="232" name="Shape 232"/>
+          <p:cNvPr id="219" name="Shape 219"/>
+          <p:cNvSpPr txBox="1">
+            <a:spLocks noGrp="1"/>
+          </p:cNvSpPr>
+          <p:nvPr>
+            <p:ph type="body" idx="1"/>
+          </p:nvPr>
+        </p:nvSpPr>
+        <p:spPr>
+          <a:xfrm>
+            <a:off x="685800" y="4343400"/>
+            <a:ext cx="5486400" cy="4114800"/>
+          </a:xfrm>
+          <a:prstGeom prst="rect">
+            <a:avLst/>
+          </a:prstGeom>
+        </p:spPr>
+        <p:txBody>
+          <a:bodyPr spcFirstLastPara="1" wrap="square" lIns="91425" tIns="91425" rIns="91425" bIns="91425" anchor="t" anchorCtr="0">
+            <a:noAutofit/>
+          </a:bodyPr>
+          <a:lstStyle/>
+          <a:p>
+            <a:pPr marL="0" lvl="0" indent="0" rtl="0">
+              <a:spcBef>
+                <a:spcPts val="0"/>
+              </a:spcBef>
+              <a:spcAft>
+                <a:spcPts val="0"/>
+              </a:spcAft>
+              <a:buNone/>
+            </a:pPr>
+            <a:endParaRPr sz="1200">
+              <a:solidFill>
+                <a:srgbClr val="222222"/>
+              </a:solidFill>
+              <a:highlight>
+                <a:srgbClr val="FFFFFF"/>
+              </a:highlight>
+            </a:endParaRPr>
+          </a:p>
+        </p:txBody>
+      </p:sp>
+    </p:spTree>
+  </p:cSld>
+  <p:clrMapOvr>
+    <a:masterClrMapping/>
+  </p:clrMapOvr>
+</p:notes>
+</file>
+
+<file path=ppt/notesSlides/notesSlide22.xml><?xml version="1.0" encoding="utf-8"?>
+<p:notes xmlns:a="http://schemas.openxmlformats.org/drawingml/2006/main" xmlns:r="http://schemas.openxmlformats.org/officeDocument/2006/relationships" xmlns:p="http://schemas.openxmlformats.org/presentationml/2006/main" showMasterSp="0" showMasterPhAnim="0">
+  <p:cSld>
+    <p:spTree>
+      <p:nvGrpSpPr>
+        <p:cNvPr id="1" name="Shape 239"/>
+        <p:cNvGrpSpPr/>
+        <p:nvPr/>
+      </p:nvGrpSpPr>
+      <p:grpSpPr>
+        <a:xfrm>
+          <a:off x="0" y="0"/>
+          <a:ext cx="0" cy="0"/>
+          <a:chOff x="0" y="0"/>
+          <a:chExt cx="0" cy="0"/>
+        </a:xfrm>
+      </p:grpSpPr>
+      <p:sp>
+        <p:nvSpPr>
+          <p:cNvPr id="240" name="Shape 240"/>
+          <p:cNvSpPr>
+            <a:spLocks noGrp="1" noRot="1" noChangeAspect="1"/>
+          </p:cNvSpPr>
+          <p:nvPr>
+            <p:ph type="sldImg" idx="2"/>
+          </p:nvPr>
+        </p:nvSpPr>
+        <p:spPr>
+          <a:xfrm>
+            <a:off x="381300" y="685800"/>
+            <a:ext cx="6096000" cy="3429000"/>
+          </a:xfrm>
+          <a:custGeom>
+            <a:avLst/>
+            <a:gdLst/>
+            <a:ahLst/>
+            <a:cxnLst/>
+            <a:rect l="0" t="0" r="0" b="0"/>
+            <a:pathLst>
+              <a:path w="120000" h="120000" extrusionOk="0">
+                <a:moveTo>
+                  <a:pt x="0" y="0"/>
+                </a:moveTo>
+                <a:lnTo>
+                  <a:pt x="120000" y="0"/>
+                </a:lnTo>
+                <a:lnTo>
+                  <a:pt x="120000" y="120000"/>
+                </a:lnTo>
+                <a:lnTo>
+                  <a:pt x="0" y="120000"/>
+                </a:lnTo>
+                <a:close/>
+              </a:path>
+            </a:pathLst>
+          </a:custGeom>
+        </p:spPr>
+      </p:sp>
+      <p:sp>
+        <p:nvSpPr>
+          <p:cNvPr id="241" name="Shape 241"/>
+          <p:cNvSpPr txBox="1">
+            <a:spLocks noGrp="1"/>
+          </p:cNvSpPr>
+          <p:nvPr>
+            <p:ph type="body" idx="1"/>
+          </p:nvPr>
+        </p:nvSpPr>
+        <p:spPr>
+          <a:xfrm>
+            <a:off x="685800" y="4343400"/>
+            <a:ext cx="5486400" cy="4114800"/>
+          </a:xfrm>
+          <a:prstGeom prst="rect">
+            <a:avLst/>
+          </a:prstGeom>
+        </p:spPr>
+        <p:txBody>
+          <a:bodyPr spcFirstLastPara="1" wrap="square" lIns="91425" tIns="91425" rIns="91425" bIns="91425" anchor="t" anchorCtr="0">
+            <a:noAutofit/>
+          </a:bodyPr>
+          <a:lstStyle/>
+          <a:p>
+            <a:pPr marL="0" lvl="0" indent="0" rtl="0">
+              <a:spcBef>
+                <a:spcPts val="0"/>
+              </a:spcBef>
+              <a:spcAft>
+                <a:spcPts val="0"/>
+              </a:spcAft>
+              <a:buNone/>
+            </a:pPr>
+            <a:endParaRPr sz="1200">
+              <a:solidFill>
+                <a:srgbClr val="222222"/>
+              </a:solidFill>
+              <a:highlight>
+                <a:srgbClr val="FFFFFF"/>
+              </a:highlight>
+            </a:endParaRPr>
+          </a:p>
+        </p:txBody>
+      </p:sp>
+    </p:spTree>
+  </p:cSld>
+  <p:clrMapOvr>
+    <a:masterClrMapping/>
+  </p:clrMapOvr>
+</p:notes>
+</file>
+
+<file path=ppt/notesSlides/notesSlide23.xml><?xml version="1.0" encoding="utf-8"?>
+<p:notes xmlns:a="http://schemas.openxmlformats.org/drawingml/2006/main" xmlns:r="http://schemas.openxmlformats.org/officeDocument/2006/relationships" xmlns:p="http://schemas.openxmlformats.org/presentationml/2006/main" showMasterSp="0" showMasterPhAnim="0">
+  <p:cSld>
+    <p:spTree>
+      <p:nvGrpSpPr>
+        <p:cNvPr id="1" name="Shape 262"/>
+        <p:cNvGrpSpPr/>
+        <p:nvPr/>
+      </p:nvGrpSpPr>
+      <p:grpSpPr>
+        <a:xfrm>
+          <a:off x="0" y="0"/>
+          <a:ext cx="0" cy="0"/>
+          <a:chOff x="0" y="0"/>
+          <a:chExt cx="0" cy="0"/>
+        </a:xfrm>
+      </p:grpSpPr>
+      <p:sp>
+        <p:nvSpPr>
+          <p:cNvPr id="263" name="Shape 263"/>
+          <p:cNvSpPr>
+            <a:spLocks noGrp="1" noRot="1" noChangeAspect="1"/>
+          </p:cNvSpPr>
+          <p:nvPr>
+            <p:ph type="sldImg" idx="2"/>
+          </p:nvPr>
+        </p:nvSpPr>
+        <p:spPr>
+          <a:xfrm>
+            <a:off x="381300" y="685800"/>
+            <a:ext cx="6096000" cy="3429000"/>
+          </a:xfrm>
+          <a:custGeom>
+            <a:avLst/>
+            <a:gdLst/>
+            <a:ahLst/>
+            <a:cxnLst/>
+            <a:rect l="0" t="0" r="0" b="0"/>
+            <a:pathLst>
+              <a:path w="120000" h="120000" extrusionOk="0">
+                <a:moveTo>
+                  <a:pt x="0" y="0"/>
+                </a:moveTo>
+                <a:lnTo>
+                  <a:pt x="120000" y="0"/>
+                </a:lnTo>
+                <a:lnTo>
+                  <a:pt x="120000" y="120000"/>
+                </a:lnTo>
+                <a:lnTo>
+                  <a:pt x="0" y="120000"/>
+                </a:lnTo>
+                <a:close/>
+              </a:path>
+            </a:pathLst>
+          </a:custGeom>
+        </p:spPr>
+      </p:sp>
+      <p:sp>
+        <p:nvSpPr>
+          <p:cNvPr id="264" name="Shape 264"/>
+          <p:cNvSpPr txBox="1">
+            <a:spLocks noGrp="1"/>
+          </p:cNvSpPr>
+          <p:nvPr>
+            <p:ph type="body" idx="1"/>
+          </p:nvPr>
+        </p:nvSpPr>
+        <p:spPr>
+          <a:xfrm>
+            <a:off x="685800" y="4343400"/>
+            <a:ext cx="5486400" cy="4114800"/>
+          </a:xfrm>
+          <a:prstGeom prst="rect">
+            <a:avLst/>
+          </a:prstGeom>
+        </p:spPr>
+        <p:txBody>
+          <a:bodyPr spcFirstLastPara="1" wrap="square" lIns="91425" tIns="91425" rIns="91425" bIns="91425" anchor="t" anchorCtr="0">
+            <a:noAutofit/>
+          </a:bodyPr>
+          <a:lstStyle/>
+          <a:p>
+            <a:pPr marL="0" lvl="0" indent="0" rtl="0">
+              <a:spcBef>
+                <a:spcPts val="0"/>
+              </a:spcBef>
+              <a:spcAft>
+                <a:spcPts val="0"/>
+              </a:spcAft>
+              <a:buNone/>
+            </a:pPr>
+            <a:endParaRPr sz="1200">
+              <a:solidFill>
+                <a:srgbClr val="222222"/>
+              </a:solidFill>
+              <a:highlight>
+                <a:srgbClr val="FFFFFF"/>
+              </a:highlight>
+            </a:endParaRPr>
+          </a:p>
+        </p:txBody>
+      </p:sp>
+    </p:spTree>
+  </p:cSld>
+  <p:clrMapOvr>
+    <a:masterClrMapping/>
+  </p:clrMapOvr>
+</p:notes>
+</file>
+
+<file path=ppt/notesSlides/notesSlide24.xml><?xml version="1.0" encoding="utf-8"?>
+<p:notes xmlns:a="http://schemas.openxmlformats.org/drawingml/2006/main" xmlns:r="http://schemas.openxmlformats.org/officeDocument/2006/relationships" xmlns:p="http://schemas.openxmlformats.org/presentationml/2006/main" showMasterSp="0" showMasterPhAnim="0">
+  <p:cSld>
+    <p:spTree>
+      <p:nvGrpSpPr>
+        <p:cNvPr id="1" name="Shape 284"/>
+        <p:cNvGrpSpPr/>
+        <p:nvPr/>
+      </p:nvGrpSpPr>
+      <p:grpSpPr>
+        <a:xfrm>
+          <a:off x="0" y="0"/>
+          <a:ext cx="0" cy="0"/>
+          <a:chOff x="0" y="0"/>
+          <a:chExt cx="0" cy="0"/>
+        </a:xfrm>
+      </p:grpSpPr>
+      <p:sp>
+        <p:nvSpPr>
+          <p:cNvPr id="285" name="Shape 285"/>
+          <p:cNvSpPr>
+            <a:spLocks noGrp="1" noRot="1" noChangeAspect="1"/>
+          </p:cNvSpPr>
+          <p:nvPr>
+            <p:ph type="sldImg" idx="2"/>
+          </p:nvPr>
+        </p:nvSpPr>
+        <p:spPr>
+          <a:xfrm>
+            <a:off x="381000" y="685800"/>
+            <a:ext cx="6096000" cy="3429000"/>
+          </a:xfrm>
+          <a:custGeom>
+            <a:avLst/>
+            <a:gdLst/>
+            <a:ahLst/>
+            <a:cxnLst/>
+            <a:rect l="0" t="0" r="0" b="0"/>
+            <a:pathLst>
+              <a:path w="120000" h="120000" extrusionOk="0">
+                <a:moveTo>
+                  <a:pt x="0" y="0"/>
+                </a:moveTo>
+                <a:lnTo>
+                  <a:pt x="120000" y="0"/>
+                </a:lnTo>
+                <a:lnTo>
+                  <a:pt x="120000" y="120000"/>
+                </a:lnTo>
+                <a:lnTo>
+                  <a:pt x="0" y="120000"/>
+                </a:lnTo>
+                <a:close/>
+              </a:path>
+            </a:pathLst>
+          </a:custGeom>
+        </p:spPr>
+      </p:sp>
+      <p:sp>
+        <p:nvSpPr>
+          <p:cNvPr id="286" name="Shape 286"/>
+          <p:cNvSpPr txBox="1">
+            <a:spLocks noGrp="1"/>
+          </p:cNvSpPr>
+          <p:nvPr>
+            <p:ph type="body" idx="1"/>
+          </p:nvPr>
+        </p:nvSpPr>
+        <p:spPr>
+          <a:xfrm>
+            <a:off x="685800" y="4343400"/>
+            <a:ext cx="5486400" cy="4114800"/>
+          </a:xfrm>
+          <a:prstGeom prst="rect">
+            <a:avLst/>
+          </a:prstGeom>
+        </p:spPr>
+        <p:txBody>
+          <a:bodyPr spcFirstLastPara="1" wrap="square" lIns="91425" tIns="91425" rIns="91425" bIns="91425" anchor="t" anchorCtr="0">
+            <a:noAutofit/>
+          </a:bodyPr>
+          <a:lstStyle/>
+          <a:p>
+            <a:pPr marL="0" lvl="0" indent="0" rtl="0">
+              <a:spcBef>
+                <a:spcPts val="0"/>
+              </a:spcBef>
+              <a:spcAft>
+                <a:spcPts val="0"/>
+              </a:spcAft>
+              <a:buNone/>
+            </a:pPr>
+            <a:endParaRPr sz="1200">
+              <a:solidFill>
+                <a:srgbClr val="222222"/>
+              </a:solidFill>
+              <a:highlight>
+                <a:srgbClr val="FFFFFF"/>
+              </a:highlight>
+            </a:endParaRPr>
+          </a:p>
+        </p:txBody>
+      </p:sp>
+    </p:spTree>
+  </p:cSld>
+  <p:clrMapOvr>
+    <a:masterClrMapping/>
+  </p:clrMapOvr>
+</p:notes>
+</file>
+
+<file path=ppt/notesSlides/notesSlide25.xml><?xml version="1.0" encoding="utf-8"?>
+<p:notes xmlns:a="http://schemas.openxmlformats.org/drawingml/2006/main" xmlns:r="http://schemas.openxmlformats.org/officeDocument/2006/relationships" xmlns:p="http://schemas.openxmlformats.org/presentationml/2006/main" showMasterSp="0" showMasterPhAnim="0">
+  <p:cSld>
+    <p:spTree>
+      <p:nvGrpSpPr>
+        <p:cNvPr id="1" name="Shape 290"/>
+        <p:cNvGrpSpPr/>
+        <p:nvPr/>
+      </p:nvGrpSpPr>
+      <p:grpSpPr>
+        <a:xfrm>
+          <a:off x="0" y="0"/>
+          <a:ext cx="0" cy="0"/>
+          <a:chOff x="0" y="0"/>
+          <a:chExt cx="0" cy="0"/>
+        </a:xfrm>
+      </p:grpSpPr>
+      <p:sp>
+        <p:nvSpPr>
+          <p:cNvPr id="291" name="Shape 291"/>
+          <p:cNvSpPr>
+            <a:spLocks noGrp="1" noRot="1" noChangeAspect="1"/>
+          </p:cNvSpPr>
+          <p:nvPr>
+            <p:ph type="sldImg" idx="2"/>
+          </p:nvPr>
+        </p:nvSpPr>
+        <p:spPr>
+          <a:xfrm>
+            <a:off x="381300" y="685800"/>
+            <a:ext cx="6096000" cy="3429000"/>
+          </a:xfrm>
+          <a:custGeom>
+            <a:avLst/>
+            <a:gdLst/>
+            <a:ahLst/>
+            <a:cxnLst/>
+            <a:rect l="0" t="0" r="0" b="0"/>
+            <a:pathLst>
+              <a:path w="120000" h="120000" extrusionOk="0">
+                <a:moveTo>
+                  <a:pt x="0" y="0"/>
+                </a:moveTo>
+                <a:lnTo>
+                  <a:pt x="120000" y="0"/>
+                </a:lnTo>
+                <a:lnTo>
+                  <a:pt x="120000" y="120000"/>
+                </a:lnTo>
+                <a:lnTo>
+                  <a:pt x="0" y="120000"/>
+                </a:lnTo>
+                <a:close/>
+              </a:path>
+            </a:pathLst>
+          </a:custGeom>
+        </p:spPr>
+      </p:sp>
+      <p:sp>
+        <p:nvSpPr>
+          <p:cNvPr id="292" name="Shape 292"/>
+          <p:cNvSpPr txBox="1">
+            <a:spLocks noGrp="1"/>
+          </p:cNvSpPr>
+          <p:nvPr>
+            <p:ph type="body" idx="1"/>
+          </p:nvPr>
+        </p:nvSpPr>
+        <p:spPr>
+          <a:xfrm>
+            <a:off x="685800" y="4343400"/>
+            <a:ext cx="5486400" cy="4114800"/>
+          </a:xfrm>
+          <a:prstGeom prst="rect">
+            <a:avLst/>
+          </a:prstGeom>
+        </p:spPr>
+        <p:txBody>
+          <a:bodyPr spcFirstLastPara="1" wrap="square" lIns="91425" tIns="91425" rIns="91425" bIns="91425" anchor="t" anchorCtr="0">
+            <a:noAutofit/>
+          </a:bodyPr>
+          <a:lstStyle/>
+          <a:p>
+            <a:pPr marL="0" lvl="0" indent="0" rtl="0">
+              <a:spcBef>
+                <a:spcPts val="0"/>
+              </a:spcBef>
+              <a:spcAft>
+                <a:spcPts val="0"/>
+              </a:spcAft>
+              <a:buNone/>
+            </a:pPr>
+            <a:endParaRPr sz="1200">
+              <a:solidFill>
+                <a:srgbClr val="222222"/>
+              </a:solidFill>
+              <a:highlight>
+                <a:srgbClr val="FFFFFF"/>
+              </a:highlight>
+            </a:endParaRPr>
+          </a:p>
+        </p:txBody>
+      </p:sp>
+    </p:spTree>
+  </p:cSld>
+  <p:clrMapOvr>
+    <a:masterClrMapping/>
+  </p:clrMapOvr>
+</p:notes>
+</file>
+
+<file path=ppt/notesSlides/notesSlide26.xml><?xml version="1.0" encoding="utf-8"?>
+<p:notes xmlns:a="http://schemas.openxmlformats.org/drawingml/2006/main" xmlns:r="http://schemas.openxmlformats.org/officeDocument/2006/relationships" xmlns:p="http://schemas.openxmlformats.org/presentationml/2006/main" showMasterSp="0" showMasterPhAnim="0">
+  <p:cSld>
+    <p:spTree>
+      <p:nvGrpSpPr>
+        <p:cNvPr id="1" name="Shape 297"/>
+        <p:cNvGrpSpPr/>
+        <p:nvPr/>
+      </p:nvGrpSpPr>
+      <p:grpSpPr>
+        <a:xfrm>
+          <a:off x="0" y="0"/>
+          <a:ext cx="0" cy="0"/>
+          <a:chOff x="0" y="0"/>
+          <a:chExt cx="0" cy="0"/>
+        </a:xfrm>
+      </p:grpSpPr>
+      <p:sp>
+        <p:nvSpPr>
+          <p:cNvPr id="298" name="Shape 298"/>
+          <p:cNvSpPr>
+            <a:spLocks noGrp="1" noRot="1" noChangeAspect="1"/>
+          </p:cNvSpPr>
+          <p:nvPr>
+            <p:ph type="sldImg" idx="2"/>
+          </p:nvPr>
+        </p:nvSpPr>
+        <p:spPr>
+          <a:xfrm>
+            <a:off x="381000" y="685800"/>
+            <a:ext cx="6096000" cy="3429000"/>
+          </a:xfrm>
+          <a:custGeom>
+            <a:avLst/>
+            <a:gdLst/>
+            <a:ahLst/>
+            <a:cxnLst/>
+            <a:rect l="0" t="0" r="0" b="0"/>
+            <a:pathLst>
+              <a:path w="120000" h="120000" extrusionOk="0">
+                <a:moveTo>
+                  <a:pt x="0" y="0"/>
+                </a:moveTo>
+                <a:lnTo>
+                  <a:pt x="120000" y="0"/>
+                </a:lnTo>
+                <a:lnTo>
+                  <a:pt x="120000" y="120000"/>
+                </a:lnTo>
+                <a:lnTo>
+                  <a:pt x="0" y="120000"/>
+                </a:lnTo>
+                <a:close/>
+              </a:path>
+            </a:pathLst>
+          </a:custGeom>
+        </p:spPr>
+      </p:sp>
+      <p:sp>
+        <p:nvSpPr>
+          <p:cNvPr id="299" name="Shape 299"/>
           <p:cNvSpPr txBox="1">
             <a:spLocks noGrp="1"/>
           </p:cNvSpPr>
@@ -2512,7 +3635,7 @@
         </p:nvSpPr>
         <p:spPr>
           <a:xfrm>
-            <a:off x="381000" y="685800"/>
+            <a:off x="381300" y="685800"/>
             <a:ext cx="6096000" cy="3429000"/>
           </a:xfrm>
           <a:custGeom>
@@ -2566,7 +3689,7 @@
           </a:bodyPr>
           <a:lstStyle/>
           <a:p>
-            <a:pPr marL="0" lvl="0" indent="0">
+            <a:pPr marL="0" lvl="0" indent="0" rtl="0">
               <a:spcBef>
                 <a:spcPts val="0"/>
               </a:spcBef>
@@ -2582,7 +3705,7 @@
             <a:endParaRPr/>
           </a:p>
           <a:p>
-            <a:pPr marL="0" lvl="0" indent="0">
+            <a:pPr marL="0" lvl="0" indent="0" rtl="0">
               <a:spcBef>
                 <a:spcPts val="0"/>
               </a:spcBef>
@@ -2848,15 +3971,23 @@
           </a:bodyPr>
           <a:lstStyle/>
           <a:p>
-            <a:pPr marL="0" lvl="0" indent="0">
-              <a:spcBef>
-                <a:spcPts val="0"/>
-              </a:spcBef>
-              <a:spcAft>
-                <a:spcPts val="0"/>
-              </a:spcAft>
-              <a:buNone/>
-            </a:pPr>
+            <a:pPr marL="457200" lvl="0" indent="-317500">
+              <a:spcBef>
+                <a:spcPts val="0"/>
+              </a:spcBef>
+              <a:spcAft>
+                <a:spcPts val="0"/>
+              </a:spcAft>
+              <a:buSzPts val="1400"/>
+              <a:buChar char="●"/>
+            </a:pPr>
+            <a:r>
+              <a:rPr lang="en"/>
+              <a:t>For the project you are working on:</a:t>
+            </a:r>
+            <a:br>
+              <a:rPr lang="en"/>
+            </a:br>
             <a:r>
               <a:rPr lang="en"/>
               <a:t>Want a new Feature on a project you use.  I.e a new Bell or whistle?</a:t>
@@ -2864,14 +3995,15 @@
             <a:endParaRPr/>
           </a:p>
           <a:p>
-            <a:pPr marL="0" lvl="0" indent="0">
-              <a:spcBef>
-                <a:spcPts val="0"/>
-              </a:spcBef>
-              <a:spcAft>
-                <a:spcPts val="0"/>
-              </a:spcAft>
-              <a:buNone/>
+            <a:pPr marL="457200" lvl="0" indent="-317500">
+              <a:spcBef>
+                <a:spcPts val="0"/>
+              </a:spcBef>
+              <a:spcAft>
+                <a:spcPts val="0"/>
+              </a:spcAft>
+              <a:buSzPts val="1400"/>
+              <a:buChar char="●"/>
             </a:pPr>
             <a:r>
               <a:rPr lang="en"/>
@@ -2880,14 +4012,15 @@
             <a:endParaRPr/>
           </a:p>
           <a:p>
-            <a:pPr marL="0" lvl="0" indent="0">
-              <a:spcBef>
-                <a:spcPts val="0"/>
-              </a:spcBef>
-              <a:spcAft>
-                <a:spcPts val="0"/>
-              </a:spcAft>
-              <a:buNone/>
+            <a:pPr marL="457200" lvl="0" indent="-317500">
+              <a:spcBef>
+                <a:spcPts val="0"/>
+              </a:spcBef>
+              <a:spcAft>
+                <a:spcPts val="0"/>
+              </a:spcAft>
+              <a:buSzPts val="1400"/>
+              <a:buChar char="●"/>
             </a:pPr>
             <a:r>
               <a:rPr lang="en"/>
@@ -2896,34 +4029,36 @@
             <a:endParaRPr/>
           </a:p>
           <a:p>
-            <a:pPr marL="0" lvl="0" indent="0">
-              <a:spcBef>
-                <a:spcPts val="0"/>
-              </a:spcBef>
-              <a:spcAft>
-                <a:spcPts val="0"/>
-              </a:spcAft>
-              <a:buNone/>
+            <a:pPr marL="457200" lvl="0" indent="-317500">
+              <a:spcBef>
+                <a:spcPts val="0"/>
+              </a:spcBef>
+              <a:spcAft>
+                <a:spcPts val="0"/>
+              </a:spcAft>
+              <a:buSzPts val="1400"/>
+              <a:buChar char="●"/>
             </a:pPr>
             <a:r>
               <a:rPr lang="en"/>
-              <a:t>These are tactcial to fix a known problem that affects your project/company</a:t>
+              <a:t>These are tactical to fix a known problem that affects your project/company</a:t>
             </a:r>
             <a:endParaRPr/>
           </a:p>
           <a:p>
-            <a:pPr marL="0" lvl="0" indent="0">
-              <a:spcBef>
-                <a:spcPts val="0"/>
-              </a:spcBef>
-              <a:spcAft>
-                <a:spcPts val="0"/>
-              </a:spcAft>
-              <a:buNone/>
+            <a:pPr marL="914400" lvl="1" indent="-317500">
+              <a:spcBef>
+                <a:spcPts val="0"/>
+              </a:spcBef>
+              <a:spcAft>
+                <a:spcPts val="0"/>
+              </a:spcAft>
+              <a:buSzPts val="1400"/>
+              <a:buChar char="○"/>
             </a:pPr>
             <a:r>
               <a:rPr lang="en"/>
-              <a:t>For Example My customer’s can’t order thair taco’s at Tasty Taco’s because the Transaction model is busted in the new release</a:t>
+              <a:t>For Example My customer’s can’t order their taco’s at Tasty Taco’s because the Transaction model is busted in the new release</a:t>
             </a:r>
             <a:endParaRPr/>
           </a:p>
@@ -2978,7 +4113,7 @@
         </p:nvSpPr>
         <p:spPr>
           <a:xfrm>
-            <a:off x="381000" y="685800"/>
+            <a:off x="381300" y="685800"/>
             <a:ext cx="6096000" cy="3429000"/>
           </a:xfrm>
           <a:custGeom>
@@ -3208,7 +4343,7 @@
         </p:nvSpPr>
         <p:spPr>
           <a:xfrm>
-            <a:off x="381000" y="685800"/>
+            <a:off x="381300" y="685800"/>
             <a:ext cx="6096000" cy="3429000"/>
           </a:xfrm>
           <a:custGeom>
@@ -3262,360 +4397,142 @@
           </a:bodyPr>
           <a:lstStyle/>
           <a:p>
-            <a:pPr marL="0" lvl="0" indent="0" rtl="0">
-              <a:spcBef>
-                <a:spcPts val="0"/>
-              </a:spcBef>
-              <a:spcAft>
-                <a:spcPts val="0"/>
-              </a:spcAft>
-              <a:buNone/>
+            <a:pPr marL="457200" lvl="0" indent="-317500" rtl="0">
+              <a:spcBef>
+                <a:spcPts val="0"/>
+              </a:spcBef>
+              <a:spcAft>
+                <a:spcPts val="0"/>
+              </a:spcAft>
+              <a:buSzPts val="1400"/>
+              <a:buChar char="●"/>
             </a:pPr>
             <a:r>
               <a:rPr lang="en"/>
-              <a:t>Contributor (being a good steward of the Open Source Community)</a:t>
+              <a:t>Join the community</a:t>
             </a:r>
             <a:endParaRPr/>
           </a:p>
           <a:p>
-            <a:pPr marL="457200" lvl="0" indent="-304800">
-              <a:spcBef>
-                <a:spcPts val="0"/>
-              </a:spcBef>
-              <a:spcAft>
-                <a:spcPts val="0"/>
-              </a:spcAft>
-              <a:buClr>
-                <a:srgbClr val="24292E"/>
-              </a:buClr>
-              <a:buSzPts val="1200"/>
+            <a:pPr marL="457200" lvl="0" indent="-317500" rtl="0">
+              <a:spcBef>
+                <a:spcPts val="0"/>
+              </a:spcBef>
+              <a:spcAft>
+                <a:spcPts val="0"/>
+              </a:spcAft>
+              <a:buSzPts val="1400"/>
               <a:buChar char="●"/>
             </a:pPr>
             <a:r>
-              <a:rPr lang="en" sz="1200">
+              <a:rPr lang="en"/>
+              <a:t>Improve your knowledge</a:t>
+            </a:r>
+            <a:endParaRPr/>
+          </a:p>
+          <a:p>
+            <a:pPr marL="457200" lvl="0" indent="-317500" rtl="0">
+              <a:spcBef>
+                <a:spcPts val="0"/>
+              </a:spcBef>
+              <a:spcAft>
+                <a:spcPts val="0"/>
+              </a:spcAft>
+              <a:buSzPts val="1400"/>
+              <a:buChar char="●"/>
+            </a:pPr>
+            <a:r>
+              <a:rPr lang="en"/>
+              <a:t>Looks good on a Resume’  You can show folks your github repo and refer to the code that you have added to a opensource project.</a:t>
+            </a:r>
+            <a:endParaRPr/>
+          </a:p>
+          <a:p>
+            <a:pPr marL="457200" lvl="0" indent="-317500" rtl="0">
+              <a:spcBef>
+                <a:spcPts val="0"/>
+              </a:spcBef>
+              <a:spcAft>
+                <a:spcPts val="0"/>
+              </a:spcAft>
+              <a:buSzPts val="1400"/>
+              <a:buChar char="●"/>
+            </a:pPr>
+            <a:r>
+              <a:rPr lang="en"/>
+              <a:t>A number of folks joined Spring by being contributors to a Spring Project and became an expert.</a:t>
+            </a:r>
+            <a:endParaRPr/>
+          </a:p>
+          <a:p>
+            <a:pPr marL="0" lvl="0" indent="0" rtl="0">
+              <a:spcBef>
+                <a:spcPts val="0"/>
+              </a:spcBef>
+              <a:spcAft>
+                <a:spcPts val="0"/>
+              </a:spcAft>
+              <a:buNone/>
+            </a:pPr>
+            <a:endParaRPr/>
+          </a:p>
+          <a:p>
+            <a:pPr marL="0" lvl="0" indent="0" rtl="0">
+              <a:spcBef>
+                <a:spcPts val="0"/>
+              </a:spcBef>
+              <a:spcAft>
+                <a:spcPts val="0"/>
+              </a:spcAft>
+              <a:buNone/>
+            </a:pPr>
+            <a:r>
+              <a:rPr lang="en" u="sng">
                 <a:solidFill>
-                  <a:srgbClr val="24292E"/>
+                  <a:schemeClr val="hlink"/>
                 </a:solidFill>
-                <a:highlight>
-                  <a:srgbClr val="FFFFFF"/>
-                </a:highlight>
+                <a:hlinkClick r:id="rId3"/>
               </a:rPr>
-              <a:t>Everyone who has contributed something back to the project.</a:t>
+              <a:t>https://flic.kr/p/MEALq</a:t>
             </a:r>
-            <a:endParaRPr sz="1200">
-              <a:solidFill>
-                <a:srgbClr val="24292E"/>
-              </a:solidFill>
-              <a:highlight>
-                <a:srgbClr val="FFFFFF"/>
-              </a:highlight>
-            </a:endParaRPr>
-          </a:p>
-          <a:p>
-            <a:pPr marL="457200" lvl="0" indent="-304800">
-              <a:spcBef>
-                <a:spcPts val="0"/>
-              </a:spcBef>
-              <a:spcAft>
-                <a:spcPts val="0"/>
-              </a:spcAft>
-              <a:buClr>
-                <a:srgbClr val="24292E"/>
-              </a:buClr>
-              <a:buSzPts val="1200"/>
-              <a:buChar char="●"/>
+            <a:endParaRPr/>
+          </a:p>
+          <a:p>
+            <a:pPr marL="0" lvl="0" indent="0" rtl="0">
+              <a:spcBef>
+                <a:spcPts val="0"/>
+              </a:spcBef>
+              <a:spcAft>
+                <a:spcPts val="0"/>
+              </a:spcAft>
+              <a:buNone/>
             </a:pPr>
             <a:r>
-              <a:rPr lang="en" sz="1200">
+              <a:rPr lang="en" u="sng">
                 <a:solidFill>
-                  <a:srgbClr val="24292E"/>
+                  <a:schemeClr val="hlink"/>
                 </a:solidFill>
-                <a:highlight>
-                  <a:srgbClr val="FFFFFF"/>
-                </a:highlight>
+                <a:hlinkClick r:id="rId4"/>
               </a:rPr>
-              <a:t>Documentation</a:t>
+              <a:t>https://flic.kr/p/4zD8tf</a:t>
             </a:r>
-            <a:endParaRPr sz="1200">
-              <a:solidFill>
-                <a:srgbClr val="24292E"/>
-              </a:solidFill>
-              <a:highlight>
-                <a:srgbClr val="FFFFFF"/>
-              </a:highlight>
-            </a:endParaRPr>
-          </a:p>
-          <a:p>
-            <a:pPr marL="457200" lvl="0" indent="-304800">
-              <a:spcBef>
-                <a:spcPts val="0"/>
-              </a:spcBef>
-              <a:spcAft>
-                <a:spcPts val="0"/>
-              </a:spcAft>
-              <a:buClr>
-                <a:srgbClr val="24292E"/>
-              </a:buClr>
-              <a:buSzPts val="1200"/>
-              <a:buChar char="●"/>
+            <a:endParaRPr/>
+          </a:p>
+          <a:p>
+            <a:pPr marL="0" lvl="0" indent="0" rtl="0">
+              <a:spcBef>
+                <a:spcPts val="0"/>
+              </a:spcBef>
+              <a:spcAft>
+                <a:spcPts val="0"/>
+              </a:spcAft>
+              <a:buNone/>
             </a:pPr>
             <a:r>
-              <a:rPr lang="en" sz="1200">
-                <a:solidFill>
-                  <a:srgbClr val="24292E"/>
-                </a:solidFill>
-                <a:highlight>
-                  <a:srgbClr val="FFFFFF"/>
-                </a:highlight>
-              </a:rPr>
-              <a:t>Code:</a:t>
+              <a:rPr lang="en"/>
+              <a:t>https://flic.kr/p/nbAtrh</a:t>
             </a:r>
-            <a:endParaRPr sz="1200">
-              <a:solidFill>
-                <a:srgbClr val="24292E"/>
-              </a:solidFill>
-              <a:highlight>
-                <a:srgbClr val="FFFFFF"/>
-              </a:highlight>
-            </a:endParaRPr>
-          </a:p>
-          <a:p>
-            <a:pPr marL="914400" lvl="1" indent="-304800">
-              <a:spcBef>
-                <a:spcPts val="0"/>
-              </a:spcBef>
-              <a:spcAft>
-                <a:spcPts val="0"/>
-              </a:spcAft>
-              <a:buClr>
-                <a:srgbClr val="24292E"/>
-              </a:buClr>
-              <a:buSzPts val="1200"/>
-              <a:buChar char="○"/>
-            </a:pPr>
-            <a:r>
-              <a:rPr lang="en" sz="1200">
-                <a:solidFill>
-                  <a:srgbClr val="24292E"/>
-                </a:solidFill>
-                <a:highlight>
-                  <a:srgbClr val="FFFFFF"/>
-                </a:highlight>
-              </a:rPr>
-              <a:t>Feature Adds</a:t>
-            </a:r>
-            <a:endParaRPr sz="1200">
-              <a:solidFill>
-                <a:srgbClr val="24292E"/>
-              </a:solidFill>
-              <a:highlight>
-                <a:srgbClr val="FFFFFF"/>
-              </a:highlight>
-            </a:endParaRPr>
-          </a:p>
-          <a:p>
-            <a:pPr marL="914400" lvl="1" indent="-304800">
-              <a:spcBef>
-                <a:spcPts val="0"/>
-              </a:spcBef>
-              <a:spcAft>
-                <a:spcPts val="0"/>
-              </a:spcAft>
-              <a:buClr>
-                <a:srgbClr val="24292E"/>
-              </a:buClr>
-              <a:buSzPts val="1200"/>
-              <a:buChar char="○"/>
-            </a:pPr>
-            <a:r>
-              <a:rPr lang="en" sz="1200">
-                <a:solidFill>
-                  <a:srgbClr val="24292E"/>
-                </a:solidFill>
-                <a:highlight>
-                  <a:srgbClr val="FFFFFF"/>
-                </a:highlight>
-              </a:rPr>
-              <a:t>Bug Fixes</a:t>
-            </a:r>
-            <a:endParaRPr sz="1200">
-              <a:solidFill>
-                <a:srgbClr val="24292E"/>
-              </a:solidFill>
-              <a:highlight>
-                <a:srgbClr val="FFFFFF"/>
-              </a:highlight>
-            </a:endParaRPr>
-          </a:p>
-          <a:p>
-            <a:pPr marL="457200" lvl="0" indent="-304800">
-              <a:spcBef>
-                <a:spcPts val="0"/>
-              </a:spcBef>
-              <a:spcAft>
-                <a:spcPts val="0"/>
-              </a:spcAft>
-              <a:buClr>
-                <a:srgbClr val="24292E"/>
-              </a:buClr>
-              <a:buSzPts val="1200"/>
-              <a:buChar char="●"/>
-            </a:pPr>
-            <a:r>
-              <a:rPr lang="en" sz="1200">
-                <a:solidFill>
-                  <a:srgbClr val="24292E"/>
-                </a:solidFill>
-                <a:highlight>
-                  <a:srgbClr val="FFFFFF"/>
-                </a:highlight>
-              </a:rPr>
-              <a:t>Build</a:t>
-            </a:r>
-            <a:endParaRPr sz="1200">
-              <a:solidFill>
-                <a:srgbClr val="24292E"/>
-              </a:solidFill>
-              <a:highlight>
-                <a:srgbClr val="FFFFFF"/>
-              </a:highlight>
-            </a:endParaRPr>
-          </a:p>
-          <a:p>
-            <a:pPr marL="914400" lvl="1" indent="-304800">
-              <a:spcBef>
-                <a:spcPts val="0"/>
-              </a:spcBef>
-              <a:spcAft>
-                <a:spcPts val="0"/>
-              </a:spcAft>
-              <a:buClr>
-                <a:srgbClr val="24292E"/>
-              </a:buClr>
-              <a:buSzPts val="1200"/>
-              <a:buChar char="○"/>
-            </a:pPr>
-            <a:r>
-              <a:rPr lang="en" sz="1200">
-                <a:solidFill>
-                  <a:srgbClr val="24292E"/>
-                </a:solidFill>
-                <a:highlight>
-                  <a:srgbClr val="FFFFFF"/>
-                </a:highlight>
-              </a:rPr>
-              <a:t>Pom or build.gradle updates etc</a:t>
-            </a:r>
-            <a:endParaRPr sz="1200">
-              <a:solidFill>
-                <a:srgbClr val="24292E"/>
-              </a:solidFill>
-              <a:highlight>
-                <a:srgbClr val="FFFFFF"/>
-              </a:highlight>
-            </a:endParaRPr>
-          </a:p>
-          <a:p>
-            <a:pPr marL="457200" lvl="0" indent="-304800">
-              <a:spcBef>
-                <a:spcPts val="0"/>
-              </a:spcBef>
-              <a:spcAft>
-                <a:spcPts val="0"/>
-              </a:spcAft>
-              <a:buClr>
-                <a:srgbClr val="222222"/>
-              </a:buClr>
-              <a:buSzPts val="1200"/>
-              <a:buChar char="●"/>
-            </a:pPr>
-            <a:r>
-              <a:rPr lang="en" sz="1200">
-                <a:solidFill>
-                  <a:srgbClr val="222222"/>
-                </a:solidFill>
-                <a:highlight>
-                  <a:srgbClr val="FFFFFF"/>
-                </a:highlight>
-              </a:rPr>
-              <a:t>Being a contributor means you can answer questions on Stack Overflow/gitter</a:t>
-            </a:r>
-            <a:endParaRPr sz="1200">
-              <a:solidFill>
-                <a:srgbClr val="222222"/>
-              </a:solidFill>
-              <a:highlight>
-                <a:srgbClr val="FFFFFF"/>
-              </a:highlight>
-            </a:endParaRPr>
-          </a:p>
-          <a:p>
-            <a:pPr marL="457200" lvl="0" indent="-304800">
-              <a:spcBef>
-                <a:spcPts val="0"/>
-              </a:spcBef>
-              <a:spcAft>
-                <a:spcPts val="0"/>
-              </a:spcAft>
-              <a:buClr>
-                <a:srgbClr val="24292E"/>
-              </a:buClr>
-              <a:buSzPts val="1200"/>
-              <a:buChar char="●"/>
-            </a:pPr>
-            <a:r>
-              <a:rPr lang="en" sz="1200">
-                <a:solidFill>
-                  <a:srgbClr val="24292E"/>
-                </a:solidFill>
-                <a:highlight>
-                  <a:srgbClr val="FFFFFF"/>
-                </a:highlight>
-              </a:rPr>
-              <a:t>You can speak on the OpenSource project at local user groups, meetups or conferences.</a:t>
-            </a:r>
-            <a:endParaRPr sz="1200">
-              <a:solidFill>
-                <a:srgbClr val="24292E"/>
-              </a:solidFill>
-              <a:highlight>
-                <a:srgbClr val="FFFFFF"/>
-              </a:highlight>
-            </a:endParaRPr>
-          </a:p>
-          <a:p>
-            <a:pPr marL="457200" lvl="0" indent="-304800" rtl="0">
-              <a:spcBef>
-                <a:spcPts val="0"/>
-              </a:spcBef>
-              <a:spcAft>
-                <a:spcPts val="0"/>
-              </a:spcAft>
-              <a:buClr>
-                <a:srgbClr val="24292E"/>
-              </a:buClr>
-              <a:buSzPts val="1200"/>
-              <a:buChar char="●"/>
-            </a:pPr>
-            <a:r>
-              <a:rPr lang="en" sz="1200">
-                <a:solidFill>
-                  <a:srgbClr val="24292E"/>
-                </a:solidFill>
-                <a:highlight>
-                  <a:srgbClr val="FFFFFF"/>
-                </a:highlight>
-              </a:rPr>
-              <a:t>Many Spring employees got their position by speaking, answering question on SO, writing books</a:t>
-            </a:r>
-            <a:endParaRPr sz="1200">
-              <a:solidFill>
-                <a:srgbClr val="24292E"/>
-              </a:solidFill>
-              <a:highlight>
-                <a:srgbClr val="FFFFFF"/>
-              </a:highlight>
-            </a:endParaRPr>
+            <a:endParaRPr/>
           </a:p>
         </p:txBody>
       </p:sp>
@@ -3656,7 +4573,7 @@
         </p:nvSpPr>
         <p:spPr>
           <a:xfrm>
-            <a:off x="381000" y="685800"/>
+            <a:off x="381300" y="685800"/>
             <a:ext cx="6096000" cy="3429000"/>
           </a:xfrm>
           <a:custGeom>
@@ -3688,6 +4605,806 @@
       <p:sp>
         <p:nvSpPr>
           <p:cNvPr id="109" name="Shape 109"/>
+          <p:cNvSpPr txBox="1">
+            <a:spLocks noGrp="1"/>
+          </p:cNvSpPr>
+          <p:nvPr>
+            <p:ph type="body" idx="1"/>
+          </p:nvPr>
+        </p:nvSpPr>
+        <p:spPr>
+          <a:xfrm>
+            <a:off x="685800" y="4343400"/>
+            <a:ext cx="5486400" cy="4114800"/>
+          </a:xfrm>
+          <a:prstGeom prst="rect">
+            <a:avLst/>
+          </a:prstGeom>
+        </p:spPr>
+        <p:txBody>
+          <a:bodyPr spcFirstLastPara="1" wrap="square" lIns="91425" tIns="91425" rIns="91425" bIns="91425" anchor="t" anchorCtr="0">
+            <a:noAutofit/>
+          </a:bodyPr>
+          <a:lstStyle/>
+          <a:p>
+            <a:pPr marL="0" lvl="0" indent="0" rtl="0">
+              <a:spcBef>
+                <a:spcPts val="0"/>
+              </a:spcBef>
+              <a:spcAft>
+                <a:spcPts val="0"/>
+              </a:spcAft>
+              <a:buNone/>
+            </a:pPr>
+            <a:r>
+              <a:rPr lang="en"/>
+              <a:t>Contributor (being a good steward of the Open Source Community)</a:t>
+            </a:r>
+            <a:endParaRPr/>
+          </a:p>
+          <a:p>
+            <a:pPr marL="457200" lvl="0" indent="-304800">
+              <a:spcBef>
+                <a:spcPts val="0"/>
+              </a:spcBef>
+              <a:spcAft>
+                <a:spcPts val="0"/>
+              </a:spcAft>
+              <a:buClr>
+                <a:srgbClr val="24292E"/>
+              </a:buClr>
+              <a:buSzPts val="1200"/>
+              <a:buChar char="●"/>
+            </a:pPr>
+            <a:r>
+              <a:rPr lang="en" sz="1200">
+                <a:solidFill>
+                  <a:srgbClr val="24292E"/>
+                </a:solidFill>
+                <a:highlight>
+                  <a:srgbClr val="FFFFFF"/>
+                </a:highlight>
+              </a:rPr>
+              <a:t>Everyone who has contributed something back to the project.</a:t>
+            </a:r>
+            <a:endParaRPr sz="1200">
+              <a:solidFill>
+                <a:srgbClr val="24292E"/>
+              </a:solidFill>
+              <a:highlight>
+                <a:srgbClr val="FFFFFF"/>
+              </a:highlight>
+            </a:endParaRPr>
+          </a:p>
+          <a:p>
+            <a:pPr marL="457200" lvl="0" indent="-304800">
+              <a:spcBef>
+                <a:spcPts val="0"/>
+              </a:spcBef>
+              <a:spcAft>
+                <a:spcPts val="0"/>
+              </a:spcAft>
+              <a:buClr>
+                <a:srgbClr val="24292E"/>
+              </a:buClr>
+              <a:buSzPts val="1200"/>
+              <a:buChar char="●"/>
+            </a:pPr>
+            <a:r>
+              <a:rPr lang="en" sz="1200">
+                <a:solidFill>
+                  <a:srgbClr val="24292E"/>
+                </a:solidFill>
+                <a:highlight>
+                  <a:srgbClr val="FFFFFF"/>
+                </a:highlight>
+              </a:rPr>
+              <a:t>Documentation</a:t>
+            </a:r>
+            <a:endParaRPr sz="1200">
+              <a:solidFill>
+                <a:srgbClr val="24292E"/>
+              </a:solidFill>
+              <a:highlight>
+                <a:srgbClr val="FFFFFF"/>
+              </a:highlight>
+            </a:endParaRPr>
+          </a:p>
+          <a:p>
+            <a:pPr marL="457200" lvl="0" indent="-304800">
+              <a:spcBef>
+                <a:spcPts val="0"/>
+              </a:spcBef>
+              <a:spcAft>
+                <a:spcPts val="0"/>
+              </a:spcAft>
+              <a:buClr>
+                <a:srgbClr val="24292E"/>
+              </a:buClr>
+              <a:buSzPts val="1200"/>
+              <a:buChar char="●"/>
+            </a:pPr>
+            <a:r>
+              <a:rPr lang="en" sz="1200">
+                <a:solidFill>
+                  <a:srgbClr val="24292E"/>
+                </a:solidFill>
+                <a:highlight>
+                  <a:srgbClr val="FFFFFF"/>
+                </a:highlight>
+              </a:rPr>
+              <a:t>Code:</a:t>
+            </a:r>
+            <a:endParaRPr sz="1200">
+              <a:solidFill>
+                <a:srgbClr val="24292E"/>
+              </a:solidFill>
+              <a:highlight>
+                <a:srgbClr val="FFFFFF"/>
+              </a:highlight>
+            </a:endParaRPr>
+          </a:p>
+          <a:p>
+            <a:pPr marL="914400" lvl="1" indent="-304800">
+              <a:spcBef>
+                <a:spcPts val="0"/>
+              </a:spcBef>
+              <a:spcAft>
+                <a:spcPts val="0"/>
+              </a:spcAft>
+              <a:buClr>
+                <a:srgbClr val="24292E"/>
+              </a:buClr>
+              <a:buSzPts val="1200"/>
+              <a:buChar char="○"/>
+            </a:pPr>
+            <a:r>
+              <a:rPr lang="en" sz="1200">
+                <a:solidFill>
+                  <a:srgbClr val="24292E"/>
+                </a:solidFill>
+                <a:highlight>
+                  <a:srgbClr val="FFFFFF"/>
+                </a:highlight>
+              </a:rPr>
+              <a:t>Feature Adds</a:t>
+            </a:r>
+            <a:endParaRPr sz="1200">
+              <a:solidFill>
+                <a:srgbClr val="24292E"/>
+              </a:solidFill>
+              <a:highlight>
+                <a:srgbClr val="FFFFFF"/>
+              </a:highlight>
+            </a:endParaRPr>
+          </a:p>
+          <a:p>
+            <a:pPr marL="914400" lvl="1" indent="-304800">
+              <a:spcBef>
+                <a:spcPts val="0"/>
+              </a:spcBef>
+              <a:spcAft>
+                <a:spcPts val="0"/>
+              </a:spcAft>
+              <a:buClr>
+                <a:srgbClr val="24292E"/>
+              </a:buClr>
+              <a:buSzPts val="1200"/>
+              <a:buChar char="○"/>
+            </a:pPr>
+            <a:r>
+              <a:rPr lang="en" sz="1200">
+                <a:solidFill>
+                  <a:srgbClr val="24292E"/>
+                </a:solidFill>
+                <a:highlight>
+                  <a:srgbClr val="FFFFFF"/>
+                </a:highlight>
+              </a:rPr>
+              <a:t>Bug Fixes</a:t>
+            </a:r>
+            <a:endParaRPr sz="1200">
+              <a:solidFill>
+                <a:srgbClr val="24292E"/>
+              </a:solidFill>
+              <a:highlight>
+                <a:srgbClr val="FFFFFF"/>
+              </a:highlight>
+            </a:endParaRPr>
+          </a:p>
+          <a:p>
+            <a:pPr marL="457200" lvl="0" indent="-304800">
+              <a:spcBef>
+                <a:spcPts val="0"/>
+              </a:spcBef>
+              <a:spcAft>
+                <a:spcPts val="0"/>
+              </a:spcAft>
+              <a:buClr>
+                <a:srgbClr val="24292E"/>
+              </a:buClr>
+              <a:buSzPts val="1200"/>
+              <a:buChar char="●"/>
+            </a:pPr>
+            <a:r>
+              <a:rPr lang="en" sz="1200">
+                <a:solidFill>
+                  <a:srgbClr val="24292E"/>
+                </a:solidFill>
+                <a:highlight>
+                  <a:srgbClr val="FFFFFF"/>
+                </a:highlight>
+              </a:rPr>
+              <a:t>Build</a:t>
+            </a:r>
+            <a:endParaRPr sz="1200">
+              <a:solidFill>
+                <a:srgbClr val="24292E"/>
+              </a:solidFill>
+              <a:highlight>
+                <a:srgbClr val="FFFFFF"/>
+              </a:highlight>
+            </a:endParaRPr>
+          </a:p>
+          <a:p>
+            <a:pPr marL="914400" lvl="1" indent="-304800">
+              <a:spcBef>
+                <a:spcPts val="0"/>
+              </a:spcBef>
+              <a:spcAft>
+                <a:spcPts val="0"/>
+              </a:spcAft>
+              <a:buClr>
+                <a:srgbClr val="24292E"/>
+              </a:buClr>
+              <a:buSzPts val="1200"/>
+              <a:buChar char="○"/>
+            </a:pPr>
+            <a:r>
+              <a:rPr lang="en" sz="1200">
+                <a:solidFill>
+                  <a:srgbClr val="24292E"/>
+                </a:solidFill>
+                <a:highlight>
+                  <a:srgbClr val="FFFFFF"/>
+                </a:highlight>
+              </a:rPr>
+              <a:t>Pom or build.gradle updates etc</a:t>
+            </a:r>
+            <a:endParaRPr sz="1200">
+              <a:solidFill>
+                <a:srgbClr val="24292E"/>
+              </a:solidFill>
+              <a:highlight>
+                <a:srgbClr val="FFFFFF"/>
+              </a:highlight>
+            </a:endParaRPr>
+          </a:p>
+          <a:p>
+            <a:pPr marL="457200" lvl="0" indent="-304800">
+              <a:spcBef>
+                <a:spcPts val="0"/>
+              </a:spcBef>
+              <a:spcAft>
+                <a:spcPts val="0"/>
+              </a:spcAft>
+              <a:buClr>
+                <a:srgbClr val="222222"/>
+              </a:buClr>
+              <a:buSzPts val="1200"/>
+              <a:buChar char="●"/>
+            </a:pPr>
+            <a:r>
+              <a:rPr lang="en" sz="1200">
+                <a:solidFill>
+                  <a:srgbClr val="222222"/>
+                </a:solidFill>
+                <a:highlight>
+                  <a:srgbClr val="FFFFFF"/>
+                </a:highlight>
+              </a:rPr>
+              <a:t>Being a contributor means you can answer questions on Stack Overflow/gitter</a:t>
+            </a:r>
+            <a:endParaRPr sz="1200">
+              <a:solidFill>
+                <a:srgbClr val="222222"/>
+              </a:solidFill>
+              <a:highlight>
+                <a:srgbClr val="FFFFFF"/>
+              </a:highlight>
+            </a:endParaRPr>
+          </a:p>
+          <a:p>
+            <a:pPr marL="457200" lvl="0" indent="-304800">
+              <a:spcBef>
+                <a:spcPts val="0"/>
+              </a:spcBef>
+              <a:spcAft>
+                <a:spcPts val="0"/>
+              </a:spcAft>
+              <a:buClr>
+                <a:srgbClr val="24292E"/>
+              </a:buClr>
+              <a:buSzPts val="1200"/>
+              <a:buChar char="●"/>
+            </a:pPr>
+            <a:r>
+              <a:rPr lang="en" sz="1200">
+                <a:solidFill>
+                  <a:srgbClr val="24292E"/>
+                </a:solidFill>
+                <a:highlight>
+                  <a:srgbClr val="FFFFFF"/>
+                </a:highlight>
+              </a:rPr>
+              <a:t>You can speak on the OpenSource project at local user groups, meetups or conferences.</a:t>
+            </a:r>
+            <a:endParaRPr sz="1200">
+              <a:solidFill>
+                <a:srgbClr val="24292E"/>
+              </a:solidFill>
+              <a:highlight>
+                <a:srgbClr val="FFFFFF"/>
+              </a:highlight>
+            </a:endParaRPr>
+          </a:p>
+          <a:p>
+            <a:pPr marL="457200" lvl="0" indent="-304800" rtl="0">
+              <a:spcBef>
+                <a:spcPts val="0"/>
+              </a:spcBef>
+              <a:spcAft>
+                <a:spcPts val="0"/>
+              </a:spcAft>
+              <a:buClr>
+                <a:srgbClr val="24292E"/>
+              </a:buClr>
+              <a:buSzPts val="1200"/>
+              <a:buChar char="●"/>
+            </a:pPr>
+            <a:r>
+              <a:rPr lang="en" sz="1200">
+                <a:solidFill>
+                  <a:srgbClr val="24292E"/>
+                </a:solidFill>
+                <a:highlight>
+                  <a:srgbClr val="FFFFFF"/>
+                </a:highlight>
+              </a:rPr>
+              <a:t>Many Spring employees got their position by speaking, answering question on SO, writing books</a:t>
+            </a:r>
+            <a:endParaRPr sz="1200">
+              <a:solidFill>
+                <a:srgbClr val="24292E"/>
+              </a:solidFill>
+              <a:highlight>
+                <a:srgbClr val="FFFFFF"/>
+              </a:highlight>
+            </a:endParaRPr>
+          </a:p>
+        </p:txBody>
+      </p:sp>
+    </p:spTree>
+  </p:cSld>
+  <p:clrMapOvr>
+    <a:masterClrMapping/>
+  </p:clrMapOvr>
+</p:notes>
+</file>
+
+<file path=ppt/notesSlides/notesSlide8.xml><?xml version="1.0" encoding="utf-8"?>
+<p:notes xmlns:a="http://schemas.openxmlformats.org/drawingml/2006/main" xmlns:r="http://schemas.openxmlformats.org/officeDocument/2006/relationships" xmlns:p="http://schemas.openxmlformats.org/presentationml/2006/main" showMasterSp="0" showMasterPhAnim="0">
+  <p:cSld>
+    <p:spTree>
+      <p:nvGrpSpPr>
+        <p:cNvPr id="1" name="Shape 114"/>
+        <p:cNvGrpSpPr/>
+        <p:nvPr/>
+      </p:nvGrpSpPr>
+      <p:grpSpPr>
+        <a:xfrm>
+          <a:off x="0" y="0"/>
+          <a:ext cx="0" cy="0"/>
+          <a:chOff x="0" y="0"/>
+          <a:chExt cx="0" cy="0"/>
+        </a:xfrm>
+      </p:grpSpPr>
+      <p:sp>
+        <p:nvSpPr>
+          <p:cNvPr id="115" name="Shape 115"/>
+          <p:cNvSpPr>
+            <a:spLocks noGrp="1" noRot="1" noChangeAspect="1"/>
+          </p:cNvSpPr>
+          <p:nvPr>
+            <p:ph type="sldImg" idx="2"/>
+          </p:nvPr>
+        </p:nvSpPr>
+        <p:spPr>
+          <a:xfrm>
+            <a:off x="381300" y="685800"/>
+            <a:ext cx="6096000" cy="3429000"/>
+          </a:xfrm>
+          <a:custGeom>
+            <a:avLst/>
+            <a:gdLst/>
+            <a:ahLst/>
+            <a:cxnLst/>
+            <a:rect l="0" t="0" r="0" b="0"/>
+            <a:pathLst>
+              <a:path w="120000" h="120000" extrusionOk="0">
+                <a:moveTo>
+                  <a:pt x="0" y="0"/>
+                </a:moveTo>
+                <a:lnTo>
+                  <a:pt x="120000" y="0"/>
+                </a:lnTo>
+                <a:lnTo>
+                  <a:pt x="120000" y="120000"/>
+                </a:lnTo>
+                <a:lnTo>
+                  <a:pt x="0" y="120000"/>
+                </a:lnTo>
+                <a:close/>
+              </a:path>
+            </a:pathLst>
+          </a:custGeom>
+        </p:spPr>
+      </p:sp>
+      <p:sp>
+        <p:nvSpPr>
+          <p:cNvPr id="116" name="Shape 116"/>
+          <p:cNvSpPr txBox="1">
+            <a:spLocks noGrp="1"/>
+          </p:cNvSpPr>
+          <p:nvPr>
+            <p:ph type="body" idx="1"/>
+          </p:nvPr>
+        </p:nvSpPr>
+        <p:spPr>
+          <a:xfrm>
+            <a:off x="685800" y="4343400"/>
+            <a:ext cx="5486400" cy="4114800"/>
+          </a:xfrm>
+          <a:prstGeom prst="rect">
+            <a:avLst/>
+          </a:prstGeom>
+        </p:spPr>
+        <p:txBody>
+          <a:bodyPr spcFirstLastPara="1" wrap="square" lIns="91425" tIns="91425" rIns="91425" bIns="91425" anchor="t" anchorCtr="0">
+            <a:noAutofit/>
+          </a:bodyPr>
+          <a:lstStyle/>
+          <a:p>
+            <a:pPr marL="0" lvl="0" indent="0" rtl="0">
+              <a:lnSpc>
+                <a:spcPct val="115000"/>
+              </a:lnSpc>
+              <a:spcBef>
+                <a:spcPts val="0"/>
+              </a:spcBef>
+              <a:spcAft>
+                <a:spcPts val="0"/>
+              </a:spcAft>
+              <a:buNone/>
+            </a:pPr>
+            <a:r>
+              <a:rPr lang="en" sz="1000"/>
+              <a:t>Discuss difference between a question and an issue</a:t>
+            </a:r>
+            <a:endParaRPr sz="1000"/>
+          </a:p>
+          <a:p>
+            <a:pPr marL="0" lvl="0" indent="0" rtl="0">
+              <a:lnSpc>
+                <a:spcPct val="115000"/>
+              </a:lnSpc>
+              <a:spcBef>
+                <a:spcPts val="0"/>
+              </a:spcBef>
+              <a:spcAft>
+                <a:spcPts val="0"/>
+              </a:spcAft>
+              <a:buNone/>
+            </a:pPr>
+            <a:endParaRPr sz="1000"/>
+          </a:p>
+          <a:p>
+            <a:pPr marL="0" lvl="0" indent="0" rtl="0">
+              <a:lnSpc>
+                <a:spcPct val="115000"/>
+              </a:lnSpc>
+              <a:spcBef>
+                <a:spcPts val="0"/>
+              </a:spcBef>
+              <a:spcAft>
+                <a:spcPts val="0"/>
+              </a:spcAft>
+              <a:buNone/>
+            </a:pPr>
+            <a:r>
+              <a:rPr lang="en" sz="1000"/>
+              <a:t>What is an issue</a:t>
+            </a:r>
+            <a:endParaRPr sz="1000"/>
+          </a:p>
+          <a:p>
+            <a:pPr marL="457200" lvl="0" indent="-292100" rtl="0">
+              <a:lnSpc>
+                <a:spcPct val="115000"/>
+              </a:lnSpc>
+              <a:spcBef>
+                <a:spcPts val="0"/>
+              </a:spcBef>
+              <a:spcAft>
+                <a:spcPts val="0"/>
+              </a:spcAft>
+              <a:buSzPts val="1000"/>
+              <a:buChar char="●"/>
+            </a:pPr>
+            <a:r>
+              <a:rPr lang="en" sz="1000"/>
+              <a:t>Can be a feature or a bug</a:t>
+            </a:r>
+            <a:endParaRPr sz="1000"/>
+          </a:p>
+          <a:p>
+            <a:pPr marL="457200" lvl="0" indent="-292100" rtl="0">
+              <a:lnSpc>
+                <a:spcPct val="115000"/>
+              </a:lnSpc>
+              <a:spcBef>
+                <a:spcPts val="0"/>
+              </a:spcBef>
+              <a:spcAft>
+                <a:spcPts val="0"/>
+              </a:spcAft>
+              <a:buSzPts val="1000"/>
+              <a:buChar char="●"/>
+            </a:pPr>
+            <a:r>
+              <a:rPr lang="en" sz="1000"/>
+              <a:t>Can affect Code, Build or Docs</a:t>
+            </a:r>
+            <a:endParaRPr sz="1000"/>
+          </a:p>
+          <a:p>
+            <a:pPr marL="457200" lvl="0" indent="-292100" rtl="0">
+              <a:lnSpc>
+                <a:spcPct val="115000"/>
+              </a:lnSpc>
+              <a:spcBef>
+                <a:spcPts val="0"/>
+              </a:spcBef>
+              <a:spcAft>
+                <a:spcPts val="0"/>
+              </a:spcAft>
+              <a:buSzPts val="1000"/>
+              <a:buChar char="●"/>
+            </a:pPr>
+            <a:r>
+              <a:rPr lang="en" sz="1000"/>
+              <a:t>Insert issues on github issues or Jira</a:t>
+            </a:r>
+            <a:endParaRPr sz="1000"/>
+          </a:p>
+          <a:p>
+            <a:pPr marL="0" lvl="0" indent="0" rtl="0">
+              <a:lnSpc>
+                <a:spcPct val="115000"/>
+              </a:lnSpc>
+              <a:spcBef>
+                <a:spcPts val="0"/>
+              </a:spcBef>
+              <a:spcAft>
+                <a:spcPts val="0"/>
+              </a:spcAft>
+              <a:buNone/>
+            </a:pPr>
+            <a:r>
+              <a:rPr lang="en" sz="1000"/>
+              <a:t>Questions </a:t>
+            </a:r>
+            <a:endParaRPr sz="1000"/>
+          </a:p>
+          <a:p>
+            <a:pPr marL="457200" lvl="0" indent="-292100" rtl="0">
+              <a:lnSpc>
+                <a:spcPct val="115000"/>
+              </a:lnSpc>
+              <a:spcBef>
+                <a:spcPts val="0"/>
+              </a:spcBef>
+              <a:spcAft>
+                <a:spcPts val="0"/>
+              </a:spcAft>
+              <a:buSzPts val="1000"/>
+              <a:buChar char="●"/>
+            </a:pPr>
+            <a:r>
+              <a:rPr lang="en" sz="1000"/>
+              <a:t>How do I do X, because documentation doesn’t cover it well (hint contribute ;-) )</a:t>
+            </a:r>
+            <a:endParaRPr sz="1000"/>
+          </a:p>
+          <a:p>
+            <a:pPr marL="457200" lvl="0" indent="-292100" rtl="0">
+              <a:lnSpc>
+                <a:spcPct val="115000"/>
+              </a:lnSpc>
+              <a:spcBef>
+                <a:spcPts val="0"/>
+              </a:spcBef>
+              <a:spcAft>
+                <a:spcPts val="0"/>
+              </a:spcAft>
+              <a:buSzPts val="1000"/>
+              <a:buChar char="●"/>
+            </a:pPr>
+            <a:r>
+              <a:rPr lang="en" sz="1000"/>
+              <a:t>Interaction between software doesn’t behave as it is supposed to.</a:t>
+            </a:r>
+            <a:endParaRPr sz="1000"/>
+          </a:p>
+          <a:p>
+            <a:pPr marL="457200" lvl="0" indent="-292100" rtl="0">
+              <a:lnSpc>
+                <a:spcPct val="115000"/>
+              </a:lnSpc>
+              <a:spcBef>
+                <a:spcPts val="0"/>
+              </a:spcBef>
+              <a:spcAft>
+                <a:spcPts val="0"/>
+              </a:spcAft>
+              <a:buSzPts val="1000"/>
+              <a:buChar char="●"/>
+            </a:pPr>
+            <a:r>
+              <a:rPr lang="en" sz="1000"/>
+              <a:t>Ask questions on SO or gitter</a:t>
+            </a:r>
+            <a:endParaRPr sz="1000"/>
+          </a:p>
+          <a:p>
+            <a:pPr marL="0" lvl="0" indent="0">
+              <a:spcBef>
+                <a:spcPts val="0"/>
+              </a:spcBef>
+              <a:spcAft>
+                <a:spcPts val="0"/>
+              </a:spcAft>
+              <a:buNone/>
+            </a:pPr>
+            <a:endParaRPr sz="1200">
+              <a:solidFill>
+                <a:srgbClr val="222222"/>
+              </a:solidFill>
+              <a:highlight>
+                <a:srgbClr val="FFFFFF"/>
+              </a:highlight>
+            </a:endParaRPr>
+          </a:p>
+          <a:p>
+            <a:pPr marL="0" lvl="0" indent="0">
+              <a:spcBef>
+                <a:spcPts val="0"/>
+              </a:spcBef>
+              <a:spcAft>
+                <a:spcPts val="0"/>
+              </a:spcAft>
+              <a:buNone/>
+            </a:pPr>
+            <a:endParaRPr sz="1200">
+              <a:solidFill>
+                <a:srgbClr val="222222"/>
+              </a:solidFill>
+              <a:highlight>
+                <a:srgbClr val="FFFFFF"/>
+              </a:highlight>
+            </a:endParaRPr>
+          </a:p>
+          <a:p>
+            <a:pPr marL="0" lvl="0" indent="0" rtl="0">
+              <a:spcBef>
+                <a:spcPts val="0"/>
+              </a:spcBef>
+              <a:spcAft>
+                <a:spcPts val="0"/>
+              </a:spcAft>
+              <a:buNone/>
+            </a:pPr>
+            <a:r>
+              <a:rPr lang="en" sz="1200">
+                <a:solidFill>
+                  <a:srgbClr val="222222"/>
+                </a:solidFill>
+                <a:highlight>
+                  <a:srgbClr val="FFFFFF"/>
+                </a:highlight>
+              </a:rPr>
+              <a:t> https://flic.kr/p/bNzhAT</a:t>
+            </a:r>
+            <a:endParaRPr sz="1200">
+              <a:solidFill>
+                <a:srgbClr val="222222"/>
+              </a:solidFill>
+              <a:highlight>
+                <a:srgbClr val="FFFFFF"/>
+              </a:highlight>
+            </a:endParaRPr>
+          </a:p>
+        </p:txBody>
+      </p:sp>
+    </p:spTree>
+  </p:cSld>
+  <p:clrMapOvr>
+    <a:masterClrMapping/>
+  </p:clrMapOvr>
+</p:notes>
+</file>
+
+<file path=ppt/notesSlides/notesSlide9.xml><?xml version="1.0" encoding="utf-8"?>
+<p:notes xmlns:a="http://schemas.openxmlformats.org/drawingml/2006/main" xmlns:r="http://schemas.openxmlformats.org/officeDocument/2006/relationships" xmlns:p="http://schemas.openxmlformats.org/presentationml/2006/main" showMasterSp="0" showMasterPhAnim="0">
+  <p:cSld>
+    <p:spTree>
+      <p:nvGrpSpPr>
+        <p:cNvPr id="1" name="Shape 121"/>
+        <p:cNvGrpSpPr/>
+        <p:nvPr/>
+      </p:nvGrpSpPr>
+      <p:grpSpPr>
+        <a:xfrm>
+          <a:off x="0" y="0"/>
+          <a:ext cx="0" cy="0"/>
+          <a:chOff x="0" y="0"/>
+          <a:chExt cx="0" cy="0"/>
+        </a:xfrm>
+      </p:grpSpPr>
+      <p:sp>
+        <p:nvSpPr>
+          <p:cNvPr id="122" name="Shape 122"/>
+          <p:cNvSpPr>
+            <a:spLocks noGrp="1" noRot="1" noChangeAspect="1"/>
+          </p:cNvSpPr>
+          <p:nvPr>
+            <p:ph type="sldImg" idx="2"/>
+          </p:nvPr>
+        </p:nvSpPr>
+        <p:spPr>
+          <a:xfrm>
+            <a:off x="381000" y="685800"/>
+            <a:ext cx="6096000" cy="3429000"/>
+          </a:xfrm>
+          <a:custGeom>
+            <a:avLst/>
+            <a:gdLst/>
+            <a:ahLst/>
+            <a:cxnLst/>
+            <a:rect l="0" t="0" r="0" b="0"/>
+            <a:pathLst>
+              <a:path w="120000" h="120000" extrusionOk="0">
+                <a:moveTo>
+                  <a:pt x="0" y="0"/>
+                </a:moveTo>
+                <a:lnTo>
+                  <a:pt x="120000" y="0"/>
+                </a:lnTo>
+                <a:lnTo>
+                  <a:pt x="120000" y="120000"/>
+                </a:lnTo>
+                <a:lnTo>
+                  <a:pt x="0" y="120000"/>
+                </a:lnTo>
+                <a:close/>
+              </a:path>
+            </a:pathLst>
+          </a:custGeom>
+        </p:spPr>
+      </p:sp>
+      <p:sp>
+        <p:nvSpPr>
+          <p:cNvPr id="123" name="Shape 123"/>
           <p:cNvSpPr txBox="1">
             <a:spLocks noGrp="1"/>
           </p:cNvSpPr>
@@ -3778,1034 +5495,6 @@
                 <a:sym typeface="Roboto"/>
               </a:rPr>
               <a:t> is sent, interested parties can review the set of changes, discuss potential modifications, and even push follow-up commits if necessary.</a:t>
-            </a:r>
-            <a:endParaRPr sz="1200">
-              <a:solidFill>
-                <a:srgbClr val="222222"/>
-              </a:solidFill>
-              <a:highlight>
-                <a:srgbClr val="FFFFFF"/>
-              </a:highlight>
-            </a:endParaRPr>
-          </a:p>
-        </p:txBody>
-      </p:sp>
-    </p:spTree>
-  </p:cSld>
-  <p:clrMapOvr>
-    <a:masterClrMapping/>
-  </p:clrMapOvr>
-</p:notes>
-</file>
-
-<file path=ppt/notesSlides/notesSlide8.xml><?xml version="1.0" encoding="utf-8"?>
-<p:notes xmlns:a="http://schemas.openxmlformats.org/drawingml/2006/main" xmlns:r="http://schemas.openxmlformats.org/officeDocument/2006/relationships" xmlns:p="http://schemas.openxmlformats.org/presentationml/2006/main" showMasterSp="0" showMasterPhAnim="0">
-  <p:cSld>
-    <p:spTree>
-      <p:nvGrpSpPr>
-        <p:cNvPr id="1" name="Shape 114"/>
-        <p:cNvGrpSpPr/>
-        <p:nvPr/>
-      </p:nvGrpSpPr>
-      <p:grpSpPr>
-        <a:xfrm>
-          <a:off x="0" y="0"/>
-          <a:ext cx="0" cy="0"/>
-          <a:chOff x="0" y="0"/>
-          <a:chExt cx="0" cy="0"/>
-        </a:xfrm>
-      </p:grpSpPr>
-      <p:sp>
-        <p:nvSpPr>
-          <p:cNvPr id="115" name="Shape 115"/>
-          <p:cNvSpPr>
-            <a:spLocks noGrp="1" noRot="1" noChangeAspect="1"/>
-          </p:cNvSpPr>
-          <p:nvPr>
-            <p:ph type="sldImg" idx="2"/>
-          </p:nvPr>
-        </p:nvSpPr>
-        <p:spPr>
-          <a:xfrm>
-            <a:off x="381000" y="685800"/>
-            <a:ext cx="6096000" cy="3429000"/>
-          </a:xfrm>
-          <a:custGeom>
-            <a:avLst/>
-            <a:gdLst/>
-            <a:ahLst/>
-            <a:cxnLst/>
-            <a:rect l="0" t="0" r="0" b="0"/>
-            <a:pathLst>
-              <a:path w="120000" h="120000" extrusionOk="0">
-                <a:moveTo>
-                  <a:pt x="0" y="0"/>
-                </a:moveTo>
-                <a:lnTo>
-                  <a:pt x="120000" y="0"/>
-                </a:lnTo>
-                <a:lnTo>
-                  <a:pt x="120000" y="120000"/>
-                </a:lnTo>
-                <a:lnTo>
-                  <a:pt x="0" y="120000"/>
-                </a:lnTo>
-                <a:close/>
-              </a:path>
-            </a:pathLst>
-          </a:custGeom>
-        </p:spPr>
-      </p:sp>
-      <p:sp>
-        <p:nvSpPr>
-          <p:cNvPr id="116" name="Shape 116"/>
-          <p:cNvSpPr txBox="1">
-            <a:spLocks noGrp="1"/>
-          </p:cNvSpPr>
-          <p:nvPr>
-            <p:ph type="body" idx="1"/>
-          </p:nvPr>
-        </p:nvSpPr>
-        <p:spPr>
-          <a:xfrm>
-            <a:off x="685800" y="4343400"/>
-            <a:ext cx="5486400" cy="4114800"/>
-          </a:xfrm>
-          <a:prstGeom prst="rect">
-            <a:avLst/>
-          </a:prstGeom>
-        </p:spPr>
-        <p:txBody>
-          <a:bodyPr spcFirstLastPara="1" wrap="square" lIns="91425" tIns="91425" rIns="91425" bIns="91425" anchor="t" anchorCtr="0">
-            <a:noAutofit/>
-          </a:bodyPr>
-          <a:lstStyle/>
-          <a:p>
-            <a:pPr marL="0" lvl="0" indent="0" rtl="0">
-              <a:spcBef>
-                <a:spcPts val="0"/>
-              </a:spcBef>
-              <a:spcAft>
-                <a:spcPts val="0"/>
-              </a:spcAft>
-              <a:buNone/>
-            </a:pPr>
-            <a:r>
-              <a:rPr lang="en"/>
-              <a:t>Committer</a:t>
-            </a:r>
-            <a:endParaRPr/>
-          </a:p>
-          <a:p>
-            <a:pPr marL="0" lvl="0" indent="0" rtl="0">
-              <a:spcBef>
-                <a:spcPts val="0"/>
-              </a:spcBef>
-              <a:spcAft>
-                <a:spcPts val="0"/>
-              </a:spcAft>
-              <a:buNone/>
-            </a:pPr>
-            <a:r>
-              <a:rPr lang="en" sz="1200">
-                <a:solidFill>
-                  <a:srgbClr val="222222"/>
-                </a:solidFill>
-                <a:highlight>
-                  <a:srgbClr val="FFFFFF"/>
-                </a:highlight>
-              </a:rPr>
-              <a:t>A </a:t>
-            </a:r>
-            <a:r>
-              <a:rPr lang="en" sz="1200" b="1">
-                <a:solidFill>
-                  <a:srgbClr val="222222"/>
-                </a:solidFill>
-                <a:highlight>
-                  <a:srgbClr val="FFFFFF"/>
-                </a:highlight>
-              </a:rPr>
-              <a:t>committer</a:t>
-            </a:r>
-            <a:r>
-              <a:rPr lang="en" sz="1200">
-                <a:solidFill>
-                  <a:srgbClr val="222222"/>
-                </a:solidFill>
-                <a:highlight>
-                  <a:srgbClr val="FFFFFF"/>
-                </a:highlight>
-              </a:rPr>
-              <a:t> is an individual who is able to modify the source code of a particular piece of open-source software. To contribute source code on most large projects, one must make modifications and then "commit" those changes to a central repository such as Git (or CVS).(wikipedia)</a:t>
-            </a:r>
-            <a:endParaRPr sz="1200">
-              <a:solidFill>
-                <a:srgbClr val="222222"/>
-              </a:solidFill>
-              <a:highlight>
-                <a:srgbClr val="FFFFFF"/>
-              </a:highlight>
-            </a:endParaRPr>
-          </a:p>
-          <a:p>
-            <a:pPr marL="0" lvl="0" indent="0" rtl="0">
-              <a:spcBef>
-                <a:spcPts val="0"/>
-              </a:spcBef>
-              <a:spcAft>
-                <a:spcPts val="0"/>
-              </a:spcAft>
-              <a:buNone/>
-            </a:pPr>
-            <a:endParaRPr sz="1200">
-              <a:solidFill>
-                <a:srgbClr val="222222"/>
-              </a:solidFill>
-              <a:highlight>
-                <a:srgbClr val="FFFFFF"/>
-              </a:highlight>
-            </a:endParaRPr>
-          </a:p>
-          <a:p>
-            <a:pPr marL="0" lvl="0" indent="0" rtl="0">
-              <a:spcBef>
-                <a:spcPts val="0"/>
-              </a:spcBef>
-              <a:spcAft>
-                <a:spcPts val="0"/>
-              </a:spcAft>
-              <a:buNone/>
-            </a:pPr>
-            <a:r>
-              <a:rPr lang="en" sz="1200">
-                <a:solidFill>
-                  <a:srgbClr val="222222"/>
-                </a:solidFill>
-                <a:highlight>
-                  <a:srgbClr val="FFFFFF"/>
-                </a:highlight>
-              </a:rPr>
-              <a:t>How to become a committer (wikipedia)</a:t>
-            </a:r>
-            <a:endParaRPr sz="1200">
-              <a:solidFill>
-                <a:srgbClr val="222222"/>
-              </a:solidFill>
-              <a:highlight>
-                <a:srgbClr val="FFFFFF"/>
-              </a:highlight>
-            </a:endParaRPr>
-          </a:p>
-          <a:p>
-            <a:pPr marL="901700" lvl="0" indent="-295275" rtl="0">
-              <a:lnSpc>
-                <a:spcPct val="115000"/>
-              </a:lnSpc>
-              <a:spcBef>
-                <a:spcPts val="300"/>
-              </a:spcBef>
-              <a:spcAft>
-                <a:spcPts val="0"/>
-              </a:spcAft>
-              <a:buClr>
-                <a:srgbClr val="222222"/>
-              </a:buClr>
-              <a:buSzPts val="1050"/>
-              <a:buAutoNum type="arabicPeriod"/>
-            </a:pPr>
-            <a:r>
-              <a:rPr lang="en" sz="1050">
-                <a:solidFill>
-                  <a:srgbClr val="222222"/>
-                </a:solidFill>
-              </a:rPr>
-              <a:t>Be one of the original developers</a:t>
-            </a:r>
-            <a:endParaRPr sz="1050">
-              <a:solidFill>
-                <a:srgbClr val="222222"/>
-              </a:solidFill>
-            </a:endParaRPr>
-          </a:p>
-          <a:p>
-            <a:pPr marL="901700" lvl="0" indent="-295275" rtl="0">
-              <a:lnSpc>
-                <a:spcPct val="115000"/>
-              </a:lnSpc>
-              <a:spcBef>
-                <a:spcPts val="0"/>
-              </a:spcBef>
-              <a:spcAft>
-                <a:spcPts val="0"/>
-              </a:spcAft>
-              <a:buClr>
-                <a:srgbClr val="222222"/>
-              </a:buClr>
-              <a:buSzPts val="1050"/>
-              <a:buAutoNum type="arabicPeriod"/>
-            </a:pPr>
-            <a:r>
-              <a:rPr lang="en" sz="1050">
-                <a:solidFill>
-                  <a:srgbClr val="222222"/>
-                </a:solidFill>
-              </a:rPr>
-              <a:t>Be appointed by one of the original developers</a:t>
-            </a:r>
-            <a:endParaRPr sz="1050">
-              <a:solidFill>
-                <a:srgbClr val="222222"/>
-              </a:solidFill>
-            </a:endParaRPr>
-          </a:p>
-          <a:p>
-            <a:pPr marL="901700" lvl="0" indent="-295275" rtl="0">
-              <a:lnSpc>
-                <a:spcPct val="115000"/>
-              </a:lnSpc>
-              <a:spcBef>
-                <a:spcPts val="0"/>
-              </a:spcBef>
-              <a:spcAft>
-                <a:spcPts val="0"/>
-              </a:spcAft>
-              <a:buClr>
-                <a:srgbClr val="222222"/>
-              </a:buClr>
-              <a:buSzPts val="1050"/>
-              <a:buAutoNum type="arabicPeriod"/>
-            </a:pPr>
-            <a:r>
-              <a:rPr lang="en" sz="1050">
-                <a:solidFill>
-                  <a:srgbClr val="222222"/>
-                </a:solidFill>
-              </a:rPr>
-              <a:t>Be successfully voted in by the community of committers</a:t>
-            </a:r>
-            <a:endParaRPr sz="1050">
-              <a:solidFill>
-                <a:srgbClr val="222222"/>
-              </a:solidFill>
-            </a:endParaRPr>
-          </a:p>
-          <a:p>
-            <a:pPr marL="0" lvl="0" indent="0" rtl="0">
-              <a:spcBef>
-                <a:spcPts val="100"/>
-              </a:spcBef>
-              <a:spcAft>
-                <a:spcPts val="0"/>
-              </a:spcAft>
-              <a:buNone/>
-            </a:pPr>
-            <a:endParaRPr sz="1200">
-              <a:solidFill>
-                <a:srgbClr val="222222"/>
-              </a:solidFill>
-              <a:highlight>
-                <a:srgbClr val="FFFFFF"/>
-              </a:highlight>
-            </a:endParaRPr>
-          </a:p>
-          <a:p>
-            <a:pPr marL="0" lvl="0" indent="0" rtl="0">
-              <a:spcBef>
-                <a:spcPts val="0"/>
-              </a:spcBef>
-              <a:spcAft>
-                <a:spcPts val="0"/>
-              </a:spcAft>
-              <a:buNone/>
-            </a:pPr>
-            <a:endParaRPr sz="1200">
-              <a:solidFill>
-                <a:srgbClr val="222222"/>
-              </a:solidFill>
-              <a:highlight>
-                <a:srgbClr val="FFFFFF"/>
-              </a:highlight>
-            </a:endParaRPr>
-          </a:p>
-          <a:p>
-            <a:pPr marL="0" lvl="0" indent="0" rtl="0">
-              <a:spcBef>
-                <a:spcPts val="0"/>
-              </a:spcBef>
-              <a:spcAft>
-                <a:spcPts val="0"/>
-              </a:spcAft>
-              <a:buNone/>
-            </a:pPr>
-            <a:r>
-              <a:rPr lang="en" sz="1200">
-                <a:solidFill>
-                  <a:srgbClr val="222222"/>
-                </a:solidFill>
-                <a:highlight>
-                  <a:srgbClr val="FFFFFF"/>
-                </a:highlight>
-              </a:rPr>
-              <a:t>Responsibilities</a:t>
-            </a:r>
-            <a:endParaRPr sz="1200">
-              <a:solidFill>
-                <a:srgbClr val="222222"/>
-              </a:solidFill>
-              <a:highlight>
-                <a:srgbClr val="FFFFFF"/>
-              </a:highlight>
-            </a:endParaRPr>
-          </a:p>
-          <a:p>
-            <a:pPr marL="457200" lvl="0" indent="-304800" rtl="0">
-              <a:spcBef>
-                <a:spcPts val="0"/>
-              </a:spcBef>
-              <a:spcAft>
-                <a:spcPts val="0"/>
-              </a:spcAft>
-              <a:buClr>
-                <a:srgbClr val="222222"/>
-              </a:buClr>
-              <a:buSzPts val="1200"/>
-              <a:buChar char="●"/>
-            </a:pPr>
-            <a:r>
-              <a:rPr lang="en" sz="1200">
-                <a:solidFill>
-                  <a:srgbClr val="222222"/>
-                </a:solidFill>
-                <a:highlight>
-                  <a:srgbClr val="FFFFFF"/>
-                </a:highlight>
-              </a:rPr>
-              <a:t>Verify that the code meets coding standards</a:t>
-            </a:r>
-            <a:endParaRPr sz="1200">
-              <a:solidFill>
-                <a:srgbClr val="222222"/>
-              </a:solidFill>
-              <a:highlight>
-                <a:srgbClr val="FFFFFF"/>
-              </a:highlight>
-            </a:endParaRPr>
-          </a:p>
-          <a:p>
-            <a:pPr marL="457200" lvl="0" indent="-304800" rtl="0">
-              <a:spcBef>
-                <a:spcPts val="0"/>
-              </a:spcBef>
-              <a:spcAft>
-                <a:spcPts val="0"/>
-              </a:spcAft>
-              <a:buClr>
-                <a:srgbClr val="222222"/>
-              </a:buClr>
-              <a:buSzPts val="1200"/>
-              <a:buChar char="●"/>
-            </a:pPr>
-            <a:r>
-              <a:rPr lang="en" sz="1200">
-                <a:solidFill>
-                  <a:srgbClr val="222222"/>
-                </a:solidFill>
-                <a:highlight>
-                  <a:srgbClr val="FFFFFF"/>
-                </a:highlight>
-              </a:rPr>
-              <a:t>Verify that the code fixes the problem or adds prescribed functionality according to issue</a:t>
-            </a:r>
-            <a:endParaRPr sz="1200">
-              <a:solidFill>
-                <a:srgbClr val="222222"/>
-              </a:solidFill>
-              <a:highlight>
-                <a:srgbClr val="FFFFFF"/>
-              </a:highlight>
-            </a:endParaRPr>
-          </a:p>
-          <a:p>
-            <a:pPr marL="457200" lvl="0" indent="-304800" rtl="0">
-              <a:spcBef>
-                <a:spcPts val="0"/>
-              </a:spcBef>
-              <a:spcAft>
-                <a:spcPts val="0"/>
-              </a:spcAft>
-              <a:buClr>
-                <a:srgbClr val="222222"/>
-              </a:buClr>
-              <a:buSzPts val="1200"/>
-              <a:buChar char="●"/>
-            </a:pPr>
-            <a:r>
-              <a:rPr lang="en" sz="1200">
-                <a:solidFill>
-                  <a:srgbClr val="222222"/>
-                </a:solidFill>
-                <a:highlight>
-                  <a:srgbClr val="FFFFFF"/>
-                </a:highlight>
-              </a:rPr>
-              <a:t>Verify that it works</a:t>
-            </a:r>
-            <a:endParaRPr sz="1200">
-              <a:solidFill>
-                <a:srgbClr val="222222"/>
-              </a:solidFill>
-              <a:highlight>
-                <a:srgbClr val="FFFFFF"/>
-              </a:highlight>
-            </a:endParaRPr>
-          </a:p>
-          <a:p>
-            <a:pPr marL="457200" lvl="0" indent="-304800" rtl="0">
-              <a:spcBef>
-                <a:spcPts val="0"/>
-              </a:spcBef>
-              <a:spcAft>
-                <a:spcPts val="0"/>
-              </a:spcAft>
-              <a:buClr>
-                <a:srgbClr val="222222"/>
-              </a:buClr>
-              <a:buSzPts val="1200"/>
-              <a:buChar char="●"/>
-            </a:pPr>
-            <a:r>
-              <a:rPr lang="en" sz="1200">
-                <a:solidFill>
-                  <a:srgbClr val="222222"/>
-                </a:solidFill>
-                <a:highlight>
-                  <a:srgbClr val="FFFFFF"/>
-                </a:highlight>
-              </a:rPr>
-              <a:t>Make sure it has tests</a:t>
-            </a:r>
-            <a:endParaRPr sz="1200">
-              <a:solidFill>
-                <a:srgbClr val="222222"/>
-              </a:solidFill>
-              <a:highlight>
-                <a:srgbClr val="FFFFFF"/>
-              </a:highlight>
-            </a:endParaRPr>
-          </a:p>
-          <a:p>
-            <a:pPr marL="457200" lvl="0" indent="-304800" rtl="0">
-              <a:spcBef>
-                <a:spcPts val="0"/>
-              </a:spcBef>
-              <a:spcAft>
-                <a:spcPts val="0"/>
-              </a:spcAft>
-              <a:buClr>
-                <a:srgbClr val="222222"/>
-              </a:buClr>
-              <a:buSzPts val="1200"/>
-              <a:buChar char="●"/>
-            </a:pPr>
-            <a:r>
-              <a:rPr lang="en" sz="1200">
-                <a:solidFill>
-                  <a:srgbClr val="222222"/>
-                </a:solidFill>
-                <a:highlight>
-                  <a:srgbClr val="FFFFFF"/>
-                </a:highlight>
-              </a:rPr>
-              <a:t>Verify the build after PR has been applied</a:t>
-            </a:r>
-            <a:endParaRPr sz="1200">
-              <a:solidFill>
-                <a:srgbClr val="222222"/>
-              </a:solidFill>
-              <a:highlight>
-                <a:srgbClr val="FFFFFF"/>
-              </a:highlight>
-            </a:endParaRPr>
-          </a:p>
-          <a:p>
-            <a:pPr marL="457200" lvl="0" indent="-304800" rtl="0">
-              <a:spcBef>
-                <a:spcPts val="0"/>
-              </a:spcBef>
-              <a:spcAft>
-                <a:spcPts val="0"/>
-              </a:spcAft>
-              <a:buClr>
-                <a:srgbClr val="222222"/>
-              </a:buClr>
-              <a:buSzPts val="1200"/>
-              <a:buChar char="●"/>
-            </a:pPr>
-            <a:r>
-              <a:rPr lang="en" sz="1200">
-                <a:solidFill>
-                  <a:srgbClr val="222222"/>
-                </a:solidFill>
-                <a:highlight>
-                  <a:srgbClr val="FFFFFF"/>
-                </a:highlight>
-              </a:rPr>
-              <a:t>Merge code into repo</a:t>
-            </a:r>
-            <a:endParaRPr sz="1200">
-              <a:solidFill>
-                <a:srgbClr val="222222"/>
-              </a:solidFill>
-              <a:highlight>
-                <a:srgbClr val="FFFFFF"/>
-              </a:highlight>
-            </a:endParaRPr>
-          </a:p>
-          <a:p>
-            <a:pPr marL="457200" lvl="0" indent="-304800" rtl="0">
-              <a:spcBef>
-                <a:spcPts val="0"/>
-              </a:spcBef>
-              <a:spcAft>
-                <a:spcPts val="0"/>
-              </a:spcAft>
-              <a:buClr>
-                <a:srgbClr val="222222"/>
-              </a:buClr>
-              <a:buSzPts val="1200"/>
-              <a:buChar char="●"/>
-            </a:pPr>
-            <a:r>
-              <a:rPr lang="en" sz="1200">
-                <a:solidFill>
-                  <a:srgbClr val="222222"/>
-                </a:solidFill>
-                <a:highlight>
-                  <a:srgbClr val="FFFFFF"/>
-                </a:highlight>
-              </a:rPr>
-              <a:t>Own it!</a:t>
-            </a:r>
-            <a:endParaRPr sz="1200">
-              <a:solidFill>
-                <a:srgbClr val="222222"/>
-              </a:solidFill>
-              <a:highlight>
-                <a:srgbClr val="FFFFFF"/>
-              </a:highlight>
-            </a:endParaRPr>
-          </a:p>
-          <a:p>
-            <a:pPr marL="0" lvl="0" indent="0">
-              <a:spcBef>
-                <a:spcPts val="0"/>
-              </a:spcBef>
-              <a:spcAft>
-                <a:spcPts val="0"/>
-              </a:spcAft>
-              <a:buNone/>
-            </a:pPr>
-            <a:endParaRPr sz="1200">
-              <a:solidFill>
-                <a:srgbClr val="222222"/>
-              </a:solidFill>
-              <a:highlight>
-                <a:srgbClr val="FFFFFF"/>
-              </a:highlight>
-            </a:endParaRPr>
-          </a:p>
-          <a:p>
-            <a:pPr marL="0" lvl="0" indent="0" rtl="0">
-              <a:spcBef>
-                <a:spcPts val="0"/>
-              </a:spcBef>
-              <a:spcAft>
-                <a:spcPts val="0"/>
-              </a:spcAft>
-              <a:buNone/>
-            </a:pPr>
-            <a:r>
-              <a:rPr lang="en" sz="1200">
-                <a:solidFill>
-                  <a:srgbClr val="222222"/>
-                </a:solidFill>
-                <a:highlight>
-                  <a:srgbClr val="FFFFFF"/>
-                </a:highlight>
-              </a:rPr>
-              <a:t>https://twitter.com/jimgough/status/436948955281100800</a:t>
-            </a:r>
-            <a:endParaRPr sz="1200">
-              <a:solidFill>
-                <a:srgbClr val="222222"/>
-              </a:solidFill>
-              <a:highlight>
-                <a:srgbClr val="FFFFFF"/>
-              </a:highlight>
-            </a:endParaRPr>
-          </a:p>
-          <a:p>
-            <a:pPr marL="0" lvl="0" indent="0" rtl="0">
-              <a:spcBef>
-                <a:spcPts val="0"/>
-              </a:spcBef>
-              <a:spcAft>
-                <a:spcPts val="0"/>
-              </a:spcAft>
-              <a:buNone/>
-            </a:pPr>
-            <a:endParaRPr sz="1200">
-              <a:solidFill>
-                <a:srgbClr val="222222"/>
-              </a:solidFill>
-              <a:highlight>
-                <a:srgbClr val="FFFFFF"/>
-              </a:highlight>
-            </a:endParaRPr>
-          </a:p>
-        </p:txBody>
-      </p:sp>
-    </p:spTree>
-  </p:cSld>
-  <p:clrMapOvr>
-    <a:masterClrMapping/>
-  </p:clrMapOvr>
-</p:notes>
-</file>
-
-<file path=ppt/notesSlides/notesSlide9.xml><?xml version="1.0" encoding="utf-8"?>
-<p:notes xmlns:a="http://schemas.openxmlformats.org/drawingml/2006/main" xmlns:r="http://schemas.openxmlformats.org/officeDocument/2006/relationships" xmlns:p="http://schemas.openxmlformats.org/presentationml/2006/main" showMasterSp="0" showMasterPhAnim="0">
-  <p:cSld>
-    <p:spTree>
-      <p:nvGrpSpPr>
-        <p:cNvPr id="1" name="Shape 121"/>
-        <p:cNvGrpSpPr/>
-        <p:nvPr/>
-      </p:nvGrpSpPr>
-      <p:grpSpPr>
-        <a:xfrm>
-          <a:off x="0" y="0"/>
-          <a:ext cx="0" cy="0"/>
-          <a:chOff x="0" y="0"/>
-          <a:chExt cx="0" cy="0"/>
-        </a:xfrm>
-      </p:grpSpPr>
-      <p:sp>
-        <p:nvSpPr>
-          <p:cNvPr id="122" name="Shape 122"/>
-          <p:cNvSpPr>
-            <a:spLocks noGrp="1" noRot="1" noChangeAspect="1"/>
-          </p:cNvSpPr>
-          <p:nvPr>
-            <p:ph type="sldImg" idx="2"/>
-          </p:nvPr>
-        </p:nvSpPr>
-        <p:spPr>
-          <a:xfrm>
-            <a:off x="381300" y="685800"/>
-            <a:ext cx="6096000" cy="3429000"/>
-          </a:xfrm>
-          <a:custGeom>
-            <a:avLst/>
-            <a:gdLst/>
-            <a:ahLst/>
-            <a:cxnLst/>
-            <a:rect l="0" t="0" r="0" b="0"/>
-            <a:pathLst>
-              <a:path w="120000" h="120000" extrusionOk="0">
-                <a:moveTo>
-                  <a:pt x="0" y="0"/>
-                </a:moveTo>
-                <a:lnTo>
-                  <a:pt x="120000" y="0"/>
-                </a:lnTo>
-                <a:lnTo>
-                  <a:pt x="120000" y="120000"/>
-                </a:lnTo>
-                <a:lnTo>
-                  <a:pt x="0" y="120000"/>
-                </a:lnTo>
-                <a:close/>
-              </a:path>
-            </a:pathLst>
-          </a:custGeom>
-        </p:spPr>
-      </p:sp>
-      <p:sp>
-        <p:nvSpPr>
-          <p:cNvPr id="123" name="Shape 123"/>
-          <p:cNvSpPr txBox="1">
-            <a:spLocks noGrp="1"/>
-          </p:cNvSpPr>
-          <p:nvPr>
-            <p:ph type="body" idx="1"/>
-          </p:nvPr>
-        </p:nvSpPr>
-        <p:spPr>
-          <a:xfrm>
-            <a:off x="685800" y="4343400"/>
-            <a:ext cx="5486400" cy="4114800"/>
-          </a:xfrm>
-          <a:prstGeom prst="rect">
-            <a:avLst/>
-          </a:prstGeom>
-        </p:spPr>
-        <p:txBody>
-          <a:bodyPr spcFirstLastPara="1" wrap="square" lIns="91425" tIns="91425" rIns="91425" bIns="91425" anchor="t" anchorCtr="0">
-            <a:noAutofit/>
-          </a:bodyPr>
-          <a:lstStyle/>
-          <a:p>
-            <a:pPr marL="0" lvl="0" indent="0" rtl="0">
-              <a:lnSpc>
-                <a:spcPct val="115000"/>
-              </a:lnSpc>
-              <a:spcBef>
-                <a:spcPts val="0"/>
-              </a:spcBef>
-              <a:spcAft>
-                <a:spcPts val="0"/>
-              </a:spcAft>
-              <a:buNone/>
-            </a:pPr>
-            <a:r>
-              <a:rPr lang="en" sz="1000"/>
-              <a:t>Discuss difference between a question and an issue</a:t>
-            </a:r>
-            <a:endParaRPr sz="1000"/>
-          </a:p>
-          <a:p>
-            <a:pPr marL="0" lvl="0" indent="0" rtl="0">
-              <a:lnSpc>
-                <a:spcPct val="115000"/>
-              </a:lnSpc>
-              <a:spcBef>
-                <a:spcPts val="0"/>
-              </a:spcBef>
-              <a:spcAft>
-                <a:spcPts val="0"/>
-              </a:spcAft>
-              <a:buNone/>
-            </a:pPr>
-            <a:endParaRPr sz="1000"/>
-          </a:p>
-          <a:p>
-            <a:pPr marL="0" lvl="0" indent="0" rtl="0">
-              <a:lnSpc>
-                <a:spcPct val="115000"/>
-              </a:lnSpc>
-              <a:spcBef>
-                <a:spcPts val="0"/>
-              </a:spcBef>
-              <a:spcAft>
-                <a:spcPts val="0"/>
-              </a:spcAft>
-              <a:buNone/>
-            </a:pPr>
-            <a:r>
-              <a:rPr lang="en" sz="1000"/>
-              <a:t>What is an issue</a:t>
-            </a:r>
-            <a:endParaRPr sz="1000"/>
-          </a:p>
-          <a:p>
-            <a:pPr marL="457200" lvl="0" indent="-292100" rtl="0">
-              <a:lnSpc>
-                <a:spcPct val="115000"/>
-              </a:lnSpc>
-              <a:spcBef>
-                <a:spcPts val="0"/>
-              </a:spcBef>
-              <a:spcAft>
-                <a:spcPts val="0"/>
-              </a:spcAft>
-              <a:buSzPts val="1000"/>
-              <a:buChar char="●"/>
-            </a:pPr>
-            <a:r>
-              <a:rPr lang="en" sz="1000"/>
-              <a:t>Can be a feature or a bug</a:t>
-            </a:r>
-            <a:endParaRPr sz="1000"/>
-          </a:p>
-          <a:p>
-            <a:pPr marL="457200" lvl="0" indent="-292100" rtl="0">
-              <a:lnSpc>
-                <a:spcPct val="115000"/>
-              </a:lnSpc>
-              <a:spcBef>
-                <a:spcPts val="0"/>
-              </a:spcBef>
-              <a:spcAft>
-                <a:spcPts val="0"/>
-              </a:spcAft>
-              <a:buSzPts val="1000"/>
-              <a:buChar char="●"/>
-            </a:pPr>
-            <a:r>
-              <a:rPr lang="en" sz="1000"/>
-              <a:t>Can affect Code, Build or Docs</a:t>
-            </a:r>
-            <a:endParaRPr sz="1000"/>
-          </a:p>
-          <a:p>
-            <a:pPr marL="457200" lvl="0" indent="-292100" rtl="0">
-              <a:lnSpc>
-                <a:spcPct val="115000"/>
-              </a:lnSpc>
-              <a:spcBef>
-                <a:spcPts val="0"/>
-              </a:spcBef>
-              <a:spcAft>
-                <a:spcPts val="0"/>
-              </a:spcAft>
-              <a:buSzPts val="1000"/>
-              <a:buChar char="●"/>
-            </a:pPr>
-            <a:r>
-              <a:rPr lang="en" sz="1000"/>
-              <a:t>Insert issues on github issues or Jira</a:t>
-            </a:r>
-            <a:endParaRPr sz="1000"/>
-          </a:p>
-          <a:p>
-            <a:pPr marL="0" lvl="0" indent="0" rtl="0">
-              <a:lnSpc>
-                <a:spcPct val="115000"/>
-              </a:lnSpc>
-              <a:spcBef>
-                <a:spcPts val="0"/>
-              </a:spcBef>
-              <a:spcAft>
-                <a:spcPts val="0"/>
-              </a:spcAft>
-              <a:buNone/>
-            </a:pPr>
-            <a:r>
-              <a:rPr lang="en" sz="1000"/>
-              <a:t>Questions </a:t>
-            </a:r>
-            <a:endParaRPr sz="1000"/>
-          </a:p>
-          <a:p>
-            <a:pPr marL="457200" lvl="0" indent="-292100" rtl="0">
-              <a:lnSpc>
-                <a:spcPct val="115000"/>
-              </a:lnSpc>
-              <a:spcBef>
-                <a:spcPts val="0"/>
-              </a:spcBef>
-              <a:spcAft>
-                <a:spcPts val="0"/>
-              </a:spcAft>
-              <a:buSzPts val="1000"/>
-              <a:buChar char="●"/>
-            </a:pPr>
-            <a:r>
-              <a:rPr lang="en" sz="1000"/>
-              <a:t>How do I do X, because documentation doesn’t cover it well (hint contribute ;-) )</a:t>
-            </a:r>
-            <a:endParaRPr sz="1000"/>
-          </a:p>
-          <a:p>
-            <a:pPr marL="457200" lvl="0" indent="-292100" rtl="0">
-              <a:lnSpc>
-                <a:spcPct val="115000"/>
-              </a:lnSpc>
-              <a:spcBef>
-                <a:spcPts val="0"/>
-              </a:spcBef>
-              <a:spcAft>
-                <a:spcPts val="0"/>
-              </a:spcAft>
-              <a:buSzPts val="1000"/>
-              <a:buChar char="●"/>
-            </a:pPr>
-            <a:r>
-              <a:rPr lang="en" sz="1000"/>
-              <a:t>Interaction between software doesn’t behave as it is supposed to.</a:t>
-            </a:r>
-            <a:endParaRPr sz="1000"/>
-          </a:p>
-          <a:p>
-            <a:pPr marL="457200" lvl="0" indent="-292100" rtl="0">
-              <a:lnSpc>
-                <a:spcPct val="115000"/>
-              </a:lnSpc>
-              <a:spcBef>
-                <a:spcPts val="0"/>
-              </a:spcBef>
-              <a:spcAft>
-                <a:spcPts val="0"/>
-              </a:spcAft>
-              <a:buSzPts val="1000"/>
-              <a:buChar char="●"/>
-            </a:pPr>
-            <a:r>
-              <a:rPr lang="en" sz="1000"/>
-              <a:t>Ask questions on SO or gitter</a:t>
-            </a:r>
-            <a:endParaRPr sz="1000"/>
-          </a:p>
-          <a:p>
-            <a:pPr marL="0" lvl="0" indent="0">
-              <a:spcBef>
-                <a:spcPts val="0"/>
-              </a:spcBef>
-              <a:spcAft>
-                <a:spcPts val="0"/>
-              </a:spcAft>
-              <a:buNone/>
-            </a:pPr>
-            <a:endParaRPr sz="1200">
-              <a:solidFill>
-                <a:srgbClr val="222222"/>
-              </a:solidFill>
-              <a:highlight>
-                <a:srgbClr val="FFFFFF"/>
-              </a:highlight>
-            </a:endParaRPr>
-          </a:p>
-          <a:p>
-            <a:pPr marL="0" lvl="0" indent="0">
-              <a:spcBef>
-                <a:spcPts val="0"/>
-              </a:spcBef>
-              <a:spcAft>
-                <a:spcPts val="0"/>
-              </a:spcAft>
-              <a:buNone/>
-            </a:pPr>
-            <a:endParaRPr sz="1200">
-              <a:solidFill>
-                <a:srgbClr val="222222"/>
-              </a:solidFill>
-              <a:highlight>
-                <a:srgbClr val="FFFFFF"/>
-              </a:highlight>
-            </a:endParaRPr>
-          </a:p>
-          <a:p>
-            <a:pPr marL="0" lvl="0" indent="0" rtl="0">
-              <a:spcBef>
-                <a:spcPts val="0"/>
-              </a:spcBef>
-              <a:spcAft>
-                <a:spcPts val="0"/>
-              </a:spcAft>
-              <a:buNone/>
-            </a:pPr>
-            <a:r>
-              <a:rPr lang="en" sz="1200">
-                <a:solidFill>
-                  <a:srgbClr val="222222"/>
-                </a:solidFill>
-                <a:highlight>
-                  <a:srgbClr val="FFFFFF"/>
-                </a:highlight>
-              </a:rPr>
-              <a:t> https://flic.kr/p/bNzhAT</a:t>
             </a:r>
             <a:endParaRPr sz="1200">
               <a:solidFill>
@@ -11214,7 +11903,7 @@
             </a:endParaRPr>
           </a:p>
           <a:p>
-            <a:pPr marL="0" lvl="0" indent="0" algn="ctr">
+            <a:pPr marL="0" lvl="0" indent="0" algn="ctr" rtl="0">
               <a:spcBef>
                 <a:spcPts val="0"/>
               </a:spcBef>
@@ -11234,6 +11923,58 @@
                 <a:sym typeface="Montserrat"/>
               </a:rPr>
               <a:t>DevNexus 2018</a:t>
+            </a:r>
+            <a:endParaRPr sz="3000">
+              <a:solidFill>
+                <a:srgbClr val="FFFFFF"/>
+              </a:solidFill>
+              <a:latin typeface="Montserrat"/>
+              <a:ea typeface="Montserrat"/>
+              <a:cs typeface="Montserrat"/>
+              <a:sym typeface="Montserrat"/>
+            </a:endParaRPr>
+          </a:p>
+          <a:p>
+            <a:pPr marL="0" lvl="0" indent="0" algn="ctr" rtl="0">
+              <a:spcBef>
+                <a:spcPts val="0"/>
+              </a:spcBef>
+              <a:spcAft>
+                <a:spcPts val="0"/>
+              </a:spcAft>
+              <a:buNone/>
+            </a:pPr>
+            <a:endParaRPr sz="3000">
+              <a:solidFill>
+                <a:srgbClr val="FFFFFF"/>
+              </a:solidFill>
+              <a:latin typeface="Montserrat"/>
+              <a:ea typeface="Montserrat"/>
+              <a:cs typeface="Montserrat"/>
+              <a:sym typeface="Montserrat"/>
+            </a:endParaRPr>
+          </a:p>
+          <a:p>
+            <a:pPr marL="0" lvl="0" indent="0" algn="ctr">
+              <a:spcBef>
+                <a:spcPts val="0"/>
+              </a:spcBef>
+              <a:spcAft>
+                <a:spcPts val="0"/>
+              </a:spcAft>
+              <a:buNone/>
+            </a:pPr>
+            <a:r>
+              <a:rPr lang="en" sz="3000">
+                <a:solidFill>
+                  <a:srgbClr val="FFFFFF"/>
+                </a:solidFill>
+                <a:latin typeface="Montserrat"/>
+                <a:ea typeface="Montserrat"/>
+                <a:cs typeface="Montserrat"/>
+                <a:sym typeface="Montserrat"/>
+              </a:rPr>
+              <a:t>https://github.com/cppwfs/DN2018</a:t>
             </a:r>
             <a:endParaRPr sz="3000">
               <a:solidFill>
@@ -11343,7 +12084,7 @@
       </p:sp>
       <p:sp>
         <p:nvSpPr>
-          <p:cNvPr id="135" name="Shape 135"/>
+          <p:cNvPr id="134" name="Shape 134"/>
           <p:cNvSpPr txBox="1"/>
           <p:nvPr/>
         </p:nvSpPr>
@@ -11387,6 +12128,86 @@
               <a:solidFill>
                 <a:srgbClr val="FFFFFF"/>
               </a:solidFill>
+            </a:endParaRPr>
+          </a:p>
+        </p:txBody>
+      </p:sp>
+      <p:pic>
+        <p:nvPicPr>
+          <p:cNvPr id="135" name="Shape 135"/>
+          <p:cNvPicPr preferRelativeResize="0"/>
+          <p:nvPr/>
+        </p:nvPicPr>
+        <p:blipFill>
+          <a:blip r:embed="rId4">
+            <a:alphaModFix/>
+          </a:blip>
+          <a:stretch>
+            <a:fillRect/>
+          </a:stretch>
+        </p:blipFill>
+        <p:spPr>
+          <a:xfrm>
+            <a:off x="2938300" y="827788"/>
+            <a:ext cx="2463975" cy="3231875"/>
+          </a:xfrm>
+          <a:prstGeom prst="rect">
+            <a:avLst/>
+          </a:prstGeom>
+          <a:noFill/>
+          <a:ln>
+            <a:noFill/>
+          </a:ln>
+        </p:spPr>
+      </p:pic>
+      <p:sp>
+        <p:nvSpPr>
+          <p:cNvPr id="136" name="Shape 136"/>
+          <p:cNvSpPr txBox="1"/>
+          <p:nvPr/>
+        </p:nvSpPr>
+        <p:spPr>
+          <a:xfrm rot="-1848521">
+            <a:off x="3436230" y="2072952"/>
+            <a:ext cx="2395089" cy="741545"/>
+          </a:xfrm>
+          <a:prstGeom prst="rect">
+            <a:avLst/>
+          </a:prstGeom>
+          <a:noFill/>
+          <a:ln>
+            <a:noFill/>
+          </a:ln>
+        </p:spPr>
+        <p:txBody>
+          <a:bodyPr spcFirstLastPara="1" wrap="square" lIns="91425" tIns="91425" rIns="91425" bIns="91425" anchor="t" anchorCtr="0">
+            <a:noAutofit/>
+          </a:bodyPr>
+          <a:lstStyle/>
+          <a:p>
+            <a:pPr marL="0" lvl="0" indent="0">
+              <a:spcBef>
+                <a:spcPts val="0"/>
+              </a:spcBef>
+              <a:spcAft>
+                <a:spcPts val="0"/>
+              </a:spcAft>
+              <a:buNone/>
+            </a:pPr>
+            <a:r>
+              <a:rPr lang="en" sz="2400">
+                <a:latin typeface="Lobster"/>
+                <a:ea typeface="Lobster"/>
+                <a:cs typeface="Lobster"/>
+                <a:sym typeface="Lobster"/>
+              </a:rPr>
+              <a:t>Legal Stuff...</a:t>
+            </a:r>
+            <a:endParaRPr sz="2400">
+              <a:latin typeface="Lobster"/>
+              <a:ea typeface="Lobster"/>
+              <a:cs typeface="Lobster"/>
+              <a:sym typeface="Lobster"/>
             </a:endParaRPr>
           </a:p>
         </p:txBody>
@@ -11404,7 +12225,7 @@
   <p:cSld>
     <p:spTree>
       <p:nvGrpSpPr>
-        <p:cNvPr id="1" name="Shape 139"/>
+        <p:cNvPr id="1" name="Shape 140"/>
         <p:cNvGrpSpPr/>
         <p:nvPr/>
       </p:nvGrpSpPr>
@@ -11418,7 +12239,7 @@
       </p:grpSpPr>
       <p:pic>
         <p:nvPicPr>
-          <p:cNvPr id="140" name="Shape 140"/>
+          <p:cNvPr id="141" name="Shape 141"/>
           <p:cNvPicPr preferRelativeResize="0"/>
           <p:nvPr/>
         </p:nvPicPr>
@@ -11445,7 +12266,7 @@
       </p:pic>
       <p:sp>
         <p:nvSpPr>
-          <p:cNvPr id="141" name="Shape 141"/>
+          <p:cNvPr id="142" name="Shape 142"/>
           <p:cNvSpPr txBox="1">
             <a:spLocks noGrp="1"/>
           </p:cNvSpPr>
@@ -11498,7 +12319,7 @@
   <p:cSld>
     <p:spTree>
       <p:nvGrpSpPr>
-        <p:cNvPr id="1" name="Shape 146"/>
+        <p:cNvPr id="1" name="Shape 147"/>
         <p:cNvGrpSpPr/>
         <p:nvPr/>
       </p:nvGrpSpPr>
@@ -11512,7 +12333,7 @@
       </p:grpSpPr>
       <p:pic>
         <p:nvPicPr>
-          <p:cNvPr id="147" name="Shape 147"/>
+          <p:cNvPr id="148" name="Shape 148"/>
           <p:cNvPicPr preferRelativeResize="0"/>
           <p:nvPr/>
         </p:nvPicPr>
@@ -11539,7 +12360,7 @@
       </p:pic>
       <p:sp>
         <p:nvSpPr>
-          <p:cNvPr id="148" name="Shape 148"/>
+          <p:cNvPr id="149" name="Shape 149"/>
           <p:cNvSpPr txBox="1">
             <a:spLocks noGrp="1"/>
           </p:cNvSpPr>
@@ -11592,7 +12413,7 @@
   <p:cSld>
     <p:spTree>
       <p:nvGrpSpPr>
-        <p:cNvPr id="1" name="Shape 153"/>
+        <p:cNvPr id="1" name="Shape 154"/>
         <p:cNvGrpSpPr/>
         <p:nvPr/>
       </p:nvGrpSpPr>
@@ -11606,7 +12427,7 @@
       </p:grpSpPr>
       <p:pic>
         <p:nvPicPr>
-          <p:cNvPr id="154" name="Shape 154"/>
+          <p:cNvPr id="155" name="Shape 155"/>
           <p:cNvPicPr preferRelativeResize="0"/>
           <p:nvPr/>
         </p:nvPicPr>
@@ -11633,7 +12454,7 @@
       </p:pic>
       <p:sp>
         <p:nvSpPr>
-          <p:cNvPr id="155" name="Shape 155"/>
+          <p:cNvPr id="156" name="Shape 156"/>
           <p:cNvSpPr txBox="1">
             <a:spLocks noGrp="1"/>
           </p:cNvSpPr>
@@ -11667,67 +12488,12 @@
             </a:pPr>
             <a:r>
               <a:rPr lang="en"/>
-              <a:t>Tools - Source Control </a:t>
+              <a:t>Roles - Committer</a:t>
             </a:r>
             <a:endParaRPr/>
           </a:p>
         </p:txBody>
       </p:sp>
-      <p:pic>
-        <p:nvPicPr>
-          <p:cNvPr id="156" name="Shape 156"/>
-          <p:cNvPicPr preferRelativeResize="0"/>
-          <p:nvPr/>
-        </p:nvPicPr>
-        <p:blipFill>
-          <a:blip r:embed="rId4">
-            <a:alphaModFix/>
-          </a:blip>
-          <a:stretch>
-            <a:fillRect/>
-          </a:stretch>
-        </p:blipFill>
-        <p:spPr>
-          <a:xfrm>
-            <a:off x="152400" y="1063222"/>
-            <a:ext cx="3186199" cy="1157500"/>
-          </a:xfrm>
-          <a:prstGeom prst="rect">
-            <a:avLst/>
-          </a:prstGeom>
-          <a:noFill/>
-          <a:ln>
-            <a:noFill/>
-          </a:ln>
-        </p:spPr>
-      </p:pic>
-      <p:pic>
-        <p:nvPicPr>
-          <p:cNvPr id="157" name="Shape 157"/>
-          <p:cNvPicPr preferRelativeResize="0"/>
-          <p:nvPr/>
-        </p:nvPicPr>
-        <p:blipFill rotWithShape="1">
-          <a:blip r:embed="rId5">
-            <a:alphaModFix/>
-          </a:blip>
-          <a:srcRect t="19123" b="17488"/>
-          <a:stretch/>
-        </p:blipFill>
-        <p:spPr>
-          <a:xfrm>
-            <a:off x="4063100" y="3029725"/>
-            <a:ext cx="4218225" cy="1564200"/>
-          </a:xfrm>
-          <a:prstGeom prst="rect">
-            <a:avLst/>
-          </a:prstGeom>
-          <a:noFill/>
-          <a:ln>
-            <a:noFill/>
-          </a:ln>
-        </p:spPr>
-      </p:pic>
     </p:spTree>
   </p:cSld>
   <p:clrMapOvr>
@@ -11792,7 +12558,7 @@
         </p:nvSpPr>
         <p:spPr>
           <a:xfrm>
-            <a:off x="59225" y="56675"/>
+            <a:off x="460950" y="2065350"/>
             <a:ext cx="8222100" cy="1012800"/>
           </a:xfrm>
           <a:prstGeom prst="rect">
@@ -11816,7 +12582,7 @@
             </a:pPr>
             <a:r>
               <a:rPr lang="en"/>
-              <a:t>Tools - Open Issues</a:t>
+              <a:t>Tools</a:t>
             </a:r>
             <a:endParaRPr/>
           </a:p>
@@ -11828,35 +12594,8 @@
           <p:cNvPicPr preferRelativeResize="0"/>
           <p:nvPr/>
         </p:nvPicPr>
-        <p:blipFill rotWithShape="1">
+        <p:blipFill>
           <a:blip r:embed="rId4">
-            <a:alphaModFix/>
-          </a:blip>
-          <a:srcRect t="19123" b="17488"/>
-          <a:stretch/>
-        </p:blipFill>
-        <p:spPr>
-          <a:xfrm>
-            <a:off x="59225" y="1069475"/>
-            <a:ext cx="4225150" cy="1566775"/>
-          </a:xfrm>
-          <a:prstGeom prst="rect">
-            <a:avLst/>
-          </a:prstGeom>
-          <a:noFill/>
-          <a:ln>
-            <a:noFill/>
-          </a:ln>
-        </p:spPr>
-      </p:pic>
-      <p:pic>
-        <p:nvPicPr>
-          <p:cNvPr id="165" name="Shape 165"/>
-          <p:cNvPicPr preferRelativeResize="0"/>
-          <p:nvPr/>
-        </p:nvPicPr>
-        <p:blipFill>
-          <a:blip r:embed="rId5">
             <a:alphaModFix/>
           </a:blip>
           <a:stretch>
@@ -11865,8 +12604,8 @@
         </p:blipFill>
         <p:spPr>
           <a:xfrm>
-            <a:off x="4534048" y="2814748"/>
-            <a:ext cx="3699976" cy="1442075"/>
+            <a:off x="4020697" y="1313950"/>
+            <a:ext cx="3733250" cy="2935775"/>
           </a:xfrm>
           <a:prstGeom prst="rect">
             <a:avLst/>
@@ -11890,7 +12629,7 @@
   <p:cSld>
     <p:spTree>
       <p:nvGrpSpPr>
-        <p:cNvPr id="1" name="Shape 169"/>
+        <p:cNvPr id="1" name="Shape 168"/>
         <p:cNvGrpSpPr/>
         <p:nvPr/>
       </p:nvGrpSpPr>
@@ -11904,7 +12643,7 @@
       </p:grpSpPr>
       <p:pic>
         <p:nvPicPr>
-          <p:cNvPr id="170" name="Shape 170"/>
+          <p:cNvPr id="169" name="Shape 169"/>
           <p:cNvPicPr preferRelativeResize="0"/>
           <p:nvPr/>
         </p:nvPicPr>
@@ -11931,7 +12670,7 @@
       </p:pic>
       <p:sp>
         <p:nvSpPr>
-          <p:cNvPr id="171" name="Shape 171"/>
+          <p:cNvPr id="170" name="Shape 170"/>
           <p:cNvSpPr txBox="1">
             <a:spLocks noGrp="1"/>
           </p:cNvSpPr>
@@ -11965,7 +12704,7 @@
             </a:pPr>
             <a:r>
               <a:rPr lang="en"/>
-              <a:t>Tools - Ask Questions</a:t>
+              <a:t>Tools - Source Control </a:t>
             </a:r>
             <a:endParaRPr/>
           </a:p>
@@ -11973,7 +12712,7 @@
       </p:sp>
       <p:pic>
         <p:nvPicPr>
-          <p:cNvPr id="172" name="Shape 172"/>
+          <p:cNvPr id="171" name="Shape 171"/>
           <p:cNvPicPr preferRelativeResize="0"/>
           <p:nvPr/>
         </p:nvPicPr>
@@ -11987,8 +12726,8 @@
         </p:blipFill>
         <p:spPr>
           <a:xfrm>
-            <a:off x="6188627" y="3024002"/>
-            <a:ext cx="1623575" cy="1623575"/>
+            <a:off x="152400" y="1063222"/>
+            <a:ext cx="3186199" cy="1157500"/>
           </a:xfrm>
           <a:prstGeom prst="rect">
             <a:avLst/>
@@ -12001,22 +12740,21 @@
       </p:pic>
       <p:pic>
         <p:nvPicPr>
-          <p:cNvPr id="173" name="Shape 173"/>
+          <p:cNvPr id="172" name="Shape 172"/>
           <p:cNvPicPr preferRelativeResize="0"/>
           <p:nvPr/>
         </p:nvPicPr>
-        <p:blipFill>
+        <p:blipFill rotWithShape="1">
           <a:blip r:embed="rId5">
             <a:alphaModFix/>
           </a:blip>
-          <a:stretch>
-            <a:fillRect/>
-          </a:stretch>
+          <a:srcRect t="19123" b="17488"/>
+          <a:stretch/>
         </p:blipFill>
         <p:spPr>
           <a:xfrm>
-            <a:off x="823488" y="1321713"/>
-            <a:ext cx="3762375" cy="1219200"/>
+            <a:off x="4063100" y="3029725"/>
+            <a:ext cx="4218225" cy="1564200"/>
           </a:xfrm>
           <a:prstGeom prst="rect">
             <a:avLst/>
@@ -12040,7 +12778,7 @@
   <p:cSld>
     <p:spTree>
       <p:nvGrpSpPr>
-        <p:cNvPr id="1" name="Shape 177"/>
+        <p:cNvPr id="1" name="Shape 176"/>
         <p:cNvGrpSpPr/>
         <p:nvPr/>
       </p:nvGrpSpPr>
@@ -12054,7 +12792,7 @@
       </p:grpSpPr>
       <p:pic>
         <p:nvPicPr>
-          <p:cNvPr id="178" name="Shape 178"/>
+          <p:cNvPr id="177" name="Shape 177"/>
           <p:cNvPicPr preferRelativeResize="0"/>
           <p:nvPr/>
         </p:nvPicPr>
@@ -12081,7 +12819,7 @@
       </p:pic>
       <p:sp>
         <p:nvSpPr>
-          <p:cNvPr id="179" name="Shape 179"/>
+          <p:cNvPr id="178" name="Shape 178"/>
           <p:cNvSpPr txBox="1">
             <a:spLocks noGrp="1"/>
           </p:cNvSpPr>
@@ -12115,7 +12853,7 @@
             </a:pPr>
             <a:r>
               <a:rPr lang="en"/>
-              <a:t>Tools - Build</a:t>
+              <a:t>Tools - Open Issues</a:t>
             </a:r>
             <a:endParaRPr/>
           </a:p>
@@ -12123,22 +12861,21 @@
       </p:sp>
       <p:pic>
         <p:nvPicPr>
-          <p:cNvPr id="180" name="Shape 180"/>
+          <p:cNvPr id="179" name="Shape 179"/>
           <p:cNvPicPr preferRelativeResize="0"/>
           <p:nvPr/>
         </p:nvPicPr>
-        <p:blipFill>
+        <p:blipFill rotWithShape="1">
           <a:blip r:embed="rId4">
             <a:alphaModFix/>
           </a:blip>
-          <a:stretch>
-            <a:fillRect/>
-          </a:stretch>
+          <a:srcRect t="19123" b="17488"/>
+          <a:stretch/>
         </p:blipFill>
         <p:spPr>
           <a:xfrm>
-            <a:off x="210250" y="1358775"/>
-            <a:ext cx="3238500" cy="819150"/>
+            <a:off x="59225" y="1069475"/>
+            <a:ext cx="4225150" cy="1566775"/>
           </a:xfrm>
           <a:prstGeom prst="rect">
             <a:avLst/>
@@ -12151,7 +12888,7 @@
       </p:pic>
       <p:pic>
         <p:nvPicPr>
-          <p:cNvPr id="181" name="Shape 181"/>
+          <p:cNvPr id="180" name="Shape 180"/>
           <p:cNvPicPr preferRelativeResize="0"/>
           <p:nvPr/>
         </p:nvPicPr>
@@ -12165,8 +12902,8 @@
         </p:blipFill>
         <p:spPr>
           <a:xfrm>
-            <a:off x="3719275" y="3046200"/>
-            <a:ext cx="4610100" cy="990600"/>
+            <a:off x="4534048" y="2814748"/>
+            <a:ext cx="3699976" cy="1442075"/>
           </a:xfrm>
           <a:prstGeom prst="rect">
             <a:avLst/>
@@ -12190,7 +12927,7 @@
   <p:cSld>
     <p:spTree>
       <p:nvGrpSpPr>
-        <p:cNvPr id="1" name="Shape 185"/>
+        <p:cNvPr id="1" name="Shape 184"/>
         <p:cNvGrpSpPr/>
         <p:nvPr/>
       </p:nvGrpSpPr>
@@ -12204,7 +12941,7 @@
       </p:grpSpPr>
       <p:pic>
         <p:nvPicPr>
-          <p:cNvPr id="186" name="Shape 186"/>
+          <p:cNvPr id="185" name="Shape 185"/>
           <p:cNvPicPr preferRelativeResize="0"/>
           <p:nvPr/>
         </p:nvPicPr>
@@ -12231,7 +12968,7 @@
       </p:pic>
       <p:sp>
         <p:nvSpPr>
-          <p:cNvPr id="187" name="Shape 187"/>
+          <p:cNvPr id="186" name="Shape 186"/>
           <p:cNvSpPr txBox="1">
             <a:spLocks noGrp="1"/>
           </p:cNvSpPr>
@@ -12265,12 +13002,68 @@
             </a:pPr>
             <a:r>
               <a:rPr lang="en"/>
-              <a:t>A Day in the Life of a Contributor</a:t>
+              <a:t>Tools - Ask Questions</a:t>
             </a:r>
             <a:endParaRPr/>
           </a:p>
         </p:txBody>
       </p:sp>
+      <p:pic>
+        <p:nvPicPr>
+          <p:cNvPr id="187" name="Shape 187"/>
+          <p:cNvPicPr preferRelativeResize="0"/>
+          <p:nvPr/>
+        </p:nvPicPr>
+        <p:blipFill>
+          <a:blip r:embed="rId4">
+            <a:alphaModFix/>
+          </a:blip>
+          <a:stretch>
+            <a:fillRect/>
+          </a:stretch>
+        </p:blipFill>
+        <p:spPr>
+          <a:xfrm>
+            <a:off x="6188627" y="3024002"/>
+            <a:ext cx="1623575" cy="1623575"/>
+          </a:xfrm>
+          <a:prstGeom prst="rect">
+            <a:avLst/>
+          </a:prstGeom>
+          <a:noFill/>
+          <a:ln>
+            <a:noFill/>
+          </a:ln>
+        </p:spPr>
+      </p:pic>
+      <p:pic>
+        <p:nvPicPr>
+          <p:cNvPr id="188" name="Shape 188"/>
+          <p:cNvPicPr preferRelativeResize="0"/>
+          <p:nvPr/>
+        </p:nvPicPr>
+        <p:blipFill>
+          <a:blip r:embed="rId5">
+            <a:alphaModFix/>
+          </a:blip>
+          <a:stretch>
+            <a:fillRect/>
+          </a:stretch>
+        </p:blipFill>
+        <p:spPr>
+          <a:xfrm>
+            <a:off x="823488" y="1321713"/>
+            <a:ext cx="3762375" cy="1219200"/>
+          </a:xfrm>
+          <a:prstGeom prst="rect">
+            <a:avLst/>
+          </a:prstGeom>
+          <a:noFill/>
+          <a:ln>
+            <a:noFill/>
+          </a:ln>
+        </p:spPr>
+      </p:pic>
     </p:spTree>
   </p:cSld>
   <p:clrMapOvr>
@@ -12359,193 +13152,30 @@
             </a:pPr>
             <a:r>
               <a:rPr lang="en"/>
-              <a:t>Steps (First time)</a:t>
+              <a:t>Tools - Build</a:t>
             </a:r>
             <a:endParaRPr/>
           </a:p>
         </p:txBody>
       </p:sp>
-      <p:sp>
-        <p:nvSpPr>
+      <p:pic>
+        <p:nvPicPr>
           <p:cNvPr id="195" name="Shape 195"/>
-          <p:cNvSpPr/>
+          <p:cNvPicPr preferRelativeResize="0"/>
           <p:nvPr/>
-        </p:nvSpPr>
-        <p:spPr>
-          <a:xfrm>
-            <a:off x="1363875" y="1922325"/>
-            <a:ext cx="1324800" cy="831300"/>
-          </a:xfrm>
-          <a:prstGeom prst="rect">
-            <a:avLst/>
-          </a:prstGeom>
-          <a:solidFill>
-            <a:srgbClr val="FFFFFF"/>
-          </a:solidFill>
-          <a:ln w="9525" cap="flat" cmpd="sng">
-            <a:solidFill>
-              <a:schemeClr val="dk2"/>
-            </a:solidFill>
-            <a:prstDash val="solid"/>
-            <a:round/>
-            <a:headEnd type="none" w="med" len="med"/>
-            <a:tailEnd type="none" w="med" len="med"/>
-          </a:ln>
-          <a:effectLst>
-            <a:outerShdw blurRad="57150" dist="19050" dir="5400000" algn="bl" rotWithShape="0">
-              <a:srgbClr val="000000">
-                <a:alpha val="50000"/>
-              </a:srgbClr>
-            </a:outerShdw>
-          </a:effectLst>
-        </p:spPr>
-        <p:txBody>
-          <a:bodyPr spcFirstLastPara="1" wrap="square" lIns="91425" tIns="91425" rIns="91425" bIns="91425" anchor="ctr" anchorCtr="0">
-            <a:noAutofit/>
-          </a:bodyPr>
-          <a:lstStyle/>
-          <a:p>
-            <a:pPr marL="0" lvl="0" indent="0" algn="ctr">
-              <a:spcBef>
-                <a:spcPts val="0"/>
-              </a:spcBef>
-              <a:spcAft>
-                <a:spcPts val="0"/>
-              </a:spcAft>
-              <a:buNone/>
-            </a:pPr>
-            <a:r>
-              <a:rPr lang="en"/>
-              <a:t>Fork the project</a:t>
-            </a:r>
-            <a:endParaRPr/>
-          </a:p>
-        </p:txBody>
-      </p:sp>
-      <p:sp>
-        <p:nvSpPr>
-          <p:cNvPr id="196" name="Shape 196"/>
-          <p:cNvSpPr/>
-          <p:nvPr/>
-        </p:nvSpPr>
-        <p:spPr>
-          <a:xfrm>
-            <a:off x="3507875" y="1922325"/>
-            <a:ext cx="1324800" cy="831300"/>
-          </a:xfrm>
-          <a:prstGeom prst="rect">
-            <a:avLst/>
-          </a:prstGeom>
-          <a:solidFill>
-            <a:srgbClr val="FFFFFF"/>
-          </a:solidFill>
-          <a:ln w="9525" cap="flat" cmpd="sng">
-            <a:solidFill>
-              <a:schemeClr val="dk2"/>
-            </a:solidFill>
-            <a:prstDash val="solid"/>
-            <a:round/>
-            <a:headEnd type="none" w="med" len="med"/>
-            <a:tailEnd type="none" w="med" len="med"/>
-          </a:ln>
-          <a:effectLst>
-            <a:outerShdw blurRad="57150" dist="19050" dir="5400000" algn="bl" rotWithShape="0">
-              <a:srgbClr val="000000">
-                <a:alpha val="50000"/>
-              </a:srgbClr>
-            </a:outerShdw>
-          </a:effectLst>
-        </p:spPr>
-        <p:txBody>
-          <a:bodyPr spcFirstLastPara="1" wrap="square" lIns="91425" tIns="91425" rIns="91425" bIns="91425" anchor="ctr" anchorCtr="0">
-            <a:noAutofit/>
-          </a:bodyPr>
-          <a:lstStyle/>
-          <a:p>
-            <a:pPr marL="0" lvl="0" indent="0" algn="ctr" rtl="0">
-              <a:spcBef>
-                <a:spcPts val="0"/>
-              </a:spcBef>
-              <a:spcAft>
-                <a:spcPts val="0"/>
-              </a:spcAft>
-              <a:buNone/>
-            </a:pPr>
-            <a:r>
-              <a:rPr lang="en"/>
-              <a:t>Pull the project to local machine</a:t>
-            </a:r>
-            <a:endParaRPr/>
-          </a:p>
-        </p:txBody>
-      </p:sp>
-      <p:sp>
-        <p:nvSpPr>
-          <p:cNvPr id="197" name="Shape 197"/>
-          <p:cNvSpPr/>
-          <p:nvPr/>
-        </p:nvSpPr>
-        <p:spPr>
-          <a:xfrm>
-            <a:off x="5651875" y="1922325"/>
-            <a:ext cx="1324800" cy="831300"/>
-          </a:xfrm>
-          <a:prstGeom prst="rect">
-            <a:avLst/>
-          </a:prstGeom>
-          <a:solidFill>
-            <a:srgbClr val="FFFFFF"/>
-          </a:solidFill>
-          <a:ln w="9525" cap="flat" cmpd="sng">
-            <a:solidFill>
-              <a:schemeClr val="dk2"/>
-            </a:solidFill>
-            <a:prstDash val="solid"/>
-            <a:round/>
-            <a:headEnd type="none" w="med" len="med"/>
-            <a:tailEnd type="none" w="med" len="med"/>
-          </a:ln>
-          <a:effectLst>
-            <a:outerShdw blurRad="57150" dist="19050" dir="5400000" algn="bl" rotWithShape="0">
-              <a:srgbClr val="000000">
-                <a:alpha val="50000"/>
-              </a:srgbClr>
-            </a:outerShdw>
-          </a:effectLst>
-        </p:spPr>
-        <p:txBody>
-          <a:bodyPr spcFirstLastPara="1" wrap="square" lIns="91425" tIns="91425" rIns="91425" bIns="91425" anchor="ctr" anchorCtr="0">
-            <a:noAutofit/>
-          </a:bodyPr>
-          <a:lstStyle/>
-          <a:p>
-            <a:pPr marL="0" lvl="0" indent="0" algn="ctr" rtl="0">
-              <a:spcBef>
-                <a:spcPts val="0"/>
-              </a:spcBef>
-              <a:spcAft>
-                <a:spcPts val="0"/>
-              </a:spcAft>
-              <a:buNone/>
-            </a:pPr>
-            <a:r>
-              <a:rPr lang="en"/>
-              <a:t>Sign CLA</a:t>
-            </a:r>
-            <a:endParaRPr/>
-          </a:p>
-        </p:txBody>
-      </p:sp>
-      <p:sp>
-        <p:nvSpPr>
-          <p:cNvPr id="198" name="Shape 198"/>
-          <p:cNvSpPr txBox="1"/>
-          <p:nvPr/>
-        </p:nvSpPr>
-        <p:spPr>
-          <a:xfrm>
-            <a:off x="103900" y="3377050"/>
-            <a:ext cx="8936100" cy="1086300"/>
+        </p:nvPicPr>
+        <p:blipFill>
+          <a:blip r:embed="rId4">
+            <a:alphaModFix/>
+          </a:blip>
+          <a:stretch>
+            <a:fillRect/>
+          </a:stretch>
+        </p:blipFill>
+        <p:spPr>
+          <a:xfrm>
+            <a:off x="210250" y="1358775"/>
+            <a:ext cx="3238500" cy="819150"/>
           </a:xfrm>
           <a:prstGeom prst="rect">
             <a:avLst/>
@@ -12555,121 +13185,35 @@
             <a:noFill/>
           </a:ln>
         </p:spPr>
-        <p:txBody>
-          <a:bodyPr spcFirstLastPara="1" wrap="square" lIns="91425" tIns="91425" rIns="91425" bIns="91425" anchor="ctr" anchorCtr="0">
-            <a:noAutofit/>
-          </a:bodyPr>
-          <a:lstStyle/>
-          <a:p>
-            <a:pPr marL="0" lvl="0" indent="0" rtl="0">
-              <a:spcBef>
-                <a:spcPts val="0"/>
-              </a:spcBef>
-              <a:spcAft>
-                <a:spcPts val="0"/>
-              </a:spcAft>
-              <a:buNone/>
-            </a:pPr>
-            <a:r>
-              <a:rPr lang="en" sz="2400">
-                <a:solidFill>
-                  <a:srgbClr val="FFFFFF"/>
-                </a:solidFill>
-              </a:rPr>
-              <a:t>https://github.com/spring-projects/spring-integration/blob/master/CONTRIBUTING.adoc</a:t>
-            </a:r>
-            <a:endParaRPr sz="2400">
-              <a:solidFill>
-                <a:srgbClr val="FFFFFF"/>
-              </a:solidFill>
-            </a:endParaRPr>
-          </a:p>
-        </p:txBody>
-      </p:sp>
-      <p:cxnSp>
-        <p:nvCxnSpPr>
-          <p:cNvPr id="199" name="Shape 199"/>
-          <p:cNvCxnSpPr>
-            <a:stCxn id="195" idx="3"/>
-            <a:endCxn id="196" idx="1"/>
-          </p:cNvCxnSpPr>
+      </p:pic>
+      <p:pic>
+        <p:nvPicPr>
+          <p:cNvPr id="196" name="Shape 196"/>
+          <p:cNvPicPr preferRelativeResize="0"/>
           <p:nvPr/>
-        </p:nvCxnSpPr>
-        <p:spPr>
-          <a:xfrm>
-            <a:off x="2688675" y="2337975"/>
-            <a:ext cx="819300" cy="0"/>
-          </a:xfrm>
-          <a:prstGeom prst="straightConnector1">
+        </p:nvPicPr>
+        <p:blipFill>
+          <a:blip r:embed="rId5">
+            <a:alphaModFix/>
+          </a:blip>
+          <a:stretch>
+            <a:fillRect/>
+          </a:stretch>
+        </p:blipFill>
+        <p:spPr>
+          <a:xfrm>
+            <a:off x="3719275" y="3046200"/>
+            <a:ext cx="4610100" cy="990600"/>
+          </a:xfrm>
+          <a:prstGeom prst="rect">
             <a:avLst/>
           </a:prstGeom>
           <a:noFill/>
-          <a:ln w="9525" cap="flat" cmpd="sng">
-            <a:solidFill>
-              <a:schemeClr val="dk2"/>
-            </a:solidFill>
-            <a:prstDash val="solid"/>
-            <a:round/>
-            <a:headEnd type="none" w="lg" len="lg"/>
-            <a:tailEnd type="triangle" w="lg" len="lg"/>
+          <a:ln>
+            <a:noFill/>
           </a:ln>
         </p:spPr>
-      </p:cxnSp>
-      <p:cxnSp>
-        <p:nvCxnSpPr>
-          <p:cNvPr id="200" name="Shape 200"/>
-          <p:cNvCxnSpPr>
-            <a:stCxn id="195" idx="3"/>
-            <a:endCxn id="196" idx="1"/>
-          </p:cNvCxnSpPr>
-          <p:nvPr/>
-        </p:nvCxnSpPr>
-        <p:spPr>
-          <a:xfrm>
-            <a:off x="2688675" y="2337975"/>
-            <a:ext cx="819300" cy="0"/>
-          </a:xfrm>
-          <a:prstGeom prst="straightConnector1">
-            <a:avLst/>
-          </a:prstGeom>
-          <a:noFill/>
-          <a:ln w="28575" cap="flat" cmpd="sng">
-            <a:solidFill>
-              <a:srgbClr val="FFFFFF"/>
-            </a:solidFill>
-            <a:prstDash val="solid"/>
-            <a:round/>
-            <a:headEnd type="none" w="lg" len="lg"/>
-            <a:tailEnd type="triangle" w="lg" len="lg"/>
-          </a:ln>
-        </p:spPr>
-      </p:cxnSp>
-      <p:cxnSp>
-        <p:nvCxnSpPr>
-          <p:cNvPr id="201" name="Shape 201"/>
-          <p:cNvCxnSpPr/>
-          <p:nvPr/>
-        </p:nvCxnSpPr>
-        <p:spPr>
-          <a:xfrm>
-            <a:off x="4832675" y="2337975"/>
-            <a:ext cx="819300" cy="0"/>
-          </a:xfrm>
-          <a:prstGeom prst="straightConnector1">
-            <a:avLst/>
-          </a:prstGeom>
-          <a:noFill/>
-          <a:ln w="28575" cap="flat" cmpd="sng">
-            <a:solidFill>
-              <a:srgbClr val="FFFFFF"/>
-            </a:solidFill>
-            <a:prstDash val="solid"/>
-            <a:round/>
-            <a:headEnd type="none" w="lg" len="lg"/>
-            <a:tailEnd type="triangle" w="lg" len="lg"/>
-          </a:ln>
-        </p:spPr>
-      </p:cxnSp>
+      </p:pic>
     </p:spTree>
   </p:cSld>
   <p:clrMapOvr>
@@ -12683,7 +13227,7 @@
   <p:cSld>
     <p:spTree>
       <p:nvGrpSpPr>
-        <p:cNvPr id="1" name="Shape 205"/>
+        <p:cNvPr id="1" name="Shape 200"/>
         <p:cNvGrpSpPr/>
         <p:nvPr/>
       </p:nvGrpSpPr>
@@ -12697,7 +13241,7 @@
       </p:grpSpPr>
       <p:pic>
         <p:nvPicPr>
-          <p:cNvPr id="206" name="Shape 206"/>
+          <p:cNvPr id="201" name="Shape 201"/>
           <p:cNvPicPr preferRelativeResize="0"/>
           <p:nvPr/>
         </p:nvPicPr>
@@ -12724,7 +13268,7 @@
       </p:pic>
       <p:sp>
         <p:nvSpPr>
-          <p:cNvPr id="207" name="Shape 207"/>
+          <p:cNvPr id="202" name="Shape 202"/>
           <p:cNvSpPr txBox="1">
             <a:spLocks noGrp="1"/>
           </p:cNvSpPr>
@@ -12758,634 +13302,12 @@
             </a:pPr>
             <a:r>
               <a:rPr lang="en"/>
-              <a:t>Steps (Your Bug Fix)</a:t>
+              <a:t>A Day in the Life of a Contributor</a:t>
             </a:r>
             <a:endParaRPr/>
           </a:p>
         </p:txBody>
       </p:sp>
-      <p:sp>
-        <p:nvSpPr>
-          <p:cNvPr id="208" name="Shape 208"/>
-          <p:cNvSpPr/>
-          <p:nvPr/>
-        </p:nvSpPr>
-        <p:spPr>
-          <a:xfrm>
-            <a:off x="590050" y="1377475"/>
-            <a:ext cx="1324800" cy="831300"/>
-          </a:xfrm>
-          <a:prstGeom prst="rect">
-            <a:avLst/>
-          </a:prstGeom>
-          <a:solidFill>
-            <a:srgbClr val="FFFFFF"/>
-          </a:solidFill>
-          <a:ln w="9525" cap="flat" cmpd="sng">
-            <a:solidFill>
-              <a:schemeClr val="dk2"/>
-            </a:solidFill>
-            <a:prstDash val="solid"/>
-            <a:round/>
-            <a:headEnd type="none" w="med" len="med"/>
-            <a:tailEnd type="none" w="med" len="med"/>
-          </a:ln>
-        </p:spPr>
-        <p:txBody>
-          <a:bodyPr spcFirstLastPara="1" wrap="square" lIns="91425" tIns="91425" rIns="91425" bIns="91425" anchor="ctr" anchorCtr="0">
-            <a:noAutofit/>
-          </a:bodyPr>
-          <a:lstStyle/>
-          <a:p>
-            <a:pPr marL="0" lvl="0" indent="0" algn="ctr" rtl="0">
-              <a:spcBef>
-                <a:spcPts val="0"/>
-              </a:spcBef>
-              <a:spcAft>
-                <a:spcPts val="0"/>
-              </a:spcAft>
-              <a:buNone/>
-            </a:pPr>
-            <a:r>
-              <a:rPr lang="en"/>
-              <a:t>Checkout topic branch</a:t>
-            </a:r>
-            <a:endParaRPr/>
-          </a:p>
-        </p:txBody>
-      </p:sp>
-      <p:sp>
-        <p:nvSpPr>
-          <p:cNvPr id="209" name="Shape 209"/>
-          <p:cNvSpPr/>
-          <p:nvPr/>
-        </p:nvSpPr>
-        <p:spPr>
-          <a:xfrm>
-            <a:off x="2267838" y="1377475"/>
-            <a:ext cx="1324800" cy="831300"/>
-          </a:xfrm>
-          <a:prstGeom prst="rect">
-            <a:avLst/>
-          </a:prstGeom>
-          <a:solidFill>
-            <a:srgbClr val="FFFFFF"/>
-          </a:solidFill>
-          <a:ln w="9525" cap="flat" cmpd="sng">
-            <a:solidFill>
-              <a:schemeClr val="dk2"/>
-            </a:solidFill>
-            <a:prstDash val="solid"/>
-            <a:round/>
-            <a:headEnd type="none" w="med" len="med"/>
-            <a:tailEnd type="none" w="med" len="med"/>
-          </a:ln>
-        </p:spPr>
-        <p:txBody>
-          <a:bodyPr spcFirstLastPara="1" wrap="square" lIns="91425" tIns="91425" rIns="91425" bIns="91425" anchor="ctr" anchorCtr="0">
-            <a:noAutofit/>
-          </a:bodyPr>
-          <a:lstStyle/>
-          <a:p>
-            <a:pPr marL="0" lvl="0" indent="0" algn="ctr" rtl="0">
-              <a:spcBef>
-                <a:spcPts val="0"/>
-              </a:spcBef>
-              <a:spcAft>
-                <a:spcPts val="0"/>
-              </a:spcAft>
-              <a:buNone/>
-            </a:pPr>
-            <a:r>
-              <a:rPr lang="en"/>
-              <a:t>Do your magic</a:t>
-            </a:r>
-            <a:endParaRPr/>
-          </a:p>
-        </p:txBody>
-      </p:sp>
-      <p:sp>
-        <p:nvSpPr>
-          <p:cNvPr id="210" name="Shape 210"/>
-          <p:cNvSpPr/>
-          <p:nvPr/>
-        </p:nvSpPr>
-        <p:spPr>
-          <a:xfrm>
-            <a:off x="3945625" y="1377475"/>
-            <a:ext cx="1324800" cy="831300"/>
-          </a:xfrm>
-          <a:prstGeom prst="rect">
-            <a:avLst/>
-          </a:prstGeom>
-          <a:solidFill>
-            <a:srgbClr val="FFFFFF"/>
-          </a:solidFill>
-          <a:ln w="9525" cap="flat" cmpd="sng">
-            <a:solidFill>
-              <a:schemeClr val="dk2"/>
-            </a:solidFill>
-            <a:prstDash val="solid"/>
-            <a:round/>
-            <a:headEnd type="none" w="med" len="med"/>
-            <a:tailEnd type="none" w="med" len="med"/>
-          </a:ln>
-        </p:spPr>
-        <p:txBody>
-          <a:bodyPr spcFirstLastPara="1" wrap="square" lIns="91425" tIns="91425" rIns="91425" bIns="91425" anchor="ctr" anchorCtr="0">
-            <a:noAutofit/>
-          </a:bodyPr>
-          <a:lstStyle/>
-          <a:p>
-            <a:pPr marL="0" lvl="0" indent="0" algn="ctr" rtl="0">
-              <a:spcBef>
-                <a:spcPts val="0"/>
-              </a:spcBef>
-              <a:spcAft>
-                <a:spcPts val="0"/>
-              </a:spcAft>
-              <a:buNone/>
-            </a:pPr>
-            <a:r>
-              <a:rPr lang="en"/>
-              <a:t>Commit with message</a:t>
-            </a:r>
-            <a:endParaRPr/>
-          </a:p>
-        </p:txBody>
-      </p:sp>
-      <p:sp>
-        <p:nvSpPr>
-          <p:cNvPr id="211" name="Shape 211"/>
-          <p:cNvSpPr/>
-          <p:nvPr/>
-        </p:nvSpPr>
-        <p:spPr>
-          <a:xfrm>
-            <a:off x="5587388" y="1377475"/>
-            <a:ext cx="1324800" cy="831300"/>
-          </a:xfrm>
-          <a:prstGeom prst="rect">
-            <a:avLst/>
-          </a:prstGeom>
-          <a:solidFill>
-            <a:srgbClr val="FFFFFF"/>
-          </a:solidFill>
-          <a:ln w="9525" cap="flat" cmpd="sng">
-            <a:solidFill>
-              <a:schemeClr val="dk2"/>
-            </a:solidFill>
-            <a:prstDash val="solid"/>
-            <a:round/>
-            <a:headEnd type="none" w="med" len="med"/>
-            <a:tailEnd type="none" w="med" len="med"/>
-          </a:ln>
-        </p:spPr>
-        <p:txBody>
-          <a:bodyPr spcFirstLastPara="1" wrap="square" lIns="91425" tIns="91425" rIns="91425" bIns="91425" anchor="ctr" anchorCtr="0">
-            <a:noAutofit/>
-          </a:bodyPr>
-          <a:lstStyle/>
-          <a:p>
-            <a:pPr marL="0" lvl="0" indent="0" algn="ctr" rtl="0">
-              <a:spcBef>
-                <a:spcPts val="0"/>
-              </a:spcBef>
-              <a:spcAft>
-                <a:spcPts val="0"/>
-              </a:spcAft>
-              <a:buNone/>
-            </a:pPr>
-            <a:r>
-              <a:rPr lang="en"/>
-              <a:t>Push to github</a:t>
-            </a:r>
-            <a:endParaRPr/>
-          </a:p>
-        </p:txBody>
-      </p:sp>
-      <p:sp>
-        <p:nvSpPr>
-          <p:cNvPr id="212" name="Shape 212"/>
-          <p:cNvSpPr/>
-          <p:nvPr/>
-        </p:nvSpPr>
-        <p:spPr>
-          <a:xfrm>
-            <a:off x="7229150" y="1377475"/>
-            <a:ext cx="1324800" cy="831300"/>
-          </a:xfrm>
-          <a:prstGeom prst="rect">
-            <a:avLst/>
-          </a:prstGeom>
-          <a:solidFill>
-            <a:srgbClr val="FFFFFF"/>
-          </a:solidFill>
-          <a:ln w="9525" cap="flat" cmpd="sng">
-            <a:solidFill>
-              <a:schemeClr val="dk2"/>
-            </a:solidFill>
-            <a:prstDash val="solid"/>
-            <a:round/>
-            <a:headEnd type="none" w="med" len="med"/>
-            <a:tailEnd type="none" w="med" len="med"/>
-          </a:ln>
-        </p:spPr>
-        <p:txBody>
-          <a:bodyPr spcFirstLastPara="1" wrap="square" lIns="91425" tIns="91425" rIns="91425" bIns="91425" anchor="ctr" anchorCtr="0">
-            <a:noAutofit/>
-          </a:bodyPr>
-          <a:lstStyle/>
-          <a:p>
-            <a:pPr marL="0" lvl="0" indent="0" algn="ctr" rtl="0">
-              <a:spcBef>
-                <a:spcPts val="0"/>
-              </a:spcBef>
-              <a:spcAft>
-                <a:spcPts val="0"/>
-              </a:spcAft>
-              <a:buNone/>
-            </a:pPr>
-            <a:r>
-              <a:rPr lang="en"/>
-              <a:t>Submit PR</a:t>
-            </a:r>
-            <a:endParaRPr/>
-          </a:p>
-        </p:txBody>
-      </p:sp>
-      <p:cxnSp>
-        <p:nvCxnSpPr>
-          <p:cNvPr id="213" name="Shape 213"/>
-          <p:cNvCxnSpPr>
-            <a:endCxn id="209" idx="1"/>
-          </p:cNvCxnSpPr>
-          <p:nvPr/>
-        </p:nvCxnSpPr>
-        <p:spPr>
-          <a:xfrm>
-            <a:off x="1914738" y="1793125"/>
-            <a:ext cx="353100" cy="0"/>
-          </a:xfrm>
-          <a:prstGeom prst="straightConnector1">
-            <a:avLst/>
-          </a:prstGeom>
-          <a:noFill/>
-          <a:ln w="28575" cap="flat" cmpd="sng">
-            <a:solidFill>
-              <a:srgbClr val="FFFFFF"/>
-            </a:solidFill>
-            <a:prstDash val="solid"/>
-            <a:round/>
-            <a:headEnd type="none" w="lg" len="lg"/>
-            <a:tailEnd type="triangle" w="lg" len="lg"/>
-          </a:ln>
-        </p:spPr>
-      </p:cxnSp>
-      <p:cxnSp>
-        <p:nvCxnSpPr>
-          <p:cNvPr id="214" name="Shape 214"/>
-          <p:cNvCxnSpPr/>
-          <p:nvPr/>
-        </p:nvCxnSpPr>
-        <p:spPr>
-          <a:xfrm>
-            <a:off x="3574563" y="1793125"/>
-            <a:ext cx="353100" cy="0"/>
-          </a:xfrm>
-          <a:prstGeom prst="straightConnector1">
-            <a:avLst/>
-          </a:prstGeom>
-          <a:noFill/>
-          <a:ln w="28575" cap="flat" cmpd="sng">
-            <a:solidFill>
-              <a:srgbClr val="FFFFFF"/>
-            </a:solidFill>
-            <a:prstDash val="solid"/>
-            <a:round/>
-            <a:headEnd type="none" w="lg" len="lg"/>
-            <a:tailEnd type="triangle" w="lg" len="lg"/>
-          </a:ln>
-        </p:spPr>
-      </p:cxnSp>
-      <p:cxnSp>
-        <p:nvCxnSpPr>
-          <p:cNvPr id="215" name="Shape 215"/>
-          <p:cNvCxnSpPr/>
-          <p:nvPr/>
-        </p:nvCxnSpPr>
-        <p:spPr>
-          <a:xfrm>
-            <a:off x="5234338" y="1793125"/>
-            <a:ext cx="353100" cy="0"/>
-          </a:xfrm>
-          <a:prstGeom prst="straightConnector1">
-            <a:avLst/>
-          </a:prstGeom>
-          <a:noFill/>
-          <a:ln w="28575" cap="flat" cmpd="sng">
-            <a:solidFill>
-              <a:srgbClr val="FFFFFF"/>
-            </a:solidFill>
-            <a:prstDash val="solid"/>
-            <a:round/>
-            <a:headEnd type="none" w="lg" len="lg"/>
-            <a:tailEnd type="triangle" w="lg" len="lg"/>
-          </a:ln>
-        </p:spPr>
-      </p:cxnSp>
-      <p:cxnSp>
-        <p:nvCxnSpPr>
-          <p:cNvPr id="216" name="Shape 216"/>
-          <p:cNvCxnSpPr/>
-          <p:nvPr/>
-        </p:nvCxnSpPr>
-        <p:spPr>
-          <a:xfrm>
-            <a:off x="6912188" y="1793125"/>
-            <a:ext cx="353100" cy="0"/>
-          </a:xfrm>
-          <a:prstGeom prst="straightConnector1">
-            <a:avLst/>
-          </a:prstGeom>
-          <a:noFill/>
-          <a:ln w="28575" cap="flat" cmpd="sng">
-            <a:solidFill>
-              <a:srgbClr val="FFFFFF"/>
-            </a:solidFill>
-            <a:prstDash val="solid"/>
-            <a:round/>
-            <a:headEnd type="none" w="lg" len="lg"/>
-            <a:tailEnd type="triangle" w="lg" len="lg"/>
-          </a:ln>
-        </p:spPr>
-      </p:cxnSp>
-      <p:sp>
-        <p:nvSpPr>
-          <p:cNvPr id="217" name="Shape 217"/>
-          <p:cNvSpPr/>
-          <p:nvPr/>
-        </p:nvSpPr>
-        <p:spPr>
-          <a:xfrm>
-            <a:off x="5587400" y="2762275"/>
-            <a:ext cx="1324800" cy="831300"/>
-          </a:xfrm>
-          <a:prstGeom prst="rect">
-            <a:avLst/>
-          </a:prstGeom>
-          <a:solidFill>
-            <a:srgbClr val="6D9EEB"/>
-          </a:solidFill>
-          <a:ln w="9525" cap="flat" cmpd="sng">
-            <a:solidFill>
-              <a:schemeClr val="dk2"/>
-            </a:solidFill>
-            <a:prstDash val="solid"/>
-            <a:round/>
-            <a:headEnd type="none" w="med" len="med"/>
-            <a:tailEnd type="none" w="med" len="med"/>
-          </a:ln>
-        </p:spPr>
-        <p:txBody>
-          <a:bodyPr spcFirstLastPara="1" wrap="square" lIns="91425" tIns="91425" rIns="91425" bIns="91425" anchor="ctr" anchorCtr="0">
-            <a:noAutofit/>
-          </a:bodyPr>
-          <a:lstStyle/>
-          <a:p>
-            <a:pPr marL="0" lvl="0" indent="0" algn="ctr" rtl="0">
-              <a:spcBef>
-                <a:spcPts val="0"/>
-              </a:spcBef>
-              <a:spcAft>
-                <a:spcPts val="0"/>
-              </a:spcAft>
-              <a:buNone/>
-            </a:pPr>
-            <a:r>
-              <a:rPr lang="en"/>
-              <a:t>Review</a:t>
-            </a:r>
-            <a:endParaRPr/>
-          </a:p>
-        </p:txBody>
-      </p:sp>
-      <p:cxnSp>
-        <p:nvCxnSpPr>
-          <p:cNvPr id="218" name="Shape 218"/>
-          <p:cNvCxnSpPr>
-            <a:stCxn id="212" idx="2"/>
-            <a:endCxn id="217" idx="3"/>
-          </p:cNvCxnSpPr>
-          <p:nvPr/>
-        </p:nvCxnSpPr>
-        <p:spPr>
-          <a:xfrm rot="5400000">
-            <a:off x="6917300" y="2203825"/>
-            <a:ext cx="969300" cy="979200"/>
-          </a:xfrm>
-          <a:prstGeom prst="bentConnector2">
-            <a:avLst/>
-          </a:prstGeom>
-          <a:noFill/>
-          <a:ln w="28575" cap="flat" cmpd="sng">
-            <a:solidFill>
-              <a:srgbClr val="FFFFFF"/>
-            </a:solidFill>
-            <a:prstDash val="solid"/>
-            <a:round/>
-            <a:headEnd type="none" w="lg" len="lg"/>
-            <a:tailEnd type="triangle" w="lg" len="lg"/>
-          </a:ln>
-        </p:spPr>
-      </p:cxnSp>
-      <p:sp>
-        <p:nvSpPr>
-          <p:cNvPr id="219" name="Shape 219"/>
-          <p:cNvSpPr/>
-          <p:nvPr/>
-        </p:nvSpPr>
-        <p:spPr>
-          <a:xfrm>
-            <a:off x="2267850" y="2762275"/>
-            <a:ext cx="1324800" cy="831300"/>
-          </a:xfrm>
-          <a:prstGeom prst="rect">
-            <a:avLst/>
-          </a:prstGeom>
-          <a:solidFill>
-            <a:srgbClr val="6D9EEB"/>
-          </a:solidFill>
-          <a:ln w="9525" cap="flat" cmpd="sng">
-            <a:solidFill>
-              <a:schemeClr val="dk2"/>
-            </a:solidFill>
-            <a:prstDash val="solid"/>
-            <a:round/>
-            <a:headEnd type="none" w="med" len="med"/>
-            <a:tailEnd type="none" w="med" len="med"/>
-          </a:ln>
-        </p:spPr>
-        <p:txBody>
-          <a:bodyPr spcFirstLastPara="1" wrap="square" lIns="91425" tIns="91425" rIns="91425" bIns="91425" anchor="ctr" anchorCtr="0">
-            <a:noAutofit/>
-          </a:bodyPr>
-          <a:lstStyle/>
-          <a:p>
-            <a:pPr marL="0" lvl="0" indent="0" algn="ctr" rtl="0">
-              <a:spcBef>
-                <a:spcPts val="0"/>
-              </a:spcBef>
-              <a:spcAft>
-                <a:spcPts val="0"/>
-              </a:spcAft>
-              <a:buNone/>
-            </a:pPr>
-            <a:r>
-              <a:rPr lang="en"/>
-              <a:t>Request changes</a:t>
-            </a:r>
-            <a:endParaRPr/>
-          </a:p>
-        </p:txBody>
-      </p:sp>
-      <p:cxnSp>
-        <p:nvCxnSpPr>
-          <p:cNvPr id="220" name="Shape 220"/>
-          <p:cNvCxnSpPr>
-            <a:stCxn id="217" idx="1"/>
-            <a:endCxn id="219" idx="3"/>
-          </p:cNvCxnSpPr>
-          <p:nvPr/>
-        </p:nvCxnSpPr>
-        <p:spPr>
-          <a:xfrm rot="10800000">
-            <a:off x="3592700" y="3177925"/>
-            <a:ext cx="1994700" cy="0"/>
-          </a:xfrm>
-          <a:prstGeom prst="straightConnector1">
-            <a:avLst/>
-          </a:prstGeom>
-          <a:noFill/>
-          <a:ln w="28575" cap="flat" cmpd="sng">
-            <a:solidFill>
-              <a:srgbClr val="FFFFFF"/>
-            </a:solidFill>
-            <a:prstDash val="solid"/>
-            <a:round/>
-            <a:headEnd type="none" w="lg" len="lg"/>
-            <a:tailEnd type="triangle" w="lg" len="lg"/>
-          </a:ln>
-        </p:spPr>
-      </p:cxnSp>
-      <p:sp>
-        <p:nvSpPr>
-          <p:cNvPr id="221" name="Shape 221"/>
-          <p:cNvSpPr/>
-          <p:nvPr/>
-        </p:nvSpPr>
-        <p:spPr>
-          <a:xfrm>
-            <a:off x="3865725" y="3954500"/>
-            <a:ext cx="1324800" cy="831300"/>
-          </a:xfrm>
-          <a:prstGeom prst="rect">
-            <a:avLst/>
-          </a:prstGeom>
-          <a:solidFill>
-            <a:srgbClr val="6D9EEB"/>
-          </a:solidFill>
-          <a:ln w="9525" cap="flat" cmpd="sng">
-            <a:solidFill>
-              <a:schemeClr val="dk2"/>
-            </a:solidFill>
-            <a:prstDash val="solid"/>
-            <a:round/>
-            <a:headEnd type="none" w="med" len="med"/>
-            <a:tailEnd type="none" w="med" len="med"/>
-          </a:ln>
-        </p:spPr>
-        <p:txBody>
-          <a:bodyPr spcFirstLastPara="1" wrap="square" lIns="91425" tIns="91425" rIns="91425" bIns="91425" anchor="ctr" anchorCtr="0">
-            <a:noAutofit/>
-          </a:bodyPr>
-          <a:lstStyle/>
-          <a:p>
-            <a:pPr marL="0" lvl="0" indent="0" algn="ctr" rtl="0">
-              <a:spcBef>
-                <a:spcPts val="0"/>
-              </a:spcBef>
-              <a:spcAft>
-                <a:spcPts val="0"/>
-              </a:spcAft>
-              <a:buNone/>
-            </a:pPr>
-            <a:r>
-              <a:rPr lang="en"/>
-              <a:t>Merge PR</a:t>
-            </a:r>
-            <a:endParaRPr/>
-          </a:p>
-        </p:txBody>
-      </p:sp>
-      <p:cxnSp>
-        <p:nvCxnSpPr>
-          <p:cNvPr id="222" name="Shape 222"/>
-          <p:cNvCxnSpPr>
-            <a:stCxn id="217" idx="1"/>
-            <a:endCxn id="221" idx="0"/>
-          </p:cNvCxnSpPr>
-          <p:nvPr/>
-        </p:nvCxnSpPr>
-        <p:spPr>
-          <a:xfrm flipH="1">
-            <a:off x="4528100" y="3177925"/>
-            <a:ext cx="1059300" cy="776700"/>
-          </a:xfrm>
-          <a:prstGeom prst="bentConnector2">
-            <a:avLst/>
-          </a:prstGeom>
-          <a:noFill/>
-          <a:ln w="28575" cap="flat" cmpd="sng">
-            <a:solidFill>
-              <a:srgbClr val="FFFFFF"/>
-            </a:solidFill>
-            <a:prstDash val="solid"/>
-            <a:round/>
-            <a:headEnd type="none" w="lg" len="lg"/>
-            <a:tailEnd type="triangle" w="lg" len="lg"/>
-          </a:ln>
-        </p:spPr>
-      </p:cxnSp>
-      <p:cxnSp>
-        <p:nvCxnSpPr>
-          <p:cNvPr id="223" name="Shape 223"/>
-          <p:cNvCxnSpPr>
-            <a:stCxn id="219" idx="0"/>
-            <a:endCxn id="209" idx="2"/>
-          </p:cNvCxnSpPr>
-          <p:nvPr/>
-        </p:nvCxnSpPr>
-        <p:spPr>
-          <a:xfrm rot="10800000">
-            <a:off x="2930250" y="2208775"/>
-            <a:ext cx="0" cy="553500"/>
-          </a:xfrm>
-          <a:prstGeom prst="straightConnector1">
-            <a:avLst/>
-          </a:prstGeom>
-          <a:noFill/>
-          <a:ln w="28575" cap="flat" cmpd="sng">
-            <a:solidFill>
-              <a:srgbClr val="FFFFFF"/>
-            </a:solidFill>
-            <a:prstDash val="solid"/>
-            <a:round/>
-            <a:headEnd type="none" w="lg" len="lg"/>
-            <a:tailEnd type="triangle" w="lg" len="lg"/>
-          </a:ln>
-        </p:spPr>
-      </p:cxnSp>
     </p:spTree>
   </p:cSld>
   <p:clrMapOvr>
@@ -13479,7 +13401,7 @@
   <p:cSld>
     <p:spTree>
       <p:nvGrpSpPr>
-        <p:cNvPr id="1" name="Shape 227"/>
+        <p:cNvPr id="1" name="Shape 207"/>
         <p:cNvGrpSpPr/>
         <p:nvPr/>
       </p:nvGrpSpPr>
@@ -13493,7 +13415,7 @@
       </p:grpSpPr>
       <p:pic>
         <p:nvPicPr>
-          <p:cNvPr id="228" name="Shape 228"/>
+          <p:cNvPr id="208" name="Shape 208"/>
           <p:cNvPicPr preferRelativeResize="0"/>
           <p:nvPr/>
         </p:nvPicPr>
@@ -13518,6 +13440,353 @@
           </a:ln>
         </p:spPr>
       </p:pic>
+      <p:sp>
+        <p:nvSpPr>
+          <p:cNvPr id="209" name="Shape 209"/>
+          <p:cNvSpPr txBox="1">
+            <a:spLocks noGrp="1"/>
+          </p:cNvSpPr>
+          <p:nvPr>
+            <p:ph type="title"/>
+          </p:nvPr>
+        </p:nvSpPr>
+        <p:spPr>
+          <a:xfrm>
+            <a:off x="59225" y="56675"/>
+            <a:ext cx="8222100" cy="1012800"/>
+          </a:xfrm>
+          <a:prstGeom prst="rect">
+            <a:avLst/>
+          </a:prstGeom>
+        </p:spPr>
+        <p:txBody>
+          <a:bodyPr spcFirstLastPara="1" wrap="square" lIns="91425" tIns="91425" rIns="91425" bIns="91425" anchor="ctr" anchorCtr="0">
+            <a:noAutofit/>
+          </a:bodyPr>
+          <a:lstStyle/>
+          <a:p>
+            <a:pPr marL="0" lvl="0" indent="0" rtl="0">
+              <a:spcBef>
+                <a:spcPts val="0"/>
+              </a:spcBef>
+              <a:spcAft>
+                <a:spcPts val="0"/>
+              </a:spcAft>
+              <a:buNone/>
+            </a:pPr>
+            <a:r>
+              <a:rPr lang="en"/>
+              <a:t>Steps (First time)</a:t>
+            </a:r>
+            <a:endParaRPr/>
+          </a:p>
+        </p:txBody>
+      </p:sp>
+      <p:sp>
+        <p:nvSpPr>
+          <p:cNvPr id="210" name="Shape 210"/>
+          <p:cNvSpPr/>
+          <p:nvPr/>
+        </p:nvSpPr>
+        <p:spPr>
+          <a:xfrm>
+            <a:off x="1363875" y="1922325"/>
+            <a:ext cx="1324800" cy="831300"/>
+          </a:xfrm>
+          <a:prstGeom prst="rect">
+            <a:avLst/>
+          </a:prstGeom>
+          <a:solidFill>
+            <a:srgbClr val="FFFFFF"/>
+          </a:solidFill>
+          <a:ln w="9525" cap="flat" cmpd="sng">
+            <a:solidFill>
+              <a:schemeClr val="dk2"/>
+            </a:solidFill>
+            <a:prstDash val="solid"/>
+            <a:round/>
+            <a:headEnd type="none" w="sm" len="sm"/>
+            <a:tailEnd type="none" w="sm" len="sm"/>
+          </a:ln>
+          <a:effectLst>
+            <a:outerShdw blurRad="57150" dist="19050" dir="5400000" algn="bl" rotWithShape="0">
+              <a:srgbClr val="000000">
+                <a:alpha val="50000"/>
+              </a:srgbClr>
+            </a:outerShdw>
+          </a:effectLst>
+        </p:spPr>
+        <p:txBody>
+          <a:bodyPr spcFirstLastPara="1" wrap="square" lIns="91425" tIns="91425" rIns="91425" bIns="91425" anchor="ctr" anchorCtr="0">
+            <a:noAutofit/>
+          </a:bodyPr>
+          <a:lstStyle/>
+          <a:p>
+            <a:pPr marL="0" lvl="0" indent="0" algn="ctr">
+              <a:spcBef>
+                <a:spcPts val="0"/>
+              </a:spcBef>
+              <a:spcAft>
+                <a:spcPts val="0"/>
+              </a:spcAft>
+              <a:buNone/>
+            </a:pPr>
+            <a:r>
+              <a:rPr lang="en"/>
+              <a:t>Fork the project</a:t>
+            </a:r>
+            <a:endParaRPr/>
+          </a:p>
+        </p:txBody>
+      </p:sp>
+      <p:sp>
+        <p:nvSpPr>
+          <p:cNvPr id="211" name="Shape 211"/>
+          <p:cNvSpPr/>
+          <p:nvPr/>
+        </p:nvSpPr>
+        <p:spPr>
+          <a:xfrm>
+            <a:off x="3507875" y="1922325"/>
+            <a:ext cx="1324800" cy="831300"/>
+          </a:xfrm>
+          <a:prstGeom prst="rect">
+            <a:avLst/>
+          </a:prstGeom>
+          <a:solidFill>
+            <a:srgbClr val="FFFFFF"/>
+          </a:solidFill>
+          <a:ln w="9525" cap="flat" cmpd="sng">
+            <a:solidFill>
+              <a:schemeClr val="dk2"/>
+            </a:solidFill>
+            <a:prstDash val="solid"/>
+            <a:round/>
+            <a:headEnd type="none" w="sm" len="sm"/>
+            <a:tailEnd type="none" w="sm" len="sm"/>
+          </a:ln>
+          <a:effectLst>
+            <a:outerShdw blurRad="57150" dist="19050" dir="5400000" algn="bl" rotWithShape="0">
+              <a:srgbClr val="000000">
+                <a:alpha val="50000"/>
+              </a:srgbClr>
+            </a:outerShdw>
+          </a:effectLst>
+        </p:spPr>
+        <p:txBody>
+          <a:bodyPr spcFirstLastPara="1" wrap="square" lIns="91425" tIns="91425" rIns="91425" bIns="91425" anchor="ctr" anchorCtr="0">
+            <a:noAutofit/>
+          </a:bodyPr>
+          <a:lstStyle/>
+          <a:p>
+            <a:pPr marL="0" lvl="0" indent="0" algn="ctr" rtl="0">
+              <a:spcBef>
+                <a:spcPts val="0"/>
+              </a:spcBef>
+              <a:spcAft>
+                <a:spcPts val="0"/>
+              </a:spcAft>
+              <a:buNone/>
+            </a:pPr>
+            <a:r>
+              <a:rPr lang="en"/>
+              <a:t>Clone the project to local machine</a:t>
+            </a:r>
+            <a:endParaRPr/>
+          </a:p>
+        </p:txBody>
+      </p:sp>
+      <p:sp>
+        <p:nvSpPr>
+          <p:cNvPr id="212" name="Shape 212"/>
+          <p:cNvSpPr/>
+          <p:nvPr/>
+        </p:nvSpPr>
+        <p:spPr>
+          <a:xfrm>
+            <a:off x="5651875" y="1922325"/>
+            <a:ext cx="1324800" cy="831300"/>
+          </a:xfrm>
+          <a:prstGeom prst="rect">
+            <a:avLst/>
+          </a:prstGeom>
+          <a:solidFill>
+            <a:srgbClr val="FFFFFF"/>
+          </a:solidFill>
+          <a:ln w="9525" cap="flat" cmpd="sng">
+            <a:solidFill>
+              <a:schemeClr val="dk2"/>
+            </a:solidFill>
+            <a:prstDash val="solid"/>
+            <a:round/>
+            <a:headEnd type="none" w="sm" len="sm"/>
+            <a:tailEnd type="none" w="sm" len="sm"/>
+          </a:ln>
+          <a:effectLst>
+            <a:outerShdw blurRad="57150" dist="19050" dir="5400000" algn="bl" rotWithShape="0">
+              <a:srgbClr val="000000">
+                <a:alpha val="50000"/>
+              </a:srgbClr>
+            </a:outerShdw>
+          </a:effectLst>
+        </p:spPr>
+        <p:txBody>
+          <a:bodyPr spcFirstLastPara="1" wrap="square" lIns="91425" tIns="91425" rIns="91425" bIns="91425" anchor="ctr" anchorCtr="0">
+            <a:noAutofit/>
+          </a:bodyPr>
+          <a:lstStyle/>
+          <a:p>
+            <a:pPr marL="0" lvl="0" indent="0" algn="ctr" rtl="0">
+              <a:spcBef>
+                <a:spcPts val="0"/>
+              </a:spcBef>
+              <a:spcAft>
+                <a:spcPts val="0"/>
+              </a:spcAft>
+              <a:buNone/>
+            </a:pPr>
+            <a:r>
+              <a:rPr lang="en"/>
+              <a:t>Sign CLA</a:t>
+            </a:r>
+            <a:endParaRPr/>
+          </a:p>
+        </p:txBody>
+      </p:sp>
+      <p:sp>
+        <p:nvSpPr>
+          <p:cNvPr id="213" name="Shape 213"/>
+          <p:cNvSpPr txBox="1"/>
+          <p:nvPr/>
+        </p:nvSpPr>
+        <p:spPr>
+          <a:xfrm>
+            <a:off x="103900" y="3377050"/>
+            <a:ext cx="8936100" cy="1086300"/>
+          </a:xfrm>
+          <a:prstGeom prst="rect">
+            <a:avLst/>
+          </a:prstGeom>
+          <a:noFill/>
+          <a:ln>
+            <a:noFill/>
+          </a:ln>
+        </p:spPr>
+        <p:txBody>
+          <a:bodyPr spcFirstLastPara="1" wrap="square" lIns="91425" tIns="91425" rIns="91425" bIns="91425" anchor="ctr" anchorCtr="0">
+            <a:noAutofit/>
+          </a:bodyPr>
+          <a:lstStyle/>
+          <a:p>
+            <a:pPr marL="0" lvl="0" indent="0" rtl="0">
+              <a:spcBef>
+                <a:spcPts val="0"/>
+              </a:spcBef>
+              <a:spcAft>
+                <a:spcPts val="0"/>
+              </a:spcAft>
+              <a:buNone/>
+            </a:pPr>
+            <a:r>
+              <a:rPr lang="en" sz="2400">
+                <a:solidFill>
+                  <a:srgbClr val="FFFFFF"/>
+                </a:solidFill>
+              </a:rPr>
+              <a:t>https://github.com/spring-projects/spring-integration/blob/master/CONTRIBUTING.adoc</a:t>
+            </a:r>
+            <a:endParaRPr sz="2400">
+              <a:solidFill>
+                <a:srgbClr val="FFFFFF"/>
+              </a:solidFill>
+            </a:endParaRPr>
+          </a:p>
+        </p:txBody>
+      </p:sp>
+      <p:cxnSp>
+        <p:nvCxnSpPr>
+          <p:cNvPr id="214" name="Shape 214"/>
+          <p:cNvCxnSpPr>
+            <a:stCxn id="210" idx="3"/>
+            <a:endCxn id="211" idx="1"/>
+          </p:cNvCxnSpPr>
+          <p:nvPr/>
+        </p:nvCxnSpPr>
+        <p:spPr>
+          <a:xfrm>
+            <a:off x="2688675" y="2337975"/>
+            <a:ext cx="819300" cy="0"/>
+          </a:xfrm>
+          <a:prstGeom prst="straightConnector1">
+            <a:avLst/>
+          </a:prstGeom>
+          <a:noFill/>
+          <a:ln w="9525" cap="flat" cmpd="sng">
+            <a:solidFill>
+              <a:schemeClr val="dk2"/>
+            </a:solidFill>
+            <a:prstDash val="solid"/>
+            <a:round/>
+            <a:headEnd type="none" w="med" len="med"/>
+            <a:tailEnd type="triangle" w="med" len="med"/>
+          </a:ln>
+        </p:spPr>
+      </p:cxnSp>
+      <p:cxnSp>
+        <p:nvCxnSpPr>
+          <p:cNvPr id="215" name="Shape 215"/>
+          <p:cNvCxnSpPr>
+            <a:stCxn id="210" idx="3"/>
+            <a:endCxn id="211" idx="1"/>
+          </p:cNvCxnSpPr>
+          <p:nvPr/>
+        </p:nvCxnSpPr>
+        <p:spPr>
+          <a:xfrm>
+            <a:off x="2688675" y="2337975"/>
+            <a:ext cx="819300" cy="0"/>
+          </a:xfrm>
+          <a:prstGeom prst="straightConnector1">
+            <a:avLst/>
+          </a:prstGeom>
+          <a:noFill/>
+          <a:ln w="28575" cap="flat" cmpd="sng">
+            <a:solidFill>
+              <a:srgbClr val="FFFFFF"/>
+            </a:solidFill>
+            <a:prstDash val="solid"/>
+            <a:round/>
+            <a:headEnd type="none" w="med" len="med"/>
+            <a:tailEnd type="triangle" w="med" len="med"/>
+          </a:ln>
+        </p:spPr>
+      </p:cxnSp>
+      <p:cxnSp>
+        <p:nvCxnSpPr>
+          <p:cNvPr id="216" name="Shape 216"/>
+          <p:cNvCxnSpPr/>
+          <p:nvPr/>
+        </p:nvCxnSpPr>
+        <p:spPr>
+          <a:xfrm>
+            <a:off x="4832675" y="2337975"/>
+            <a:ext cx="819300" cy="0"/>
+          </a:xfrm>
+          <a:prstGeom prst="straightConnector1">
+            <a:avLst/>
+          </a:prstGeom>
+          <a:noFill/>
+          <a:ln w="28575" cap="flat" cmpd="sng">
+            <a:solidFill>
+              <a:srgbClr val="FFFFFF"/>
+            </a:solidFill>
+            <a:prstDash val="solid"/>
+            <a:round/>
+            <a:headEnd type="none" w="med" len="med"/>
+            <a:tailEnd type="triangle" w="med" len="med"/>
+          </a:ln>
+        </p:spPr>
+      </p:cxnSp>
     </p:spTree>
   </p:cSld>
   <p:clrMapOvr>
@@ -13531,7 +13800,7 @@
   <p:cSld>
     <p:spTree>
       <p:nvGrpSpPr>
-        <p:cNvPr id="1" name="Shape 233"/>
+        <p:cNvPr id="1" name="Shape 220"/>
         <p:cNvGrpSpPr/>
         <p:nvPr/>
       </p:nvGrpSpPr>
@@ -13545,7 +13814,7 @@
       </p:grpSpPr>
       <p:pic>
         <p:nvPicPr>
-          <p:cNvPr id="234" name="Shape 234"/>
+          <p:cNvPr id="221" name="Shape 221"/>
           <p:cNvPicPr preferRelativeResize="0"/>
           <p:nvPr/>
         </p:nvPicPr>
@@ -13572,7 +13841,2369 @@
       </p:pic>
       <p:sp>
         <p:nvSpPr>
+          <p:cNvPr id="222" name="Shape 222"/>
+          <p:cNvSpPr txBox="1">
+            <a:spLocks noGrp="1"/>
+          </p:cNvSpPr>
+          <p:nvPr>
+            <p:ph type="title"/>
+          </p:nvPr>
+        </p:nvSpPr>
+        <p:spPr>
+          <a:xfrm>
+            <a:off x="59225" y="56675"/>
+            <a:ext cx="8222100" cy="1012800"/>
+          </a:xfrm>
+          <a:prstGeom prst="rect">
+            <a:avLst/>
+          </a:prstGeom>
+        </p:spPr>
+        <p:txBody>
+          <a:bodyPr spcFirstLastPara="1" wrap="square" lIns="91425" tIns="91425" rIns="91425" bIns="91425" anchor="ctr" anchorCtr="0">
+            <a:noAutofit/>
+          </a:bodyPr>
+          <a:lstStyle/>
+          <a:p>
+            <a:pPr marL="0" lvl="0" indent="0" rtl="0">
+              <a:spcBef>
+                <a:spcPts val="0"/>
+              </a:spcBef>
+              <a:spcAft>
+                <a:spcPts val="0"/>
+              </a:spcAft>
+              <a:buNone/>
+            </a:pPr>
+            <a:r>
+              <a:rPr lang="en"/>
+              <a:t>Steps (Your Bug Fix)</a:t>
+            </a:r>
+            <a:endParaRPr/>
+          </a:p>
+        </p:txBody>
+      </p:sp>
+      <p:sp>
+        <p:nvSpPr>
+          <p:cNvPr id="223" name="Shape 223"/>
+          <p:cNvSpPr/>
+          <p:nvPr/>
+        </p:nvSpPr>
+        <p:spPr>
+          <a:xfrm>
+            <a:off x="590050" y="1377475"/>
+            <a:ext cx="1324800" cy="831300"/>
+          </a:xfrm>
+          <a:prstGeom prst="rect">
+            <a:avLst/>
+          </a:prstGeom>
+          <a:solidFill>
+            <a:srgbClr val="FFFFFF"/>
+          </a:solidFill>
+          <a:ln w="9525" cap="flat" cmpd="sng">
+            <a:solidFill>
+              <a:schemeClr val="dk2"/>
+            </a:solidFill>
+            <a:prstDash val="solid"/>
+            <a:round/>
+            <a:headEnd type="none" w="sm" len="sm"/>
+            <a:tailEnd type="none" w="sm" len="sm"/>
+          </a:ln>
+        </p:spPr>
+        <p:txBody>
+          <a:bodyPr spcFirstLastPara="1" wrap="square" lIns="91425" tIns="91425" rIns="91425" bIns="91425" anchor="ctr" anchorCtr="0">
+            <a:noAutofit/>
+          </a:bodyPr>
+          <a:lstStyle/>
+          <a:p>
+            <a:pPr marL="0" lvl="0" indent="0" algn="ctr" rtl="0">
+              <a:spcBef>
+                <a:spcPts val="0"/>
+              </a:spcBef>
+              <a:spcAft>
+                <a:spcPts val="0"/>
+              </a:spcAft>
+              <a:buNone/>
+            </a:pPr>
+            <a:r>
+              <a:rPr lang="en"/>
+              <a:t>Checkout topic branch</a:t>
+            </a:r>
+            <a:endParaRPr/>
+          </a:p>
+        </p:txBody>
+      </p:sp>
+      <p:sp>
+        <p:nvSpPr>
+          <p:cNvPr id="224" name="Shape 224"/>
+          <p:cNvSpPr/>
+          <p:nvPr/>
+        </p:nvSpPr>
+        <p:spPr>
+          <a:xfrm>
+            <a:off x="2267838" y="1377475"/>
+            <a:ext cx="1324800" cy="831300"/>
+          </a:xfrm>
+          <a:prstGeom prst="rect">
+            <a:avLst/>
+          </a:prstGeom>
+          <a:solidFill>
+            <a:srgbClr val="FFFFFF"/>
+          </a:solidFill>
+          <a:ln w="9525" cap="flat" cmpd="sng">
+            <a:solidFill>
+              <a:schemeClr val="dk2"/>
+            </a:solidFill>
+            <a:prstDash val="solid"/>
+            <a:round/>
+            <a:headEnd type="none" w="sm" len="sm"/>
+            <a:tailEnd type="none" w="sm" len="sm"/>
+          </a:ln>
+        </p:spPr>
+        <p:txBody>
+          <a:bodyPr spcFirstLastPara="1" wrap="square" lIns="91425" tIns="91425" rIns="91425" bIns="91425" anchor="ctr" anchorCtr="0">
+            <a:noAutofit/>
+          </a:bodyPr>
+          <a:lstStyle/>
+          <a:p>
+            <a:pPr marL="0" lvl="0" indent="0" algn="ctr" rtl="0">
+              <a:spcBef>
+                <a:spcPts val="0"/>
+              </a:spcBef>
+              <a:spcAft>
+                <a:spcPts val="0"/>
+              </a:spcAft>
+              <a:buNone/>
+            </a:pPr>
+            <a:r>
+              <a:rPr lang="en"/>
+              <a:t>Do your magic</a:t>
+            </a:r>
+            <a:endParaRPr/>
+          </a:p>
+        </p:txBody>
+      </p:sp>
+      <p:sp>
+        <p:nvSpPr>
+          <p:cNvPr id="225" name="Shape 225"/>
+          <p:cNvSpPr/>
+          <p:nvPr/>
+        </p:nvSpPr>
+        <p:spPr>
+          <a:xfrm>
+            <a:off x="3945625" y="1377475"/>
+            <a:ext cx="1324800" cy="831300"/>
+          </a:xfrm>
+          <a:prstGeom prst="rect">
+            <a:avLst/>
+          </a:prstGeom>
+          <a:solidFill>
+            <a:srgbClr val="FFFFFF"/>
+          </a:solidFill>
+          <a:ln w="9525" cap="flat" cmpd="sng">
+            <a:solidFill>
+              <a:schemeClr val="dk2"/>
+            </a:solidFill>
+            <a:prstDash val="solid"/>
+            <a:round/>
+            <a:headEnd type="none" w="sm" len="sm"/>
+            <a:tailEnd type="none" w="sm" len="sm"/>
+          </a:ln>
+        </p:spPr>
+        <p:txBody>
+          <a:bodyPr spcFirstLastPara="1" wrap="square" lIns="91425" tIns="91425" rIns="91425" bIns="91425" anchor="ctr" anchorCtr="0">
+            <a:noAutofit/>
+          </a:bodyPr>
+          <a:lstStyle/>
+          <a:p>
+            <a:pPr marL="0" lvl="0" indent="0" algn="ctr" rtl="0">
+              <a:spcBef>
+                <a:spcPts val="0"/>
+              </a:spcBef>
+              <a:spcAft>
+                <a:spcPts val="0"/>
+              </a:spcAft>
+              <a:buNone/>
+            </a:pPr>
+            <a:r>
+              <a:rPr lang="en"/>
+              <a:t>Commit with message</a:t>
+            </a:r>
+            <a:endParaRPr/>
+          </a:p>
+        </p:txBody>
+      </p:sp>
+      <p:sp>
+        <p:nvSpPr>
+          <p:cNvPr id="226" name="Shape 226"/>
+          <p:cNvSpPr/>
+          <p:nvPr/>
+        </p:nvSpPr>
+        <p:spPr>
+          <a:xfrm>
+            <a:off x="5587388" y="1377475"/>
+            <a:ext cx="1324800" cy="831300"/>
+          </a:xfrm>
+          <a:prstGeom prst="rect">
+            <a:avLst/>
+          </a:prstGeom>
+          <a:solidFill>
+            <a:srgbClr val="FFFFFF"/>
+          </a:solidFill>
+          <a:ln w="9525" cap="flat" cmpd="sng">
+            <a:solidFill>
+              <a:schemeClr val="dk2"/>
+            </a:solidFill>
+            <a:prstDash val="solid"/>
+            <a:round/>
+            <a:headEnd type="none" w="sm" len="sm"/>
+            <a:tailEnd type="none" w="sm" len="sm"/>
+          </a:ln>
+        </p:spPr>
+        <p:txBody>
+          <a:bodyPr spcFirstLastPara="1" wrap="square" lIns="91425" tIns="91425" rIns="91425" bIns="91425" anchor="ctr" anchorCtr="0">
+            <a:noAutofit/>
+          </a:bodyPr>
+          <a:lstStyle/>
+          <a:p>
+            <a:pPr marL="0" lvl="0" indent="0" algn="ctr" rtl="0">
+              <a:spcBef>
+                <a:spcPts val="0"/>
+              </a:spcBef>
+              <a:spcAft>
+                <a:spcPts val="0"/>
+              </a:spcAft>
+              <a:buNone/>
+            </a:pPr>
+            <a:r>
+              <a:rPr lang="en"/>
+              <a:t>Push to github</a:t>
+            </a:r>
+            <a:endParaRPr/>
+          </a:p>
+        </p:txBody>
+      </p:sp>
+      <p:sp>
+        <p:nvSpPr>
+          <p:cNvPr id="227" name="Shape 227"/>
+          <p:cNvSpPr/>
+          <p:nvPr/>
+        </p:nvSpPr>
+        <p:spPr>
+          <a:xfrm>
+            <a:off x="7229150" y="1377475"/>
+            <a:ext cx="1324800" cy="831300"/>
+          </a:xfrm>
+          <a:prstGeom prst="rect">
+            <a:avLst/>
+          </a:prstGeom>
+          <a:solidFill>
+            <a:srgbClr val="FFFFFF"/>
+          </a:solidFill>
+          <a:ln w="9525" cap="flat" cmpd="sng">
+            <a:solidFill>
+              <a:schemeClr val="dk2"/>
+            </a:solidFill>
+            <a:prstDash val="solid"/>
+            <a:round/>
+            <a:headEnd type="none" w="sm" len="sm"/>
+            <a:tailEnd type="none" w="sm" len="sm"/>
+          </a:ln>
+        </p:spPr>
+        <p:txBody>
+          <a:bodyPr spcFirstLastPara="1" wrap="square" lIns="91425" tIns="91425" rIns="91425" bIns="91425" anchor="ctr" anchorCtr="0">
+            <a:noAutofit/>
+          </a:bodyPr>
+          <a:lstStyle/>
+          <a:p>
+            <a:pPr marL="0" lvl="0" indent="0" algn="ctr" rtl="0">
+              <a:spcBef>
+                <a:spcPts val="0"/>
+              </a:spcBef>
+              <a:spcAft>
+                <a:spcPts val="0"/>
+              </a:spcAft>
+              <a:buNone/>
+            </a:pPr>
+            <a:r>
+              <a:rPr lang="en"/>
+              <a:t>Submit PR</a:t>
+            </a:r>
+            <a:endParaRPr/>
+          </a:p>
+        </p:txBody>
+      </p:sp>
+      <p:cxnSp>
+        <p:nvCxnSpPr>
+          <p:cNvPr id="228" name="Shape 228"/>
+          <p:cNvCxnSpPr>
+            <a:endCxn id="224" idx="1"/>
+          </p:cNvCxnSpPr>
+          <p:nvPr/>
+        </p:nvCxnSpPr>
+        <p:spPr>
+          <a:xfrm>
+            <a:off x="1914738" y="1793125"/>
+            <a:ext cx="353100" cy="0"/>
+          </a:xfrm>
+          <a:prstGeom prst="straightConnector1">
+            <a:avLst/>
+          </a:prstGeom>
+          <a:noFill/>
+          <a:ln w="28575" cap="flat" cmpd="sng">
+            <a:solidFill>
+              <a:srgbClr val="FFFFFF"/>
+            </a:solidFill>
+            <a:prstDash val="solid"/>
+            <a:round/>
+            <a:headEnd type="none" w="med" len="med"/>
+            <a:tailEnd type="triangle" w="med" len="med"/>
+          </a:ln>
+        </p:spPr>
+      </p:cxnSp>
+      <p:cxnSp>
+        <p:nvCxnSpPr>
+          <p:cNvPr id="229" name="Shape 229"/>
+          <p:cNvCxnSpPr/>
+          <p:nvPr/>
+        </p:nvCxnSpPr>
+        <p:spPr>
+          <a:xfrm>
+            <a:off x="3574563" y="1793125"/>
+            <a:ext cx="353100" cy="0"/>
+          </a:xfrm>
+          <a:prstGeom prst="straightConnector1">
+            <a:avLst/>
+          </a:prstGeom>
+          <a:noFill/>
+          <a:ln w="28575" cap="flat" cmpd="sng">
+            <a:solidFill>
+              <a:srgbClr val="FFFFFF"/>
+            </a:solidFill>
+            <a:prstDash val="solid"/>
+            <a:round/>
+            <a:headEnd type="none" w="med" len="med"/>
+            <a:tailEnd type="triangle" w="med" len="med"/>
+          </a:ln>
+        </p:spPr>
+      </p:cxnSp>
+      <p:cxnSp>
+        <p:nvCxnSpPr>
+          <p:cNvPr id="230" name="Shape 230"/>
+          <p:cNvCxnSpPr/>
+          <p:nvPr/>
+        </p:nvCxnSpPr>
+        <p:spPr>
+          <a:xfrm>
+            <a:off x="5234338" y="1793125"/>
+            <a:ext cx="353100" cy="0"/>
+          </a:xfrm>
+          <a:prstGeom prst="straightConnector1">
+            <a:avLst/>
+          </a:prstGeom>
+          <a:noFill/>
+          <a:ln w="28575" cap="flat" cmpd="sng">
+            <a:solidFill>
+              <a:srgbClr val="FFFFFF"/>
+            </a:solidFill>
+            <a:prstDash val="solid"/>
+            <a:round/>
+            <a:headEnd type="none" w="med" len="med"/>
+            <a:tailEnd type="triangle" w="med" len="med"/>
+          </a:ln>
+        </p:spPr>
+      </p:cxnSp>
+      <p:cxnSp>
+        <p:nvCxnSpPr>
+          <p:cNvPr id="231" name="Shape 231"/>
+          <p:cNvCxnSpPr/>
+          <p:nvPr/>
+        </p:nvCxnSpPr>
+        <p:spPr>
+          <a:xfrm>
+            <a:off x="6912188" y="1793125"/>
+            <a:ext cx="353100" cy="0"/>
+          </a:xfrm>
+          <a:prstGeom prst="straightConnector1">
+            <a:avLst/>
+          </a:prstGeom>
+          <a:noFill/>
+          <a:ln w="28575" cap="flat" cmpd="sng">
+            <a:solidFill>
+              <a:srgbClr val="FFFFFF"/>
+            </a:solidFill>
+            <a:prstDash val="solid"/>
+            <a:round/>
+            <a:headEnd type="none" w="med" len="med"/>
+            <a:tailEnd type="triangle" w="med" len="med"/>
+          </a:ln>
+        </p:spPr>
+      </p:cxnSp>
+      <p:sp>
+        <p:nvSpPr>
+          <p:cNvPr id="232" name="Shape 232"/>
+          <p:cNvSpPr/>
+          <p:nvPr/>
+        </p:nvSpPr>
+        <p:spPr>
+          <a:xfrm>
+            <a:off x="5587400" y="2762275"/>
+            <a:ext cx="1324800" cy="831300"/>
+          </a:xfrm>
+          <a:prstGeom prst="rect">
+            <a:avLst/>
+          </a:prstGeom>
+          <a:solidFill>
+            <a:srgbClr val="6D9EEB"/>
+          </a:solidFill>
+          <a:ln w="9525" cap="flat" cmpd="sng">
+            <a:solidFill>
+              <a:schemeClr val="dk2"/>
+            </a:solidFill>
+            <a:prstDash val="solid"/>
+            <a:round/>
+            <a:headEnd type="none" w="sm" len="sm"/>
+            <a:tailEnd type="none" w="sm" len="sm"/>
+          </a:ln>
+        </p:spPr>
+        <p:txBody>
+          <a:bodyPr spcFirstLastPara="1" wrap="square" lIns="91425" tIns="91425" rIns="91425" bIns="91425" anchor="ctr" anchorCtr="0">
+            <a:noAutofit/>
+          </a:bodyPr>
+          <a:lstStyle/>
+          <a:p>
+            <a:pPr marL="0" lvl="0" indent="0" algn="ctr" rtl="0">
+              <a:spcBef>
+                <a:spcPts val="0"/>
+              </a:spcBef>
+              <a:spcAft>
+                <a:spcPts val="0"/>
+              </a:spcAft>
+              <a:buNone/>
+            </a:pPr>
+            <a:r>
+              <a:rPr lang="en"/>
+              <a:t>Review</a:t>
+            </a:r>
+            <a:endParaRPr/>
+          </a:p>
+        </p:txBody>
+      </p:sp>
+      <p:cxnSp>
+        <p:nvCxnSpPr>
+          <p:cNvPr id="233" name="Shape 233"/>
+          <p:cNvCxnSpPr>
+            <a:stCxn id="227" idx="2"/>
+            <a:endCxn id="232" idx="3"/>
+          </p:cNvCxnSpPr>
+          <p:nvPr/>
+        </p:nvCxnSpPr>
+        <p:spPr>
+          <a:xfrm rot="5400000">
+            <a:off x="6917300" y="2203825"/>
+            <a:ext cx="969300" cy="979200"/>
+          </a:xfrm>
+          <a:prstGeom prst="bentConnector2">
+            <a:avLst/>
+          </a:prstGeom>
+          <a:noFill/>
+          <a:ln w="28575" cap="flat" cmpd="sng">
+            <a:solidFill>
+              <a:srgbClr val="FFFFFF"/>
+            </a:solidFill>
+            <a:prstDash val="solid"/>
+            <a:round/>
+            <a:headEnd type="none" w="med" len="med"/>
+            <a:tailEnd type="triangle" w="med" len="med"/>
+          </a:ln>
+        </p:spPr>
+      </p:cxnSp>
+      <p:sp>
+        <p:nvSpPr>
+          <p:cNvPr id="234" name="Shape 234"/>
+          <p:cNvSpPr/>
+          <p:nvPr/>
+        </p:nvSpPr>
+        <p:spPr>
+          <a:xfrm>
+            <a:off x="2267850" y="2762275"/>
+            <a:ext cx="1324800" cy="831300"/>
+          </a:xfrm>
+          <a:prstGeom prst="rect">
+            <a:avLst/>
+          </a:prstGeom>
+          <a:solidFill>
+            <a:srgbClr val="6D9EEB"/>
+          </a:solidFill>
+          <a:ln w="9525" cap="flat" cmpd="sng">
+            <a:solidFill>
+              <a:schemeClr val="dk2"/>
+            </a:solidFill>
+            <a:prstDash val="solid"/>
+            <a:round/>
+            <a:headEnd type="none" w="sm" len="sm"/>
+            <a:tailEnd type="none" w="sm" len="sm"/>
+          </a:ln>
+        </p:spPr>
+        <p:txBody>
+          <a:bodyPr spcFirstLastPara="1" wrap="square" lIns="91425" tIns="91425" rIns="91425" bIns="91425" anchor="ctr" anchorCtr="0">
+            <a:noAutofit/>
+          </a:bodyPr>
+          <a:lstStyle/>
+          <a:p>
+            <a:pPr marL="0" lvl="0" indent="0" algn="ctr" rtl="0">
+              <a:spcBef>
+                <a:spcPts val="0"/>
+              </a:spcBef>
+              <a:spcAft>
+                <a:spcPts val="0"/>
+              </a:spcAft>
+              <a:buNone/>
+            </a:pPr>
+            <a:r>
+              <a:rPr lang="en"/>
+              <a:t>Request changes</a:t>
+            </a:r>
+            <a:endParaRPr/>
+          </a:p>
+        </p:txBody>
+      </p:sp>
+      <p:cxnSp>
+        <p:nvCxnSpPr>
           <p:cNvPr id="235" name="Shape 235"/>
+          <p:cNvCxnSpPr>
+            <a:stCxn id="232" idx="1"/>
+            <a:endCxn id="234" idx="3"/>
+          </p:cNvCxnSpPr>
+          <p:nvPr/>
+        </p:nvCxnSpPr>
+        <p:spPr>
+          <a:xfrm rot="10800000">
+            <a:off x="3592700" y="3177925"/>
+            <a:ext cx="1994700" cy="0"/>
+          </a:xfrm>
+          <a:prstGeom prst="straightConnector1">
+            <a:avLst/>
+          </a:prstGeom>
+          <a:noFill/>
+          <a:ln w="28575" cap="flat" cmpd="sng">
+            <a:solidFill>
+              <a:srgbClr val="FFFFFF"/>
+            </a:solidFill>
+            <a:prstDash val="solid"/>
+            <a:round/>
+            <a:headEnd type="none" w="med" len="med"/>
+            <a:tailEnd type="triangle" w="med" len="med"/>
+          </a:ln>
+        </p:spPr>
+      </p:cxnSp>
+      <p:sp>
+        <p:nvSpPr>
+          <p:cNvPr id="236" name="Shape 236"/>
+          <p:cNvSpPr/>
+          <p:nvPr/>
+        </p:nvSpPr>
+        <p:spPr>
+          <a:xfrm>
+            <a:off x="3865725" y="3954500"/>
+            <a:ext cx="1324800" cy="831300"/>
+          </a:xfrm>
+          <a:prstGeom prst="rect">
+            <a:avLst/>
+          </a:prstGeom>
+          <a:solidFill>
+            <a:srgbClr val="6D9EEB"/>
+          </a:solidFill>
+          <a:ln w="9525" cap="flat" cmpd="sng">
+            <a:solidFill>
+              <a:schemeClr val="dk2"/>
+            </a:solidFill>
+            <a:prstDash val="solid"/>
+            <a:round/>
+            <a:headEnd type="none" w="sm" len="sm"/>
+            <a:tailEnd type="none" w="sm" len="sm"/>
+          </a:ln>
+        </p:spPr>
+        <p:txBody>
+          <a:bodyPr spcFirstLastPara="1" wrap="square" lIns="91425" tIns="91425" rIns="91425" bIns="91425" anchor="ctr" anchorCtr="0">
+            <a:noAutofit/>
+          </a:bodyPr>
+          <a:lstStyle/>
+          <a:p>
+            <a:pPr marL="0" lvl="0" indent="0" algn="ctr" rtl="0">
+              <a:spcBef>
+                <a:spcPts val="0"/>
+              </a:spcBef>
+              <a:spcAft>
+                <a:spcPts val="0"/>
+              </a:spcAft>
+              <a:buNone/>
+            </a:pPr>
+            <a:r>
+              <a:rPr lang="en"/>
+              <a:t>Merge PR</a:t>
+            </a:r>
+            <a:endParaRPr/>
+          </a:p>
+        </p:txBody>
+      </p:sp>
+      <p:cxnSp>
+        <p:nvCxnSpPr>
+          <p:cNvPr id="237" name="Shape 237"/>
+          <p:cNvCxnSpPr>
+            <a:stCxn id="232" idx="1"/>
+            <a:endCxn id="236" idx="0"/>
+          </p:cNvCxnSpPr>
+          <p:nvPr/>
+        </p:nvCxnSpPr>
+        <p:spPr>
+          <a:xfrm flipH="1">
+            <a:off x="4528100" y="3177925"/>
+            <a:ext cx="1059300" cy="776700"/>
+          </a:xfrm>
+          <a:prstGeom prst="bentConnector2">
+            <a:avLst/>
+          </a:prstGeom>
+          <a:noFill/>
+          <a:ln w="28575" cap="flat" cmpd="sng">
+            <a:solidFill>
+              <a:srgbClr val="FFFFFF"/>
+            </a:solidFill>
+            <a:prstDash val="solid"/>
+            <a:round/>
+            <a:headEnd type="none" w="med" len="med"/>
+            <a:tailEnd type="triangle" w="med" len="med"/>
+          </a:ln>
+        </p:spPr>
+      </p:cxnSp>
+      <p:cxnSp>
+        <p:nvCxnSpPr>
+          <p:cNvPr id="238" name="Shape 238"/>
+          <p:cNvCxnSpPr>
+            <a:stCxn id="234" idx="0"/>
+            <a:endCxn id="224" idx="2"/>
+          </p:cNvCxnSpPr>
+          <p:nvPr/>
+        </p:nvCxnSpPr>
+        <p:spPr>
+          <a:xfrm rot="10800000">
+            <a:off x="2930250" y="2208775"/>
+            <a:ext cx="0" cy="553500"/>
+          </a:xfrm>
+          <a:prstGeom prst="straightConnector1">
+            <a:avLst/>
+          </a:prstGeom>
+          <a:noFill/>
+          <a:ln w="28575" cap="flat" cmpd="sng">
+            <a:solidFill>
+              <a:srgbClr val="FFFFFF"/>
+            </a:solidFill>
+            <a:prstDash val="solid"/>
+            <a:round/>
+            <a:headEnd type="none" w="med" len="med"/>
+            <a:tailEnd type="triangle" w="med" len="med"/>
+          </a:ln>
+        </p:spPr>
+      </p:cxnSp>
+    </p:spTree>
+  </p:cSld>
+  <p:clrMapOvr>
+    <a:masterClrMapping/>
+  </p:clrMapOvr>
+</p:sld>
+</file>
+
+<file path=ppt/slides/slide22.xml><?xml version="1.0" encoding="utf-8"?>
+<p:sld xmlns:a="http://schemas.openxmlformats.org/drawingml/2006/main" xmlns:r="http://schemas.openxmlformats.org/officeDocument/2006/relationships" xmlns:p="http://schemas.openxmlformats.org/presentationml/2006/main">
+  <p:cSld>
+    <p:spTree>
+      <p:nvGrpSpPr>
+        <p:cNvPr id="1" name="Shape 242"/>
+        <p:cNvGrpSpPr/>
+        <p:nvPr/>
+      </p:nvGrpSpPr>
+      <p:grpSpPr>
+        <a:xfrm>
+          <a:off x="0" y="0"/>
+          <a:ext cx="0" cy="0"/>
+          <a:chOff x="0" y="0"/>
+          <a:chExt cx="0" cy="0"/>
+        </a:xfrm>
+      </p:grpSpPr>
+      <p:pic>
+        <p:nvPicPr>
+          <p:cNvPr id="243" name="Shape 243"/>
+          <p:cNvPicPr preferRelativeResize="0"/>
+          <p:nvPr/>
+        </p:nvPicPr>
+        <p:blipFill rotWithShape="1">
+          <a:blip r:embed="rId3">
+            <a:alphaModFix/>
+          </a:blip>
+          <a:srcRect l="7783"/>
+          <a:stretch/>
+        </p:blipFill>
+        <p:spPr>
+          <a:xfrm>
+            <a:off x="150" y="0"/>
+            <a:ext cx="9144000" cy="5143500"/>
+          </a:xfrm>
+          <a:prstGeom prst="rect">
+            <a:avLst/>
+          </a:prstGeom>
+          <a:noFill/>
+          <a:ln>
+            <a:noFill/>
+          </a:ln>
+        </p:spPr>
+      </p:pic>
+      <p:sp>
+        <p:nvSpPr>
+          <p:cNvPr id="244" name="Shape 244"/>
+          <p:cNvSpPr txBox="1">
+            <a:spLocks noGrp="1"/>
+          </p:cNvSpPr>
+          <p:nvPr>
+            <p:ph type="title"/>
+          </p:nvPr>
+        </p:nvSpPr>
+        <p:spPr>
+          <a:xfrm>
+            <a:off x="59225" y="56675"/>
+            <a:ext cx="8222100" cy="1012800"/>
+          </a:xfrm>
+          <a:prstGeom prst="rect">
+            <a:avLst/>
+          </a:prstGeom>
+        </p:spPr>
+        <p:txBody>
+          <a:bodyPr spcFirstLastPara="1" wrap="square" lIns="91425" tIns="91425" rIns="91425" bIns="91425" anchor="ctr" anchorCtr="0">
+            <a:noAutofit/>
+          </a:bodyPr>
+          <a:lstStyle/>
+          <a:p>
+            <a:pPr marL="0" lvl="0" indent="0" rtl="0">
+              <a:spcBef>
+                <a:spcPts val="0"/>
+              </a:spcBef>
+              <a:spcAft>
+                <a:spcPts val="0"/>
+              </a:spcAft>
+              <a:buNone/>
+            </a:pPr>
+            <a:r>
+              <a:rPr lang="en"/>
+              <a:t>Notes about commit messages</a:t>
+            </a:r>
+            <a:endParaRPr/>
+          </a:p>
+        </p:txBody>
+      </p:sp>
+      <p:sp>
+        <p:nvSpPr>
+          <p:cNvPr id="245" name="Shape 245"/>
+          <p:cNvSpPr/>
+          <p:nvPr/>
+        </p:nvSpPr>
+        <p:spPr>
+          <a:xfrm>
+            <a:off x="590050" y="1377475"/>
+            <a:ext cx="1324800" cy="831300"/>
+          </a:xfrm>
+          <a:prstGeom prst="rect">
+            <a:avLst/>
+          </a:prstGeom>
+          <a:solidFill>
+            <a:srgbClr val="434343"/>
+          </a:solidFill>
+          <a:ln w="9525" cap="flat" cmpd="sng">
+            <a:solidFill>
+              <a:schemeClr val="dk2"/>
+            </a:solidFill>
+            <a:prstDash val="solid"/>
+            <a:round/>
+            <a:headEnd type="none" w="sm" len="sm"/>
+            <a:tailEnd type="none" w="sm" len="sm"/>
+          </a:ln>
+          <a:effectLst>
+            <a:outerShdw blurRad="57150" dist="19050" dir="5400000" algn="bl" rotWithShape="0">
+              <a:srgbClr val="000000">
+                <a:alpha val="50000"/>
+              </a:srgbClr>
+            </a:outerShdw>
+          </a:effectLst>
+        </p:spPr>
+        <p:txBody>
+          <a:bodyPr spcFirstLastPara="1" wrap="square" lIns="91425" tIns="91425" rIns="91425" bIns="91425" anchor="ctr" anchorCtr="0">
+            <a:noAutofit/>
+          </a:bodyPr>
+          <a:lstStyle/>
+          <a:p>
+            <a:pPr marL="0" lvl="0" indent="0" algn="ctr" rtl="0">
+              <a:spcBef>
+                <a:spcPts val="0"/>
+              </a:spcBef>
+              <a:spcAft>
+                <a:spcPts val="0"/>
+              </a:spcAft>
+              <a:buNone/>
+            </a:pPr>
+            <a:r>
+              <a:rPr lang="en"/>
+              <a:t>Checkout topic branch</a:t>
+            </a:r>
+            <a:endParaRPr/>
+          </a:p>
+        </p:txBody>
+      </p:sp>
+      <p:sp>
+        <p:nvSpPr>
+          <p:cNvPr id="246" name="Shape 246"/>
+          <p:cNvSpPr/>
+          <p:nvPr/>
+        </p:nvSpPr>
+        <p:spPr>
+          <a:xfrm>
+            <a:off x="2267838" y="1377475"/>
+            <a:ext cx="1324800" cy="831300"/>
+          </a:xfrm>
+          <a:prstGeom prst="rect">
+            <a:avLst/>
+          </a:prstGeom>
+          <a:solidFill>
+            <a:srgbClr val="434343"/>
+          </a:solidFill>
+          <a:ln w="9525" cap="flat" cmpd="sng">
+            <a:solidFill>
+              <a:schemeClr val="dk2"/>
+            </a:solidFill>
+            <a:prstDash val="solid"/>
+            <a:round/>
+            <a:headEnd type="none" w="sm" len="sm"/>
+            <a:tailEnd type="none" w="sm" len="sm"/>
+          </a:ln>
+          <a:effectLst>
+            <a:outerShdw blurRad="57150" dist="19050" dir="5400000" algn="bl" rotWithShape="0">
+              <a:srgbClr val="000000">
+                <a:alpha val="50000"/>
+              </a:srgbClr>
+            </a:outerShdw>
+          </a:effectLst>
+        </p:spPr>
+        <p:txBody>
+          <a:bodyPr spcFirstLastPara="1" wrap="square" lIns="91425" tIns="91425" rIns="91425" bIns="91425" anchor="ctr" anchorCtr="0">
+            <a:noAutofit/>
+          </a:bodyPr>
+          <a:lstStyle/>
+          <a:p>
+            <a:pPr marL="0" lvl="0" indent="0" algn="ctr" rtl="0">
+              <a:spcBef>
+                <a:spcPts val="0"/>
+              </a:spcBef>
+              <a:spcAft>
+                <a:spcPts val="0"/>
+              </a:spcAft>
+              <a:buNone/>
+            </a:pPr>
+            <a:r>
+              <a:rPr lang="en"/>
+              <a:t>Do your magic</a:t>
+            </a:r>
+            <a:endParaRPr/>
+          </a:p>
+        </p:txBody>
+      </p:sp>
+      <p:sp>
+        <p:nvSpPr>
+          <p:cNvPr id="247" name="Shape 247"/>
+          <p:cNvSpPr/>
+          <p:nvPr/>
+        </p:nvSpPr>
+        <p:spPr>
+          <a:xfrm>
+            <a:off x="5587388" y="1377475"/>
+            <a:ext cx="1324800" cy="831300"/>
+          </a:xfrm>
+          <a:prstGeom prst="rect">
+            <a:avLst/>
+          </a:prstGeom>
+          <a:solidFill>
+            <a:srgbClr val="434343"/>
+          </a:solidFill>
+          <a:ln w="9525" cap="flat" cmpd="sng">
+            <a:solidFill>
+              <a:schemeClr val="dk2"/>
+            </a:solidFill>
+            <a:prstDash val="solid"/>
+            <a:round/>
+            <a:headEnd type="none" w="sm" len="sm"/>
+            <a:tailEnd type="none" w="sm" len="sm"/>
+          </a:ln>
+          <a:effectLst>
+            <a:outerShdw blurRad="57150" dist="19050" dir="5400000" algn="bl" rotWithShape="0">
+              <a:srgbClr val="000000">
+                <a:alpha val="50000"/>
+              </a:srgbClr>
+            </a:outerShdw>
+          </a:effectLst>
+        </p:spPr>
+        <p:txBody>
+          <a:bodyPr spcFirstLastPara="1" wrap="square" lIns="91425" tIns="91425" rIns="91425" bIns="91425" anchor="ctr" anchorCtr="0">
+            <a:noAutofit/>
+          </a:bodyPr>
+          <a:lstStyle/>
+          <a:p>
+            <a:pPr marL="0" lvl="0" indent="0" algn="ctr" rtl="0">
+              <a:spcBef>
+                <a:spcPts val="0"/>
+              </a:spcBef>
+              <a:spcAft>
+                <a:spcPts val="0"/>
+              </a:spcAft>
+              <a:buNone/>
+            </a:pPr>
+            <a:r>
+              <a:rPr lang="en"/>
+              <a:t>Push to github</a:t>
+            </a:r>
+            <a:endParaRPr/>
+          </a:p>
+        </p:txBody>
+      </p:sp>
+      <p:sp>
+        <p:nvSpPr>
+          <p:cNvPr id="248" name="Shape 248"/>
+          <p:cNvSpPr/>
+          <p:nvPr/>
+        </p:nvSpPr>
+        <p:spPr>
+          <a:xfrm>
+            <a:off x="7229150" y="1377475"/>
+            <a:ext cx="1324800" cy="831300"/>
+          </a:xfrm>
+          <a:prstGeom prst="rect">
+            <a:avLst/>
+          </a:prstGeom>
+          <a:solidFill>
+            <a:srgbClr val="434343"/>
+          </a:solidFill>
+          <a:ln w="9525" cap="flat" cmpd="sng">
+            <a:solidFill>
+              <a:schemeClr val="dk2"/>
+            </a:solidFill>
+            <a:prstDash val="solid"/>
+            <a:round/>
+            <a:headEnd type="none" w="sm" len="sm"/>
+            <a:tailEnd type="none" w="sm" len="sm"/>
+          </a:ln>
+          <a:effectLst>
+            <a:outerShdw blurRad="57150" dist="19050" dir="5400000" algn="bl" rotWithShape="0">
+              <a:srgbClr val="000000">
+                <a:alpha val="50000"/>
+              </a:srgbClr>
+            </a:outerShdw>
+          </a:effectLst>
+        </p:spPr>
+        <p:txBody>
+          <a:bodyPr spcFirstLastPara="1" wrap="square" lIns="91425" tIns="91425" rIns="91425" bIns="91425" anchor="ctr" anchorCtr="0">
+            <a:noAutofit/>
+          </a:bodyPr>
+          <a:lstStyle/>
+          <a:p>
+            <a:pPr marL="0" lvl="0" indent="0" algn="ctr" rtl="0">
+              <a:spcBef>
+                <a:spcPts val="0"/>
+              </a:spcBef>
+              <a:spcAft>
+                <a:spcPts val="0"/>
+              </a:spcAft>
+              <a:buNone/>
+            </a:pPr>
+            <a:r>
+              <a:rPr lang="en"/>
+              <a:t>Submit PR</a:t>
+            </a:r>
+            <a:endParaRPr/>
+          </a:p>
+        </p:txBody>
+      </p:sp>
+      <p:cxnSp>
+        <p:nvCxnSpPr>
+          <p:cNvPr id="249" name="Shape 249"/>
+          <p:cNvCxnSpPr>
+            <a:endCxn id="246" idx="1"/>
+          </p:cNvCxnSpPr>
+          <p:nvPr/>
+        </p:nvCxnSpPr>
+        <p:spPr>
+          <a:xfrm>
+            <a:off x="1914738" y="1793125"/>
+            <a:ext cx="353100" cy="0"/>
+          </a:xfrm>
+          <a:prstGeom prst="straightConnector1">
+            <a:avLst/>
+          </a:prstGeom>
+          <a:noFill/>
+          <a:ln w="28575" cap="flat" cmpd="sng">
+            <a:solidFill>
+              <a:srgbClr val="666666"/>
+            </a:solidFill>
+            <a:prstDash val="solid"/>
+            <a:round/>
+            <a:headEnd type="none" w="med" len="med"/>
+            <a:tailEnd type="triangle" w="med" len="med"/>
+          </a:ln>
+          <a:effectLst>
+            <a:outerShdw blurRad="57150" dist="19050" dir="5400000" algn="bl" rotWithShape="0">
+              <a:srgbClr val="000000">
+                <a:alpha val="50000"/>
+              </a:srgbClr>
+            </a:outerShdw>
+          </a:effectLst>
+        </p:spPr>
+      </p:cxnSp>
+      <p:cxnSp>
+        <p:nvCxnSpPr>
+          <p:cNvPr id="250" name="Shape 250"/>
+          <p:cNvCxnSpPr/>
+          <p:nvPr/>
+        </p:nvCxnSpPr>
+        <p:spPr>
+          <a:xfrm>
+            <a:off x="3574563" y="1793125"/>
+            <a:ext cx="353100" cy="0"/>
+          </a:xfrm>
+          <a:prstGeom prst="straightConnector1">
+            <a:avLst/>
+          </a:prstGeom>
+          <a:noFill/>
+          <a:ln w="28575" cap="flat" cmpd="sng">
+            <a:solidFill>
+              <a:srgbClr val="666666"/>
+            </a:solidFill>
+            <a:prstDash val="solid"/>
+            <a:round/>
+            <a:headEnd type="none" w="med" len="med"/>
+            <a:tailEnd type="triangle" w="med" len="med"/>
+          </a:ln>
+          <a:effectLst>
+            <a:outerShdw blurRad="57150" dist="19050" dir="5400000" algn="bl" rotWithShape="0">
+              <a:srgbClr val="000000">
+                <a:alpha val="50000"/>
+              </a:srgbClr>
+            </a:outerShdw>
+          </a:effectLst>
+        </p:spPr>
+      </p:cxnSp>
+      <p:cxnSp>
+        <p:nvCxnSpPr>
+          <p:cNvPr id="251" name="Shape 251"/>
+          <p:cNvCxnSpPr/>
+          <p:nvPr/>
+        </p:nvCxnSpPr>
+        <p:spPr>
+          <a:xfrm>
+            <a:off x="5234338" y="1793125"/>
+            <a:ext cx="353100" cy="0"/>
+          </a:xfrm>
+          <a:prstGeom prst="straightConnector1">
+            <a:avLst/>
+          </a:prstGeom>
+          <a:noFill/>
+          <a:ln w="28575" cap="flat" cmpd="sng">
+            <a:solidFill>
+              <a:srgbClr val="666666"/>
+            </a:solidFill>
+            <a:prstDash val="solid"/>
+            <a:round/>
+            <a:headEnd type="none" w="med" len="med"/>
+            <a:tailEnd type="triangle" w="med" len="med"/>
+          </a:ln>
+          <a:effectLst>
+            <a:outerShdw blurRad="57150" dist="19050" dir="5400000" algn="bl" rotWithShape="0">
+              <a:srgbClr val="000000">
+                <a:alpha val="50000"/>
+              </a:srgbClr>
+            </a:outerShdw>
+          </a:effectLst>
+        </p:spPr>
+      </p:cxnSp>
+      <p:cxnSp>
+        <p:nvCxnSpPr>
+          <p:cNvPr id="252" name="Shape 252"/>
+          <p:cNvCxnSpPr/>
+          <p:nvPr/>
+        </p:nvCxnSpPr>
+        <p:spPr>
+          <a:xfrm>
+            <a:off x="6912188" y="1793125"/>
+            <a:ext cx="353100" cy="0"/>
+          </a:xfrm>
+          <a:prstGeom prst="straightConnector1">
+            <a:avLst/>
+          </a:prstGeom>
+          <a:noFill/>
+          <a:ln w="28575" cap="flat" cmpd="sng">
+            <a:solidFill>
+              <a:srgbClr val="666666"/>
+            </a:solidFill>
+            <a:prstDash val="solid"/>
+            <a:round/>
+            <a:headEnd type="none" w="med" len="med"/>
+            <a:tailEnd type="triangle" w="med" len="med"/>
+          </a:ln>
+          <a:effectLst>
+            <a:outerShdw blurRad="57150" dist="19050" dir="5400000" algn="bl" rotWithShape="0">
+              <a:srgbClr val="000000">
+                <a:alpha val="50000"/>
+              </a:srgbClr>
+            </a:outerShdw>
+          </a:effectLst>
+        </p:spPr>
+      </p:cxnSp>
+      <p:sp>
+        <p:nvSpPr>
+          <p:cNvPr id="253" name="Shape 253"/>
+          <p:cNvSpPr/>
+          <p:nvPr/>
+        </p:nvSpPr>
+        <p:spPr>
+          <a:xfrm>
+            <a:off x="5587400" y="2762275"/>
+            <a:ext cx="1324800" cy="831300"/>
+          </a:xfrm>
+          <a:prstGeom prst="rect">
+            <a:avLst/>
+          </a:prstGeom>
+          <a:solidFill>
+            <a:srgbClr val="434343"/>
+          </a:solidFill>
+          <a:ln w="9525" cap="flat" cmpd="sng">
+            <a:solidFill>
+              <a:schemeClr val="dk2"/>
+            </a:solidFill>
+            <a:prstDash val="solid"/>
+            <a:round/>
+            <a:headEnd type="none" w="sm" len="sm"/>
+            <a:tailEnd type="none" w="sm" len="sm"/>
+          </a:ln>
+          <a:effectLst>
+            <a:outerShdw blurRad="57150" dist="19050" dir="5400000" algn="bl" rotWithShape="0">
+              <a:srgbClr val="000000">
+                <a:alpha val="50000"/>
+              </a:srgbClr>
+            </a:outerShdw>
+          </a:effectLst>
+        </p:spPr>
+        <p:txBody>
+          <a:bodyPr spcFirstLastPara="1" wrap="square" lIns="91425" tIns="91425" rIns="91425" bIns="91425" anchor="ctr" anchorCtr="0">
+            <a:noAutofit/>
+          </a:bodyPr>
+          <a:lstStyle/>
+          <a:p>
+            <a:pPr marL="0" lvl="0" indent="0" algn="ctr" rtl="0">
+              <a:spcBef>
+                <a:spcPts val="0"/>
+              </a:spcBef>
+              <a:spcAft>
+                <a:spcPts val="0"/>
+              </a:spcAft>
+              <a:buNone/>
+            </a:pPr>
+            <a:r>
+              <a:rPr lang="en"/>
+              <a:t>Review</a:t>
+            </a:r>
+            <a:endParaRPr/>
+          </a:p>
+        </p:txBody>
+      </p:sp>
+      <p:cxnSp>
+        <p:nvCxnSpPr>
+          <p:cNvPr id="254" name="Shape 254"/>
+          <p:cNvCxnSpPr>
+            <a:stCxn id="248" idx="2"/>
+            <a:endCxn id="253" idx="3"/>
+          </p:cNvCxnSpPr>
+          <p:nvPr/>
+        </p:nvCxnSpPr>
+        <p:spPr>
+          <a:xfrm rot="5400000">
+            <a:off x="6917300" y="2203825"/>
+            <a:ext cx="969300" cy="979200"/>
+          </a:xfrm>
+          <a:prstGeom prst="bentConnector2">
+            <a:avLst/>
+          </a:prstGeom>
+          <a:noFill/>
+          <a:ln w="28575" cap="flat" cmpd="sng">
+            <a:solidFill>
+              <a:srgbClr val="666666"/>
+            </a:solidFill>
+            <a:prstDash val="solid"/>
+            <a:round/>
+            <a:headEnd type="none" w="med" len="med"/>
+            <a:tailEnd type="triangle" w="med" len="med"/>
+          </a:ln>
+          <a:effectLst>
+            <a:outerShdw blurRad="57150" dist="19050" dir="5400000" algn="bl" rotWithShape="0">
+              <a:srgbClr val="000000">
+                <a:alpha val="50000"/>
+              </a:srgbClr>
+            </a:outerShdw>
+          </a:effectLst>
+        </p:spPr>
+      </p:cxnSp>
+      <p:sp>
+        <p:nvSpPr>
+          <p:cNvPr id="255" name="Shape 255"/>
+          <p:cNvSpPr/>
+          <p:nvPr/>
+        </p:nvSpPr>
+        <p:spPr>
+          <a:xfrm>
+            <a:off x="2267850" y="2762275"/>
+            <a:ext cx="1324800" cy="831300"/>
+          </a:xfrm>
+          <a:prstGeom prst="rect">
+            <a:avLst/>
+          </a:prstGeom>
+          <a:solidFill>
+            <a:srgbClr val="434343"/>
+          </a:solidFill>
+          <a:ln w="9525" cap="flat" cmpd="sng">
+            <a:solidFill>
+              <a:schemeClr val="dk2"/>
+            </a:solidFill>
+            <a:prstDash val="solid"/>
+            <a:round/>
+            <a:headEnd type="none" w="sm" len="sm"/>
+            <a:tailEnd type="none" w="sm" len="sm"/>
+          </a:ln>
+          <a:effectLst>
+            <a:outerShdw blurRad="57150" dist="19050" dir="5400000" algn="bl" rotWithShape="0">
+              <a:srgbClr val="000000">
+                <a:alpha val="50000"/>
+              </a:srgbClr>
+            </a:outerShdw>
+          </a:effectLst>
+        </p:spPr>
+        <p:txBody>
+          <a:bodyPr spcFirstLastPara="1" wrap="square" lIns="91425" tIns="91425" rIns="91425" bIns="91425" anchor="ctr" anchorCtr="0">
+            <a:noAutofit/>
+          </a:bodyPr>
+          <a:lstStyle/>
+          <a:p>
+            <a:pPr marL="0" lvl="0" indent="0" algn="ctr" rtl="0">
+              <a:spcBef>
+                <a:spcPts val="0"/>
+              </a:spcBef>
+              <a:spcAft>
+                <a:spcPts val="0"/>
+              </a:spcAft>
+              <a:buNone/>
+            </a:pPr>
+            <a:r>
+              <a:rPr lang="en"/>
+              <a:t>Request changes</a:t>
+            </a:r>
+            <a:endParaRPr/>
+          </a:p>
+        </p:txBody>
+      </p:sp>
+      <p:cxnSp>
+        <p:nvCxnSpPr>
+          <p:cNvPr id="256" name="Shape 256"/>
+          <p:cNvCxnSpPr>
+            <a:stCxn id="253" idx="1"/>
+            <a:endCxn id="255" idx="3"/>
+          </p:cNvCxnSpPr>
+          <p:nvPr/>
+        </p:nvCxnSpPr>
+        <p:spPr>
+          <a:xfrm rot="10800000">
+            <a:off x="3592700" y="3177925"/>
+            <a:ext cx="1994700" cy="0"/>
+          </a:xfrm>
+          <a:prstGeom prst="straightConnector1">
+            <a:avLst/>
+          </a:prstGeom>
+          <a:noFill/>
+          <a:ln w="28575" cap="flat" cmpd="sng">
+            <a:solidFill>
+              <a:srgbClr val="666666"/>
+            </a:solidFill>
+            <a:prstDash val="solid"/>
+            <a:round/>
+            <a:headEnd type="none" w="med" len="med"/>
+            <a:tailEnd type="triangle" w="med" len="med"/>
+          </a:ln>
+          <a:effectLst>
+            <a:outerShdw blurRad="57150" dist="19050" dir="5400000" algn="bl" rotWithShape="0">
+              <a:srgbClr val="000000">
+                <a:alpha val="50000"/>
+              </a:srgbClr>
+            </a:outerShdw>
+          </a:effectLst>
+        </p:spPr>
+      </p:cxnSp>
+      <p:sp>
+        <p:nvSpPr>
+          <p:cNvPr id="257" name="Shape 257"/>
+          <p:cNvSpPr/>
+          <p:nvPr/>
+        </p:nvSpPr>
+        <p:spPr>
+          <a:xfrm>
+            <a:off x="3865725" y="3954500"/>
+            <a:ext cx="1324800" cy="831300"/>
+          </a:xfrm>
+          <a:prstGeom prst="rect">
+            <a:avLst/>
+          </a:prstGeom>
+          <a:solidFill>
+            <a:srgbClr val="434343"/>
+          </a:solidFill>
+          <a:ln w="9525" cap="flat" cmpd="sng">
+            <a:solidFill>
+              <a:schemeClr val="dk2"/>
+            </a:solidFill>
+            <a:prstDash val="solid"/>
+            <a:round/>
+            <a:headEnd type="none" w="sm" len="sm"/>
+            <a:tailEnd type="none" w="sm" len="sm"/>
+          </a:ln>
+          <a:effectLst>
+            <a:outerShdw blurRad="57150" dist="19050" dir="5400000" algn="bl" rotWithShape="0">
+              <a:srgbClr val="000000">
+                <a:alpha val="50000"/>
+              </a:srgbClr>
+            </a:outerShdw>
+          </a:effectLst>
+        </p:spPr>
+        <p:txBody>
+          <a:bodyPr spcFirstLastPara="1" wrap="square" lIns="91425" tIns="91425" rIns="91425" bIns="91425" anchor="ctr" anchorCtr="0">
+            <a:noAutofit/>
+          </a:bodyPr>
+          <a:lstStyle/>
+          <a:p>
+            <a:pPr marL="0" lvl="0" indent="0" algn="ctr" rtl="0">
+              <a:spcBef>
+                <a:spcPts val="0"/>
+              </a:spcBef>
+              <a:spcAft>
+                <a:spcPts val="0"/>
+              </a:spcAft>
+              <a:buNone/>
+            </a:pPr>
+            <a:r>
+              <a:rPr lang="en"/>
+              <a:t>Merge PR</a:t>
+            </a:r>
+            <a:endParaRPr/>
+          </a:p>
+        </p:txBody>
+      </p:sp>
+      <p:cxnSp>
+        <p:nvCxnSpPr>
+          <p:cNvPr id="258" name="Shape 258"/>
+          <p:cNvCxnSpPr>
+            <a:stCxn id="253" idx="1"/>
+            <a:endCxn id="257" idx="0"/>
+          </p:cNvCxnSpPr>
+          <p:nvPr/>
+        </p:nvCxnSpPr>
+        <p:spPr>
+          <a:xfrm flipH="1">
+            <a:off x="4528100" y="3177925"/>
+            <a:ext cx="1059300" cy="776700"/>
+          </a:xfrm>
+          <a:prstGeom prst="bentConnector2">
+            <a:avLst/>
+          </a:prstGeom>
+          <a:noFill/>
+          <a:ln w="28575" cap="flat" cmpd="sng">
+            <a:solidFill>
+              <a:srgbClr val="666666"/>
+            </a:solidFill>
+            <a:prstDash val="solid"/>
+            <a:round/>
+            <a:headEnd type="none" w="med" len="med"/>
+            <a:tailEnd type="triangle" w="med" len="med"/>
+          </a:ln>
+          <a:effectLst>
+            <a:outerShdw blurRad="57150" dist="19050" dir="5400000" algn="bl" rotWithShape="0">
+              <a:srgbClr val="000000">
+                <a:alpha val="50000"/>
+              </a:srgbClr>
+            </a:outerShdw>
+          </a:effectLst>
+        </p:spPr>
+      </p:cxnSp>
+      <p:cxnSp>
+        <p:nvCxnSpPr>
+          <p:cNvPr id="259" name="Shape 259"/>
+          <p:cNvCxnSpPr>
+            <a:stCxn id="255" idx="0"/>
+            <a:endCxn id="246" idx="2"/>
+          </p:cNvCxnSpPr>
+          <p:nvPr/>
+        </p:nvCxnSpPr>
+        <p:spPr>
+          <a:xfrm rot="10800000">
+            <a:off x="2930250" y="2208775"/>
+            <a:ext cx="0" cy="553500"/>
+          </a:xfrm>
+          <a:prstGeom prst="straightConnector1">
+            <a:avLst/>
+          </a:prstGeom>
+          <a:noFill/>
+          <a:ln w="28575" cap="flat" cmpd="sng">
+            <a:solidFill>
+              <a:srgbClr val="666666"/>
+            </a:solidFill>
+            <a:prstDash val="solid"/>
+            <a:round/>
+            <a:headEnd type="none" w="med" len="med"/>
+            <a:tailEnd type="triangle" w="med" len="med"/>
+          </a:ln>
+          <a:effectLst>
+            <a:outerShdw blurRad="57150" dist="19050" dir="5400000" algn="bl" rotWithShape="0">
+              <a:srgbClr val="000000">
+                <a:alpha val="50000"/>
+              </a:srgbClr>
+            </a:outerShdw>
+          </a:effectLst>
+        </p:spPr>
+      </p:cxnSp>
+      <p:sp>
+        <p:nvSpPr>
+          <p:cNvPr id="260" name="Shape 260"/>
+          <p:cNvSpPr txBox="1"/>
+          <p:nvPr/>
+        </p:nvSpPr>
+        <p:spPr>
+          <a:xfrm>
+            <a:off x="417075" y="2531588"/>
+            <a:ext cx="8222100" cy="1100100"/>
+          </a:xfrm>
+          <a:prstGeom prst="rect">
+            <a:avLst/>
+          </a:prstGeom>
+          <a:noFill/>
+          <a:ln>
+            <a:noFill/>
+          </a:ln>
+        </p:spPr>
+        <p:txBody>
+          <a:bodyPr spcFirstLastPara="1" wrap="square" lIns="91425" tIns="91425" rIns="91425" bIns="91425" anchor="ctr" anchorCtr="0">
+            <a:noAutofit/>
+          </a:bodyPr>
+          <a:lstStyle/>
+          <a:p>
+            <a:pPr marL="0" lvl="0" indent="0" rtl="0">
+              <a:spcBef>
+                <a:spcPts val="0"/>
+              </a:spcBef>
+              <a:spcAft>
+                <a:spcPts val="0"/>
+              </a:spcAft>
+              <a:buNone/>
+            </a:pPr>
+            <a:r>
+              <a:rPr lang="en" sz="3600">
+                <a:solidFill>
+                  <a:srgbClr val="EFEFEF"/>
+                </a:solidFill>
+              </a:rPr>
+              <a:t>https://chris.beams.io/posts/git-commit/</a:t>
+            </a:r>
+            <a:endParaRPr sz="3600">
+              <a:solidFill>
+                <a:srgbClr val="EFEFEF"/>
+              </a:solidFill>
+            </a:endParaRPr>
+          </a:p>
+        </p:txBody>
+      </p:sp>
+      <p:sp>
+        <p:nvSpPr>
+          <p:cNvPr id="261" name="Shape 261"/>
+          <p:cNvSpPr/>
+          <p:nvPr/>
+        </p:nvSpPr>
+        <p:spPr>
+          <a:xfrm>
+            <a:off x="3945625" y="1377475"/>
+            <a:ext cx="1324800" cy="831300"/>
+          </a:xfrm>
+          <a:prstGeom prst="rect">
+            <a:avLst/>
+          </a:prstGeom>
+          <a:solidFill>
+            <a:srgbClr val="FFFFFF"/>
+          </a:solidFill>
+          <a:ln w="9525" cap="flat" cmpd="sng">
+            <a:solidFill>
+              <a:schemeClr val="dk2"/>
+            </a:solidFill>
+            <a:prstDash val="solid"/>
+            <a:round/>
+            <a:headEnd type="none" w="sm" len="sm"/>
+            <a:tailEnd type="none" w="sm" len="sm"/>
+          </a:ln>
+          <a:effectLst>
+            <a:outerShdw blurRad="57150" dist="19050" dir="5400000" algn="bl" rotWithShape="0">
+              <a:srgbClr val="000000">
+                <a:alpha val="50000"/>
+              </a:srgbClr>
+            </a:outerShdw>
+          </a:effectLst>
+        </p:spPr>
+        <p:txBody>
+          <a:bodyPr spcFirstLastPara="1" wrap="square" lIns="91425" tIns="91425" rIns="91425" bIns="91425" anchor="ctr" anchorCtr="0">
+            <a:noAutofit/>
+          </a:bodyPr>
+          <a:lstStyle/>
+          <a:p>
+            <a:pPr marL="0" lvl="0" indent="0" algn="ctr" rtl="0">
+              <a:spcBef>
+                <a:spcPts val="0"/>
+              </a:spcBef>
+              <a:spcAft>
+                <a:spcPts val="0"/>
+              </a:spcAft>
+              <a:buNone/>
+            </a:pPr>
+            <a:r>
+              <a:rPr lang="en"/>
+              <a:t>Commit with message</a:t>
+            </a:r>
+            <a:endParaRPr/>
+          </a:p>
+        </p:txBody>
+      </p:sp>
+    </p:spTree>
+  </p:cSld>
+  <p:clrMapOvr>
+    <a:masterClrMapping/>
+  </p:clrMapOvr>
+</p:sld>
+</file>
+
+<file path=ppt/slides/slide23.xml><?xml version="1.0" encoding="utf-8"?>
+<p:sld xmlns:a="http://schemas.openxmlformats.org/drawingml/2006/main" xmlns:r="http://schemas.openxmlformats.org/officeDocument/2006/relationships" xmlns:p="http://schemas.openxmlformats.org/presentationml/2006/main">
+  <p:cSld>
+    <p:spTree>
+      <p:nvGrpSpPr>
+        <p:cNvPr id="1" name="Shape 265"/>
+        <p:cNvGrpSpPr/>
+        <p:nvPr/>
+      </p:nvGrpSpPr>
+      <p:grpSpPr>
+        <a:xfrm>
+          <a:off x="0" y="0"/>
+          <a:ext cx="0" cy="0"/>
+          <a:chOff x="0" y="0"/>
+          <a:chExt cx="0" cy="0"/>
+        </a:xfrm>
+      </p:grpSpPr>
+      <p:pic>
+        <p:nvPicPr>
+          <p:cNvPr id="266" name="Shape 266"/>
+          <p:cNvPicPr preferRelativeResize="0"/>
+          <p:nvPr/>
+        </p:nvPicPr>
+        <p:blipFill rotWithShape="1">
+          <a:blip r:embed="rId3">
+            <a:alphaModFix/>
+          </a:blip>
+          <a:srcRect l="7783"/>
+          <a:stretch/>
+        </p:blipFill>
+        <p:spPr>
+          <a:xfrm>
+            <a:off x="150" y="0"/>
+            <a:ext cx="9144000" cy="5143500"/>
+          </a:xfrm>
+          <a:prstGeom prst="rect">
+            <a:avLst/>
+          </a:prstGeom>
+          <a:noFill/>
+          <a:ln>
+            <a:noFill/>
+          </a:ln>
+        </p:spPr>
+      </p:pic>
+      <p:sp>
+        <p:nvSpPr>
+          <p:cNvPr id="267" name="Shape 267"/>
+          <p:cNvSpPr txBox="1">
+            <a:spLocks noGrp="1"/>
+          </p:cNvSpPr>
+          <p:nvPr>
+            <p:ph type="title"/>
+          </p:nvPr>
+        </p:nvSpPr>
+        <p:spPr>
+          <a:xfrm>
+            <a:off x="59225" y="56675"/>
+            <a:ext cx="8222100" cy="1012800"/>
+          </a:xfrm>
+          <a:prstGeom prst="rect">
+            <a:avLst/>
+          </a:prstGeom>
+        </p:spPr>
+        <p:txBody>
+          <a:bodyPr spcFirstLastPara="1" wrap="square" lIns="91425" tIns="91425" rIns="91425" bIns="91425" anchor="ctr" anchorCtr="0">
+            <a:noAutofit/>
+          </a:bodyPr>
+          <a:lstStyle/>
+          <a:p>
+            <a:pPr marL="0" lvl="0" indent="0" rtl="0">
+              <a:spcBef>
+                <a:spcPts val="0"/>
+              </a:spcBef>
+              <a:spcAft>
+                <a:spcPts val="0"/>
+              </a:spcAft>
+              <a:buNone/>
+            </a:pPr>
+            <a:r>
+              <a:rPr lang="en"/>
+              <a:t>Steps (Your Bug Fix)</a:t>
+            </a:r>
+            <a:endParaRPr/>
+          </a:p>
+        </p:txBody>
+      </p:sp>
+      <p:sp>
+        <p:nvSpPr>
+          <p:cNvPr id="268" name="Shape 268"/>
+          <p:cNvSpPr/>
+          <p:nvPr/>
+        </p:nvSpPr>
+        <p:spPr>
+          <a:xfrm>
+            <a:off x="590050" y="1377475"/>
+            <a:ext cx="1324800" cy="831300"/>
+          </a:xfrm>
+          <a:prstGeom prst="rect">
+            <a:avLst/>
+          </a:prstGeom>
+          <a:solidFill>
+            <a:srgbClr val="FFFFFF"/>
+          </a:solidFill>
+          <a:ln w="9525" cap="flat" cmpd="sng">
+            <a:solidFill>
+              <a:schemeClr val="dk2"/>
+            </a:solidFill>
+            <a:prstDash val="solid"/>
+            <a:round/>
+            <a:headEnd type="none" w="sm" len="sm"/>
+            <a:tailEnd type="none" w="sm" len="sm"/>
+          </a:ln>
+        </p:spPr>
+        <p:txBody>
+          <a:bodyPr spcFirstLastPara="1" wrap="square" lIns="91425" tIns="91425" rIns="91425" bIns="91425" anchor="ctr" anchorCtr="0">
+            <a:noAutofit/>
+          </a:bodyPr>
+          <a:lstStyle/>
+          <a:p>
+            <a:pPr marL="0" lvl="0" indent="0" algn="ctr" rtl="0">
+              <a:spcBef>
+                <a:spcPts val="0"/>
+              </a:spcBef>
+              <a:spcAft>
+                <a:spcPts val="0"/>
+              </a:spcAft>
+              <a:buNone/>
+            </a:pPr>
+            <a:r>
+              <a:rPr lang="en"/>
+              <a:t>Checkout topic branch</a:t>
+            </a:r>
+            <a:endParaRPr/>
+          </a:p>
+        </p:txBody>
+      </p:sp>
+      <p:sp>
+        <p:nvSpPr>
+          <p:cNvPr id="269" name="Shape 269"/>
+          <p:cNvSpPr/>
+          <p:nvPr/>
+        </p:nvSpPr>
+        <p:spPr>
+          <a:xfrm>
+            <a:off x="2267838" y="1377475"/>
+            <a:ext cx="1324800" cy="831300"/>
+          </a:xfrm>
+          <a:prstGeom prst="rect">
+            <a:avLst/>
+          </a:prstGeom>
+          <a:solidFill>
+            <a:srgbClr val="FFFFFF"/>
+          </a:solidFill>
+          <a:ln w="9525" cap="flat" cmpd="sng">
+            <a:solidFill>
+              <a:schemeClr val="dk2"/>
+            </a:solidFill>
+            <a:prstDash val="solid"/>
+            <a:round/>
+            <a:headEnd type="none" w="sm" len="sm"/>
+            <a:tailEnd type="none" w="sm" len="sm"/>
+          </a:ln>
+        </p:spPr>
+        <p:txBody>
+          <a:bodyPr spcFirstLastPara="1" wrap="square" lIns="91425" tIns="91425" rIns="91425" bIns="91425" anchor="ctr" anchorCtr="0">
+            <a:noAutofit/>
+          </a:bodyPr>
+          <a:lstStyle/>
+          <a:p>
+            <a:pPr marL="0" lvl="0" indent="0" algn="ctr" rtl="0">
+              <a:spcBef>
+                <a:spcPts val="0"/>
+              </a:spcBef>
+              <a:spcAft>
+                <a:spcPts val="0"/>
+              </a:spcAft>
+              <a:buNone/>
+            </a:pPr>
+            <a:r>
+              <a:rPr lang="en"/>
+              <a:t>Do your magic</a:t>
+            </a:r>
+            <a:endParaRPr/>
+          </a:p>
+        </p:txBody>
+      </p:sp>
+      <p:sp>
+        <p:nvSpPr>
+          <p:cNvPr id="270" name="Shape 270"/>
+          <p:cNvSpPr/>
+          <p:nvPr/>
+        </p:nvSpPr>
+        <p:spPr>
+          <a:xfrm>
+            <a:off x="3945625" y="1377475"/>
+            <a:ext cx="1324800" cy="831300"/>
+          </a:xfrm>
+          <a:prstGeom prst="rect">
+            <a:avLst/>
+          </a:prstGeom>
+          <a:solidFill>
+            <a:srgbClr val="FFFFFF"/>
+          </a:solidFill>
+          <a:ln w="9525" cap="flat" cmpd="sng">
+            <a:solidFill>
+              <a:schemeClr val="dk2"/>
+            </a:solidFill>
+            <a:prstDash val="solid"/>
+            <a:round/>
+            <a:headEnd type="none" w="sm" len="sm"/>
+            <a:tailEnd type="none" w="sm" len="sm"/>
+          </a:ln>
+        </p:spPr>
+        <p:txBody>
+          <a:bodyPr spcFirstLastPara="1" wrap="square" lIns="91425" tIns="91425" rIns="91425" bIns="91425" anchor="ctr" anchorCtr="0">
+            <a:noAutofit/>
+          </a:bodyPr>
+          <a:lstStyle/>
+          <a:p>
+            <a:pPr marL="0" lvl="0" indent="0" algn="ctr" rtl="0">
+              <a:spcBef>
+                <a:spcPts val="0"/>
+              </a:spcBef>
+              <a:spcAft>
+                <a:spcPts val="0"/>
+              </a:spcAft>
+              <a:buNone/>
+            </a:pPr>
+            <a:r>
+              <a:rPr lang="en"/>
+              <a:t>Commit with message</a:t>
+            </a:r>
+            <a:endParaRPr/>
+          </a:p>
+        </p:txBody>
+      </p:sp>
+      <p:sp>
+        <p:nvSpPr>
+          <p:cNvPr id="271" name="Shape 271"/>
+          <p:cNvSpPr/>
+          <p:nvPr/>
+        </p:nvSpPr>
+        <p:spPr>
+          <a:xfrm>
+            <a:off x="5587388" y="1377475"/>
+            <a:ext cx="1324800" cy="831300"/>
+          </a:xfrm>
+          <a:prstGeom prst="rect">
+            <a:avLst/>
+          </a:prstGeom>
+          <a:solidFill>
+            <a:srgbClr val="FFFFFF"/>
+          </a:solidFill>
+          <a:ln w="9525" cap="flat" cmpd="sng">
+            <a:solidFill>
+              <a:schemeClr val="dk2"/>
+            </a:solidFill>
+            <a:prstDash val="solid"/>
+            <a:round/>
+            <a:headEnd type="none" w="sm" len="sm"/>
+            <a:tailEnd type="none" w="sm" len="sm"/>
+          </a:ln>
+        </p:spPr>
+        <p:txBody>
+          <a:bodyPr spcFirstLastPara="1" wrap="square" lIns="91425" tIns="91425" rIns="91425" bIns="91425" anchor="ctr" anchorCtr="0">
+            <a:noAutofit/>
+          </a:bodyPr>
+          <a:lstStyle/>
+          <a:p>
+            <a:pPr marL="0" lvl="0" indent="0" algn="ctr" rtl="0">
+              <a:spcBef>
+                <a:spcPts val="0"/>
+              </a:spcBef>
+              <a:spcAft>
+                <a:spcPts val="0"/>
+              </a:spcAft>
+              <a:buNone/>
+            </a:pPr>
+            <a:r>
+              <a:rPr lang="en"/>
+              <a:t>Push to github</a:t>
+            </a:r>
+            <a:endParaRPr/>
+          </a:p>
+        </p:txBody>
+      </p:sp>
+      <p:sp>
+        <p:nvSpPr>
+          <p:cNvPr id="272" name="Shape 272"/>
+          <p:cNvSpPr/>
+          <p:nvPr/>
+        </p:nvSpPr>
+        <p:spPr>
+          <a:xfrm>
+            <a:off x="7229150" y="1377475"/>
+            <a:ext cx="1324800" cy="831300"/>
+          </a:xfrm>
+          <a:prstGeom prst="rect">
+            <a:avLst/>
+          </a:prstGeom>
+          <a:solidFill>
+            <a:srgbClr val="FFFFFF"/>
+          </a:solidFill>
+          <a:ln w="9525" cap="flat" cmpd="sng">
+            <a:solidFill>
+              <a:schemeClr val="dk2"/>
+            </a:solidFill>
+            <a:prstDash val="solid"/>
+            <a:round/>
+            <a:headEnd type="none" w="sm" len="sm"/>
+            <a:tailEnd type="none" w="sm" len="sm"/>
+          </a:ln>
+        </p:spPr>
+        <p:txBody>
+          <a:bodyPr spcFirstLastPara="1" wrap="square" lIns="91425" tIns="91425" rIns="91425" bIns="91425" anchor="ctr" anchorCtr="0">
+            <a:noAutofit/>
+          </a:bodyPr>
+          <a:lstStyle/>
+          <a:p>
+            <a:pPr marL="0" lvl="0" indent="0" algn="ctr" rtl="0">
+              <a:spcBef>
+                <a:spcPts val="0"/>
+              </a:spcBef>
+              <a:spcAft>
+                <a:spcPts val="0"/>
+              </a:spcAft>
+              <a:buNone/>
+            </a:pPr>
+            <a:r>
+              <a:rPr lang="en"/>
+              <a:t>Submit PR</a:t>
+            </a:r>
+            <a:endParaRPr/>
+          </a:p>
+        </p:txBody>
+      </p:sp>
+      <p:cxnSp>
+        <p:nvCxnSpPr>
+          <p:cNvPr id="273" name="Shape 273"/>
+          <p:cNvCxnSpPr>
+            <a:endCxn id="269" idx="1"/>
+          </p:cNvCxnSpPr>
+          <p:nvPr/>
+        </p:nvCxnSpPr>
+        <p:spPr>
+          <a:xfrm>
+            <a:off x="1914738" y="1793125"/>
+            <a:ext cx="353100" cy="0"/>
+          </a:xfrm>
+          <a:prstGeom prst="straightConnector1">
+            <a:avLst/>
+          </a:prstGeom>
+          <a:noFill/>
+          <a:ln w="28575" cap="flat" cmpd="sng">
+            <a:solidFill>
+              <a:srgbClr val="FFFFFF"/>
+            </a:solidFill>
+            <a:prstDash val="solid"/>
+            <a:round/>
+            <a:headEnd type="none" w="med" len="med"/>
+            <a:tailEnd type="triangle" w="med" len="med"/>
+          </a:ln>
+        </p:spPr>
+      </p:cxnSp>
+      <p:cxnSp>
+        <p:nvCxnSpPr>
+          <p:cNvPr id="274" name="Shape 274"/>
+          <p:cNvCxnSpPr/>
+          <p:nvPr/>
+        </p:nvCxnSpPr>
+        <p:spPr>
+          <a:xfrm>
+            <a:off x="3574563" y="1793125"/>
+            <a:ext cx="353100" cy="0"/>
+          </a:xfrm>
+          <a:prstGeom prst="straightConnector1">
+            <a:avLst/>
+          </a:prstGeom>
+          <a:noFill/>
+          <a:ln w="28575" cap="flat" cmpd="sng">
+            <a:solidFill>
+              <a:srgbClr val="FFFFFF"/>
+            </a:solidFill>
+            <a:prstDash val="solid"/>
+            <a:round/>
+            <a:headEnd type="none" w="med" len="med"/>
+            <a:tailEnd type="triangle" w="med" len="med"/>
+          </a:ln>
+        </p:spPr>
+      </p:cxnSp>
+      <p:cxnSp>
+        <p:nvCxnSpPr>
+          <p:cNvPr id="275" name="Shape 275"/>
+          <p:cNvCxnSpPr/>
+          <p:nvPr/>
+        </p:nvCxnSpPr>
+        <p:spPr>
+          <a:xfrm>
+            <a:off x="5234338" y="1793125"/>
+            <a:ext cx="353100" cy="0"/>
+          </a:xfrm>
+          <a:prstGeom prst="straightConnector1">
+            <a:avLst/>
+          </a:prstGeom>
+          <a:noFill/>
+          <a:ln w="28575" cap="flat" cmpd="sng">
+            <a:solidFill>
+              <a:srgbClr val="FFFFFF"/>
+            </a:solidFill>
+            <a:prstDash val="solid"/>
+            <a:round/>
+            <a:headEnd type="none" w="med" len="med"/>
+            <a:tailEnd type="triangle" w="med" len="med"/>
+          </a:ln>
+        </p:spPr>
+      </p:cxnSp>
+      <p:cxnSp>
+        <p:nvCxnSpPr>
+          <p:cNvPr id="276" name="Shape 276"/>
+          <p:cNvCxnSpPr/>
+          <p:nvPr/>
+        </p:nvCxnSpPr>
+        <p:spPr>
+          <a:xfrm>
+            <a:off x="6912188" y="1793125"/>
+            <a:ext cx="353100" cy="0"/>
+          </a:xfrm>
+          <a:prstGeom prst="straightConnector1">
+            <a:avLst/>
+          </a:prstGeom>
+          <a:noFill/>
+          <a:ln w="28575" cap="flat" cmpd="sng">
+            <a:solidFill>
+              <a:srgbClr val="FFFFFF"/>
+            </a:solidFill>
+            <a:prstDash val="solid"/>
+            <a:round/>
+            <a:headEnd type="none" w="med" len="med"/>
+            <a:tailEnd type="triangle" w="med" len="med"/>
+          </a:ln>
+        </p:spPr>
+      </p:cxnSp>
+      <p:sp>
+        <p:nvSpPr>
+          <p:cNvPr id="277" name="Shape 277"/>
+          <p:cNvSpPr/>
+          <p:nvPr/>
+        </p:nvSpPr>
+        <p:spPr>
+          <a:xfrm>
+            <a:off x="5587400" y="2762275"/>
+            <a:ext cx="1324800" cy="831300"/>
+          </a:xfrm>
+          <a:prstGeom prst="rect">
+            <a:avLst/>
+          </a:prstGeom>
+          <a:solidFill>
+            <a:srgbClr val="6D9EEB"/>
+          </a:solidFill>
+          <a:ln w="9525" cap="flat" cmpd="sng">
+            <a:solidFill>
+              <a:schemeClr val="dk2"/>
+            </a:solidFill>
+            <a:prstDash val="solid"/>
+            <a:round/>
+            <a:headEnd type="none" w="sm" len="sm"/>
+            <a:tailEnd type="none" w="sm" len="sm"/>
+          </a:ln>
+        </p:spPr>
+        <p:txBody>
+          <a:bodyPr spcFirstLastPara="1" wrap="square" lIns="91425" tIns="91425" rIns="91425" bIns="91425" anchor="ctr" anchorCtr="0">
+            <a:noAutofit/>
+          </a:bodyPr>
+          <a:lstStyle/>
+          <a:p>
+            <a:pPr marL="0" lvl="0" indent="0" algn="ctr" rtl="0">
+              <a:spcBef>
+                <a:spcPts val="0"/>
+              </a:spcBef>
+              <a:spcAft>
+                <a:spcPts val="0"/>
+              </a:spcAft>
+              <a:buNone/>
+            </a:pPr>
+            <a:r>
+              <a:rPr lang="en"/>
+              <a:t>Review</a:t>
+            </a:r>
+            <a:endParaRPr/>
+          </a:p>
+        </p:txBody>
+      </p:sp>
+      <p:cxnSp>
+        <p:nvCxnSpPr>
+          <p:cNvPr id="278" name="Shape 278"/>
+          <p:cNvCxnSpPr>
+            <a:stCxn id="272" idx="2"/>
+            <a:endCxn id="277" idx="3"/>
+          </p:cNvCxnSpPr>
+          <p:nvPr/>
+        </p:nvCxnSpPr>
+        <p:spPr>
+          <a:xfrm rot="5400000">
+            <a:off x="6917300" y="2203825"/>
+            <a:ext cx="969300" cy="979200"/>
+          </a:xfrm>
+          <a:prstGeom prst="bentConnector2">
+            <a:avLst/>
+          </a:prstGeom>
+          <a:noFill/>
+          <a:ln w="28575" cap="flat" cmpd="sng">
+            <a:solidFill>
+              <a:srgbClr val="FFFFFF"/>
+            </a:solidFill>
+            <a:prstDash val="solid"/>
+            <a:round/>
+            <a:headEnd type="none" w="med" len="med"/>
+            <a:tailEnd type="triangle" w="med" len="med"/>
+          </a:ln>
+        </p:spPr>
+      </p:cxnSp>
+      <p:sp>
+        <p:nvSpPr>
+          <p:cNvPr id="279" name="Shape 279"/>
+          <p:cNvSpPr/>
+          <p:nvPr/>
+        </p:nvSpPr>
+        <p:spPr>
+          <a:xfrm>
+            <a:off x="2267850" y="2762275"/>
+            <a:ext cx="1324800" cy="831300"/>
+          </a:xfrm>
+          <a:prstGeom prst="rect">
+            <a:avLst/>
+          </a:prstGeom>
+          <a:solidFill>
+            <a:srgbClr val="6D9EEB"/>
+          </a:solidFill>
+          <a:ln w="9525" cap="flat" cmpd="sng">
+            <a:solidFill>
+              <a:schemeClr val="dk2"/>
+            </a:solidFill>
+            <a:prstDash val="solid"/>
+            <a:round/>
+            <a:headEnd type="none" w="sm" len="sm"/>
+            <a:tailEnd type="none" w="sm" len="sm"/>
+          </a:ln>
+        </p:spPr>
+        <p:txBody>
+          <a:bodyPr spcFirstLastPara="1" wrap="square" lIns="91425" tIns="91425" rIns="91425" bIns="91425" anchor="ctr" anchorCtr="0">
+            <a:noAutofit/>
+          </a:bodyPr>
+          <a:lstStyle/>
+          <a:p>
+            <a:pPr marL="0" lvl="0" indent="0" algn="ctr" rtl="0">
+              <a:spcBef>
+                <a:spcPts val="0"/>
+              </a:spcBef>
+              <a:spcAft>
+                <a:spcPts val="0"/>
+              </a:spcAft>
+              <a:buNone/>
+            </a:pPr>
+            <a:r>
+              <a:rPr lang="en"/>
+              <a:t>Request changes</a:t>
+            </a:r>
+            <a:endParaRPr/>
+          </a:p>
+        </p:txBody>
+      </p:sp>
+      <p:cxnSp>
+        <p:nvCxnSpPr>
+          <p:cNvPr id="280" name="Shape 280"/>
+          <p:cNvCxnSpPr>
+            <a:stCxn id="277" idx="1"/>
+            <a:endCxn id="279" idx="3"/>
+          </p:cNvCxnSpPr>
+          <p:nvPr/>
+        </p:nvCxnSpPr>
+        <p:spPr>
+          <a:xfrm rot="10800000">
+            <a:off x="3592700" y="3177925"/>
+            <a:ext cx="1994700" cy="0"/>
+          </a:xfrm>
+          <a:prstGeom prst="straightConnector1">
+            <a:avLst/>
+          </a:prstGeom>
+          <a:noFill/>
+          <a:ln w="28575" cap="flat" cmpd="sng">
+            <a:solidFill>
+              <a:srgbClr val="FFFFFF"/>
+            </a:solidFill>
+            <a:prstDash val="solid"/>
+            <a:round/>
+            <a:headEnd type="none" w="med" len="med"/>
+            <a:tailEnd type="triangle" w="med" len="med"/>
+          </a:ln>
+        </p:spPr>
+      </p:cxnSp>
+      <p:sp>
+        <p:nvSpPr>
+          <p:cNvPr id="281" name="Shape 281"/>
+          <p:cNvSpPr/>
+          <p:nvPr/>
+        </p:nvSpPr>
+        <p:spPr>
+          <a:xfrm>
+            <a:off x="3865725" y="3954500"/>
+            <a:ext cx="1324800" cy="831300"/>
+          </a:xfrm>
+          <a:prstGeom prst="rect">
+            <a:avLst/>
+          </a:prstGeom>
+          <a:solidFill>
+            <a:srgbClr val="6D9EEB"/>
+          </a:solidFill>
+          <a:ln w="9525" cap="flat" cmpd="sng">
+            <a:solidFill>
+              <a:schemeClr val="dk2"/>
+            </a:solidFill>
+            <a:prstDash val="solid"/>
+            <a:round/>
+            <a:headEnd type="none" w="sm" len="sm"/>
+            <a:tailEnd type="none" w="sm" len="sm"/>
+          </a:ln>
+        </p:spPr>
+        <p:txBody>
+          <a:bodyPr spcFirstLastPara="1" wrap="square" lIns="91425" tIns="91425" rIns="91425" bIns="91425" anchor="ctr" anchorCtr="0">
+            <a:noAutofit/>
+          </a:bodyPr>
+          <a:lstStyle/>
+          <a:p>
+            <a:pPr marL="0" lvl="0" indent="0" algn="ctr" rtl="0">
+              <a:spcBef>
+                <a:spcPts val="0"/>
+              </a:spcBef>
+              <a:spcAft>
+                <a:spcPts val="0"/>
+              </a:spcAft>
+              <a:buNone/>
+            </a:pPr>
+            <a:r>
+              <a:rPr lang="en"/>
+              <a:t>Merge PR</a:t>
+            </a:r>
+            <a:endParaRPr/>
+          </a:p>
+        </p:txBody>
+      </p:sp>
+      <p:cxnSp>
+        <p:nvCxnSpPr>
+          <p:cNvPr id="282" name="Shape 282"/>
+          <p:cNvCxnSpPr>
+            <a:stCxn id="277" idx="1"/>
+            <a:endCxn id="281" idx="0"/>
+          </p:cNvCxnSpPr>
+          <p:nvPr/>
+        </p:nvCxnSpPr>
+        <p:spPr>
+          <a:xfrm flipH="1">
+            <a:off x="4528100" y="3177925"/>
+            <a:ext cx="1059300" cy="776700"/>
+          </a:xfrm>
+          <a:prstGeom prst="bentConnector2">
+            <a:avLst/>
+          </a:prstGeom>
+          <a:noFill/>
+          <a:ln w="28575" cap="flat" cmpd="sng">
+            <a:solidFill>
+              <a:srgbClr val="FFFFFF"/>
+            </a:solidFill>
+            <a:prstDash val="solid"/>
+            <a:round/>
+            <a:headEnd type="none" w="med" len="med"/>
+            <a:tailEnd type="triangle" w="med" len="med"/>
+          </a:ln>
+        </p:spPr>
+      </p:cxnSp>
+      <p:cxnSp>
+        <p:nvCxnSpPr>
+          <p:cNvPr id="283" name="Shape 283"/>
+          <p:cNvCxnSpPr>
+            <a:stCxn id="279" idx="0"/>
+            <a:endCxn id="269" idx="2"/>
+          </p:cNvCxnSpPr>
+          <p:nvPr/>
+        </p:nvCxnSpPr>
+        <p:spPr>
+          <a:xfrm rot="10800000">
+            <a:off x="2930250" y="2208775"/>
+            <a:ext cx="0" cy="553500"/>
+          </a:xfrm>
+          <a:prstGeom prst="straightConnector1">
+            <a:avLst/>
+          </a:prstGeom>
+          <a:noFill/>
+          <a:ln w="28575" cap="flat" cmpd="sng">
+            <a:solidFill>
+              <a:srgbClr val="FFFFFF"/>
+            </a:solidFill>
+            <a:prstDash val="solid"/>
+            <a:round/>
+            <a:headEnd type="none" w="med" len="med"/>
+            <a:tailEnd type="triangle" w="med" len="med"/>
+          </a:ln>
+        </p:spPr>
+      </p:cxnSp>
+    </p:spTree>
+  </p:cSld>
+  <p:clrMapOvr>
+    <a:masterClrMapping/>
+  </p:clrMapOvr>
+</p:sld>
+</file>
+
+<file path=ppt/slides/slide24.xml><?xml version="1.0" encoding="utf-8"?>
+<p:sld xmlns:a="http://schemas.openxmlformats.org/drawingml/2006/main" xmlns:r="http://schemas.openxmlformats.org/officeDocument/2006/relationships" xmlns:p="http://schemas.openxmlformats.org/presentationml/2006/main">
+  <p:cSld>
+    <p:spTree>
+      <p:nvGrpSpPr>
+        <p:cNvPr id="1" name="Shape 287"/>
+        <p:cNvGrpSpPr/>
+        <p:nvPr/>
+      </p:nvGrpSpPr>
+      <p:grpSpPr>
+        <a:xfrm>
+          <a:off x="0" y="0"/>
+          <a:ext cx="0" cy="0"/>
+          <a:chOff x="0" y="0"/>
+          <a:chExt cx="0" cy="0"/>
+        </a:xfrm>
+      </p:grpSpPr>
+      <p:pic>
+        <p:nvPicPr>
+          <p:cNvPr id="288" name="Shape 288"/>
+          <p:cNvPicPr preferRelativeResize="0"/>
+          <p:nvPr/>
+        </p:nvPicPr>
+        <p:blipFill rotWithShape="1">
+          <a:blip r:embed="rId3">
+            <a:alphaModFix/>
+          </a:blip>
+          <a:srcRect l="7783"/>
+          <a:stretch/>
+        </p:blipFill>
+        <p:spPr>
+          <a:xfrm>
+            <a:off x="150" y="0"/>
+            <a:ext cx="9144000" cy="5143500"/>
+          </a:xfrm>
+          <a:prstGeom prst="rect">
+            <a:avLst/>
+          </a:prstGeom>
+          <a:noFill/>
+          <a:ln>
+            <a:noFill/>
+          </a:ln>
+        </p:spPr>
+      </p:pic>
+    </p:spTree>
+  </p:cSld>
+  <p:clrMapOvr>
+    <a:masterClrMapping/>
+  </p:clrMapOvr>
+</p:sld>
+</file>
+
+<file path=ppt/slides/slide25.xml><?xml version="1.0" encoding="utf-8"?>
+<p:sld xmlns:a="http://schemas.openxmlformats.org/drawingml/2006/main" xmlns:r="http://schemas.openxmlformats.org/officeDocument/2006/relationships" xmlns:p="http://schemas.openxmlformats.org/presentationml/2006/main">
+  <p:cSld>
+    <p:spTree>
+      <p:nvGrpSpPr>
+        <p:cNvPr id="1" name="Shape 293"/>
+        <p:cNvGrpSpPr/>
+        <p:nvPr/>
+      </p:nvGrpSpPr>
+      <p:grpSpPr>
+        <a:xfrm>
+          <a:off x="0" y="0"/>
+          <a:ext cx="0" cy="0"/>
+          <a:chOff x="0" y="0"/>
+          <a:chExt cx="0" cy="0"/>
+        </a:xfrm>
+      </p:grpSpPr>
+      <p:pic>
+        <p:nvPicPr>
+          <p:cNvPr id="294" name="Shape 294"/>
+          <p:cNvPicPr preferRelativeResize="0"/>
+          <p:nvPr/>
+        </p:nvPicPr>
+        <p:blipFill rotWithShape="1">
+          <a:blip r:embed="rId3">
+            <a:alphaModFix/>
+          </a:blip>
+          <a:srcRect l="7783"/>
+          <a:stretch/>
+        </p:blipFill>
+        <p:spPr>
+          <a:xfrm>
+            <a:off x="150" y="0"/>
+            <a:ext cx="9144000" cy="5143500"/>
+          </a:xfrm>
+          <a:prstGeom prst="rect">
+            <a:avLst/>
+          </a:prstGeom>
+          <a:noFill/>
+          <a:ln>
+            <a:noFill/>
+          </a:ln>
+        </p:spPr>
+      </p:pic>
+      <p:sp>
+        <p:nvSpPr>
+          <p:cNvPr id="295" name="Shape 295"/>
           <p:cNvSpPr txBox="1"/>
           <p:nvPr/>
         </p:nvSpPr>
@@ -13677,6 +16308,224 @@
               <a:buNone/>
             </a:pPr>
             <a:endParaRPr sz="3000">
+              <a:solidFill>
+                <a:srgbClr val="FFFFFF"/>
+              </a:solidFill>
+              <a:latin typeface="Montserrat"/>
+              <a:ea typeface="Montserrat"/>
+              <a:cs typeface="Montserrat"/>
+              <a:sym typeface="Montserrat"/>
+            </a:endParaRPr>
+          </a:p>
+        </p:txBody>
+      </p:sp>
+      <p:pic>
+        <p:nvPicPr>
+          <p:cNvPr id="296" name="Shape 296"/>
+          <p:cNvPicPr preferRelativeResize="0"/>
+          <p:nvPr/>
+        </p:nvPicPr>
+        <p:blipFill>
+          <a:blip r:embed="rId4">
+            <a:alphaModFix/>
+          </a:blip>
+          <a:stretch>
+            <a:fillRect/>
+          </a:stretch>
+        </p:blipFill>
+        <p:spPr>
+          <a:xfrm>
+            <a:off x="2947025" y="1531775"/>
+            <a:ext cx="3611724" cy="3611724"/>
+          </a:xfrm>
+          <a:prstGeom prst="rect">
+            <a:avLst/>
+          </a:prstGeom>
+          <a:noFill/>
+          <a:ln>
+            <a:noFill/>
+          </a:ln>
+        </p:spPr>
+      </p:pic>
+    </p:spTree>
+  </p:cSld>
+  <p:clrMapOvr>
+    <a:masterClrMapping/>
+  </p:clrMapOvr>
+</p:sld>
+</file>
+
+<file path=ppt/slides/slide26.xml><?xml version="1.0" encoding="utf-8"?>
+<p:sld xmlns:a="http://schemas.openxmlformats.org/drawingml/2006/main" xmlns:r="http://schemas.openxmlformats.org/officeDocument/2006/relationships" xmlns:p="http://schemas.openxmlformats.org/presentationml/2006/main">
+  <p:cSld>
+    <p:spTree>
+      <p:nvGrpSpPr>
+        <p:cNvPr id="1" name="Shape 300"/>
+        <p:cNvGrpSpPr/>
+        <p:nvPr/>
+      </p:nvGrpSpPr>
+      <p:grpSpPr>
+        <a:xfrm>
+          <a:off x="0" y="0"/>
+          <a:ext cx="0" cy="0"/>
+          <a:chOff x="0" y="0"/>
+          <a:chExt cx="0" cy="0"/>
+        </a:xfrm>
+      </p:grpSpPr>
+      <p:pic>
+        <p:nvPicPr>
+          <p:cNvPr id="301" name="Shape 301"/>
+          <p:cNvPicPr preferRelativeResize="0"/>
+          <p:nvPr/>
+        </p:nvPicPr>
+        <p:blipFill rotWithShape="1">
+          <a:blip r:embed="rId3">
+            <a:alphaModFix/>
+          </a:blip>
+          <a:srcRect l="7783"/>
+          <a:stretch/>
+        </p:blipFill>
+        <p:spPr>
+          <a:xfrm>
+            <a:off x="150" y="0"/>
+            <a:ext cx="9144000" cy="5143500"/>
+          </a:xfrm>
+          <a:prstGeom prst="rect">
+            <a:avLst/>
+          </a:prstGeom>
+          <a:noFill/>
+          <a:ln>
+            <a:noFill/>
+          </a:ln>
+        </p:spPr>
+      </p:pic>
+      <p:sp>
+        <p:nvSpPr>
+          <p:cNvPr id="302" name="Shape 302"/>
+          <p:cNvSpPr txBox="1"/>
+          <p:nvPr/>
+        </p:nvSpPr>
+        <p:spPr>
+          <a:xfrm>
+            <a:off x="476650" y="284425"/>
+            <a:ext cx="8379300" cy="3699000"/>
+          </a:xfrm>
+          <a:prstGeom prst="rect">
+            <a:avLst/>
+          </a:prstGeom>
+          <a:noFill/>
+          <a:ln>
+            <a:noFill/>
+          </a:ln>
+        </p:spPr>
+        <p:txBody>
+          <a:bodyPr spcFirstLastPara="1" wrap="square" lIns="91425" tIns="91425" rIns="91425" bIns="91425" anchor="t" anchorCtr="0">
+            <a:noAutofit/>
+          </a:bodyPr>
+          <a:lstStyle/>
+          <a:p>
+            <a:pPr marL="0" lvl="0" indent="0" algn="ctr" rtl="0">
+              <a:spcBef>
+                <a:spcPts val="0"/>
+              </a:spcBef>
+              <a:spcAft>
+                <a:spcPts val="0"/>
+              </a:spcAft>
+              <a:buNone/>
+            </a:pPr>
+            <a:r>
+              <a:rPr lang="en" sz="6000" dirty="0">
+                <a:solidFill>
+                  <a:srgbClr val="FFFFFF"/>
+                </a:solidFill>
+                <a:latin typeface="Montserrat"/>
+                <a:ea typeface="Montserrat"/>
+                <a:cs typeface="Montserrat"/>
+                <a:sym typeface="Montserrat"/>
+              </a:rPr>
+              <a:t>Thank You!</a:t>
+            </a:r>
+            <a:endParaRPr sz="6000" dirty="0">
+              <a:solidFill>
+                <a:srgbClr val="FFFFFF"/>
+              </a:solidFill>
+              <a:latin typeface="Montserrat"/>
+              <a:ea typeface="Montserrat"/>
+              <a:cs typeface="Montserrat"/>
+              <a:sym typeface="Montserrat"/>
+            </a:endParaRPr>
+          </a:p>
+          <a:p>
+            <a:pPr marL="0" lvl="0" indent="0" algn="ctr" rtl="0">
+              <a:spcBef>
+                <a:spcPts val="0"/>
+              </a:spcBef>
+              <a:spcAft>
+                <a:spcPts val="0"/>
+              </a:spcAft>
+              <a:buNone/>
+            </a:pPr>
+            <a:endParaRPr sz="6000" dirty="0">
+              <a:solidFill>
+                <a:srgbClr val="FFFFFF"/>
+              </a:solidFill>
+              <a:latin typeface="Montserrat"/>
+              <a:ea typeface="Montserrat"/>
+              <a:cs typeface="Montserrat"/>
+              <a:sym typeface="Montserrat"/>
+            </a:endParaRPr>
+          </a:p>
+          <a:p>
+            <a:pPr marL="0" lvl="0" indent="0" algn="ctr" rtl="0">
+              <a:spcBef>
+                <a:spcPts val="0"/>
+              </a:spcBef>
+              <a:spcAft>
+                <a:spcPts val="0"/>
+              </a:spcAft>
+              <a:buNone/>
+            </a:pPr>
+            <a:endParaRPr sz="3000" dirty="0">
+              <a:solidFill>
+                <a:srgbClr val="FFFFFF"/>
+              </a:solidFill>
+              <a:latin typeface="Montserrat"/>
+              <a:ea typeface="Montserrat"/>
+              <a:cs typeface="Montserrat"/>
+              <a:sym typeface="Montserrat"/>
+            </a:endParaRPr>
+          </a:p>
+          <a:p>
+            <a:pPr marL="0" lvl="0" indent="0" algn="ctr" rtl="0">
+              <a:spcBef>
+                <a:spcPts val="0"/>
+              </a:spcBef>
+              <a:spcAft>
+                <a:spcPts val="0"/>
+              </a:spcAft>
+              <a:buNone/>
+            </a:pPr>
+            <a:endParaRPr sz="3000" dirty="0">
+              <a:solidFill>
+                <a:srgbClr val="FFFFFF"/>
+              </a:solidFill>
+              <a:latin typeface="Montserrat"/>
+              <a:ea typeface="Montserrat"/>
+              <a:cs typeface="Montserrat"/>
+              <a:sym typeface="Montserrat"/>
+            </a:endParaRPr>
+          </a:p>
+          <a:p>
+            <a:pPr marL="0" lvl="0" indent="0" algn="ctr" rtl="0">
+              <a:spcBef>
+                <a:spcPts val="0"/>
+              </a:spcBef>
+              <a:spcAft>
+                <a:spcPts val="0"/>
+              </a:spcAft>
+              <a:buNone/>
+            </a:pPr>
+            <a:endParaRPr sz="3000" dirty="0">
               <a:solidFill>
                 <a:srgbClr val="FFFFFF"/>
               </a:solidFill>
@@ -13858,6 +16707,34 @@
           </a:p>
         </p:txBody>
       </p:sp>
+      <p:pic>
+        <p:nvPicPr>
+          <p:cNvPr id="81" name="Shape 81"/>
+          <p:cNvPicPr preferRelativeResize="0"/>
+          <p:nvPr/>
+        </p:nvPicPr>
+        <p:blipFill>
+          <a:blip r:embed="rId4">
+            <a:alphaModFix/>
+          </a:blip>
+          <a:stretch>
+            <a:fillRect/>
+          </a:stretch>
+        </p:blipFill>
+        <p:spPr>
+          <a:xfrm>
+            <a:off x="2684575" y="1368650"/>
+            <a:ext cx="3774850" cy="3774850"/>
+          </a:xfrm>
+          <a:prstGeom prst="rect">
+            <a:avLst/>
+          </a:prstGeom>
+          <a:noFill/>
+          <a:ln>
+            <a:noFill/>
+          </a:ln>
+        </p:spPr>
+      </p:pic>
     </p:spTree>
   </p:cSld>
   <p:clrMapOvr>
@@ -14099,6 +16976,34 @@
           <a:xfrm>
             <a:off x="3124550" y="2671425"/>
             <a:ext cx="2895200" cy="2171400"/>
+          </a:xfrm>
+          <a:prstGeom prst="rect">
+            <a:avLst/>
+          </a:prstGeom>
+          <a:noFill/>
+          <a:ln>
+            <a:noFill/>
+          </a:ln>
+        </p:spPr>
+      </p:pic>
+      <p:pic>
+        <p:nvPicPr>
+          <p:cNvPr id="99" name="Shape 99"/>
+          <p:cNvPicPr preferRelativeResize="0"/>
+          <p:nvPr/>
+        </p:nvPicPr>
+        <p:blipFill>
+          <a:blip r:embed="rId6">
+            <a:alphaModFix/>
+          </a:blip>
+          <a:stretch>
+            <a:fillRect/>
+          </a:stretch>
+        </p:blipFill>
+        <p:spPr>
+          <a:xfrm>
+            <a:off x="5865025" y="450319"/>
+            <a:ext cx="3133675" cy="2090750"/>
           </a:xfrm>
           <a:prstGeom prst="rect">
             <a:avLst/>
@@ -14215,6 +17120,51 @@
                       </p:childTnLst>
                     </p:cTn>
                   </p:par>
+                  <p:par>
+                    <p:cTn id="11" fill="hold">
+                      <p:stCondLst>
+                        <p:cond delay="indefinite"/>
+                      </p:stCondLst>
+                      <p:childTnLst>
+                        <p:par>
+                          <p:cTn id="12" fill="hold">
+                            <p:stCondLst>
+                              <p:cond delay="0"/>
+                            </p:stCondLst>
+                            <p:childTnLst>
+                              <p:par>
+                                <p:cTn id="13" presetID="1" presetClass="entr" presetSubtype="0" fill="hold" nodeType="clickEffect">
+                                  <p:stCondLst>
+                                    <p:cond delay="0"/>
+                                  </p:stCondLst>
+                                  <p:childTnLst>
+                                    <p:set>
+                                      <p:cBhvr>
+                                        <p:cTn id="14" dur="1" fill="hold">
+                                          <p:stCondLst>
+                                            <p:cond delay="0"/>
+                                          </p:stCondLst>
+                                        </p:cTn>
+                                        <p:tgtEl>
+                                          <p:spTgt spid="99"/>
+                                        </p:tgtEl>
+                                        <p:attrNameLst>
+                                          <p:attrName>style.visibility</p:attrName>
+                                        </p:attrNameLst>
+                                      </p:cBhvr>
+                                      <p:to>
+                                        <p:strVal val="visible"/>
+                                      </p:to>
+                                    </p:set>
+                                  </p:childTnLst>
+                                </p:cTn>
+                              </p:par>
+                            </p:childTnLst>
+                          </p:cTn>
+                        </p:par>
+                      </p:childTnLst>
+                    </p:cTn>
+                  </p:par>
                 </p:childTnLst>
               </p:cTn>
               <p:prevCondLst>
@@ -14296,7 +17246,7 @@
         </p:nvSpPr>
         <p:spPr>
           <a:xfrm>
-            <a:off x="59225" y="56675"/>
+            <a:off x="460950" y="2065350"/>
             <a:ext cx="8222100" cy="1012800"/>
           </a:xfrm>
           <a:prstGeom prst="rect">
@@ -14320,12 +17270,40 @@
             </a:pPr>
             <a:r>
               <a:rPr lang="en"/>
-              <a:t>Roles - Contributor</a:t>
+              <a:t>Terminology</a:t>
             </a:r>
             <a:endParaRPr/>
           </a:p>
         </p:txBody>
       </p:sp>
+      <p:pic>
+        <p:nvPicPr>
+          <p:cNvPr id="106" name="Shape 106"/>
+          <p:cNvPicPr preferRelativeResize="0"/>
+          <p:nvPr/>
+        </p:nvPicPr>
+        <p:blipFill>
+          <a:blip r:embed="rId4">
+            <a:alphaModFix/>
+          </a:blip>
+          <a:stretch>
+            <a:fillRect/>
+          </a:stretch>
+        </p:blipFill>
+        <p:spPr>
+          <a:xfrm>
+            <a:off x="4571975" y="1358875"/>
+            <a:ext cx="3189426" cy="3189426"/>
+          </a:xfrm>
+          <a:prstGeom prst="rect">
+            <a:avLst/>
+          </a:prstGeom>
+          <a:noFill/>
+          <a:ln>
+            <a:noFill/>
+          </a:ln>
+        </p:spPr>
+      </p:pic>
     </p:spTree>
   </p:cSld>
   <p:clrMapOvr>
@@ -14414,12 +17392,40 @@
             </a:pPr>
             <a:r>
               <a:rPr lang="en"/>
-              <a:t>Pull Request</a:t>
+              <a:t>Roles - Contributor</a:t>
             </a:r>
             <a:endParaRPr/>
           </a:p>
         </p:txBody>
       </p:sp>
+      <p:pic>
+        <p:nvPicPr>
+          <p:cNvPr id="113" name="Shape 113"/>
+          <p:cNvPicPr preferRelativeResize="0"/>
+          <p:nvPr/>
+        </p:nvPicPr>
+        <p:blipFill>
+          <a:blip r:embed="rId4">
+            <a:alphaModFix/>
+          </a:blip>
+          <a:stretch>
+            <a:fillRect/>
+          </a:stretch>
+        </p:blipFill>
+        <p:spPr>
+          <a:xfrm>
+            <a:off x="1224877" y="981175"/>
+            <a:ext cx="6147524" cy="4226426"/>
+          </a:xfrm>
+          <a:prstGeom prst="rect">
+            <a:avLst/>
+          </a:prstGeom>
+          <a:noFill/>
+          <a:ln>
+            <a:noFill/>
+          </a:ln>
+        </p:spPr>
+      </p:pic>
     </p:spTree>
   </p:cSld>
   <p:clrMapOvr>
@@ -14508,12 +17514,40 @@
             </a:pPr>
             <a:r>
               <a:rPr lang="en"/>
-              <a:t>Roles - Committer</a:t>
+              <a:t>Issues &amp; Questions</a:t>
             </a:r>
             <a:endParaRPr/>
           </a:p>
         </p:txBody>
       </p:sp>
+      <p:pic>
+        <p:nvPicPr>
+          <p:cNvPr id="120" name="Shape 120"/>
+          <p:cNvPicPr preferRelativeResize="0"/>
+          <p:nvPr/>
+        </p:nvPicPr>
+        <p:blipFill>
+          <a:blip r:embed="rId4">
+            <a:alphaModFix/>
+          </a:blip>
+          <a:stretch>
+            <a:fillRect/>
+          </a:stretch>
+        </p:blipFill>
+        <p:spPr>
+          <a:xfrm>
+            <a:off x="3117346" y="1302725"/>
+            <a:ext cx="2543200" cy="3390925"/>
+          </a:xfrm>
+          <a:prstGeom prst="rect">
+            <a:avLst/>
+          </a:prstGeom>
+          <a:noFill/>
+          <a:ln>
+            <a:noFill/>
+          </a:ln>
+        </p:spPr>
+      </p:pic>
     </p:spTree>
   </p:cSld>
   <p:clrMapOvr>
@@ -14602,40 +17636,12 @@
             </a:pPr>
             <a:r>
               <a:rPr lang="en"/>
-              <a:t>Issues Vs. Questions</a:t>
+              <a:t>Pull Request</a:t>
             </a:r>
             <a:endParaRPr/>
           </a:p>
         </p:txBody>
       </p:sp>
-      <p:pic>
-        <p:nvPicPr>
-          <p:cNvPr id="127" name="Shape 127"/>
-          <p:cNvPicPr preferRelativeResize="0"/>
-          <p:nvPr/>
-        </p:nvPicPr>
-        <p:blipFill>
-          <a:blip r:embed="rId4">
-            <a:alphaModFix/>
-          </a:blip>
-          <a:stretch>
-            <a:fillRect/>
-          </a:stretch>
-        </p:blipFill>
-        <p:spPr>
-          <a:xfrm>
-            <a:off x="3117346" y="1302725"/>
-            <a:ext cx="2543200" cy="3390925"/>
-          </a:xfrm>
-          <a:prstGeom prst="rect">
-            <a:avLst/>
-          </a:prstGeom>
-          <a:noFill/>
-          <a:ln>
-            <a:noFill/>
-          </a:ln>
-        </p:spPr>
-      </p:pic>
     </p:spTree>
   </p:cSld>
   <p:clrMapOvr>
@@ -14926,7 +17932,7 @@
 </file>
 
 <file path=ppt/theme/theme2.xml><?xml version="1.0" encoding="utf-8"?>
-<a:theme xmlns:a="http://schemas.openxmlformats.org/drawingml/2006/main" name="Custom Theme">
+<a:theme xmlns:a="http://schemas.openxmlformats.org/drawingml/2006/main">
   <a:themeElements>
     <a:clrScheme name="Default">
       <a:dk1>
